--- a/Kata Roman-Decimal.pptx
+++ b/Kata Roman-Decimal.pptx
@@ -6,10 +6,10 @@
     <p:sldMasterId id="2147483671" r:id="rId5"/>
   </p:sldMasterIdLst>
   <p:notesMasterIdLst>
-    <p:notesMasterId r:id="rId15"/>
+    <p:notesMasterId r:id="rId17"/>
   </p:notesMasterIdLst>
   <p:handoutMasterIdLst>
-    <p:handoutMasterId r:id="rId16"/>
+    <p:handoutMasterId r:id="rId18"/>
   </p:handoutMasterIdLst>
   <p:sldIdLst>
     <p:sldId id="538" r:id="rId6"/>
@@ -18,9 +18,11 @@
     <p:sldId id="577" r:id="rId9"/>
     <p:sldId id="571" r:id="rId10"/>
     <p:sldId id="572" r:id="rId11"/>
-    <p:sldId id="275" r:id="rId12"/>
-    <p:sldId id="573" r:id="rId13"/>
-    <p:sldId id="557" r:id="rId14"/>
+    <p:sldId id="578" r:id="rId12"/>
+    <p:sldId id="580" r:id="rId13"/>
+    <p:sldId id="275" r:id="rId14"/>
+    <p:sldId id="579" r:id="rId15"/>
+    <p:sldId id="557" r:id="rId16"/>
   </p:sldIdLst>
   <p:sldSz cx="12192000" cy="6858000"/>
   <p:notesSz cx="6858000" cy="9144000"/>
@@ -1542,6 +1544,116 @@
 </p:notes>
 </file>
 
+<file path=ppt/notesSlides/notesSlide10.xml><?xml version="1.0" encoding="utf-8"?>
+<p:notes xmlns:a="http://schemas.openxmlformats.org/drawingml/2006/main" xmlns:r="http://schemas.openxmlformats.org/officeDocument/2006/relationships" xmlns:p="http://schemas.openxmlformats.org/presentationml/2006/main" showMasterSp="0" showMasterPhAnim="0">
+  <p:cSld>
+    <p:spTree>
+      <p:nvGrpSpPr>
+        <p:cNvPr id="1" name="Shape 191"/>
+        <p:cNvGrpSpPr/>
+        <p:nvPr/>
+      </p:nvGrpSpPr>
+      <p:grpSpPr>
+        <a:xfrm>
+          <a:off x="0" y="0"/>
+          <a:ext cx="0" cy="0"/>
+          <a:chOff x="0" y="0"/>
+          <a:chExt cx="0" cy="0"/>
+        </a:xfrm>
+      </p:grpSpPr>
+      <p:sp>
+        <p:nvSpPr>
+          <p:cNvPr id="192" name="Shape 192"/>
+          <p:cNvSpPr txBox="1">
+            <a:spLocks noGrp="1"/>
+          </p:cNvSpPr>
+          <p:nvPr>
+            <p:ph type="body" idx="1"/>
+          </p:nvPr>
+        </p:nvSpPr>
+        <p:spPr>
+          <a:xfrm>
+            <a:off x="686113" y="4400687"/>
+            <a:ext cx="5485800" cy="3600599"/>
+          </a:xfrm>
+          <a:prstGeom prst="rect">
+            <a:avLst/>
+          </a:prstGeom>
+          <a:noFill/>
+          <a:ln>
+            <a:noFill/>
+          </a:ln>
+        </p:spPr>
+        <p:txBody>
+          <a:bodyPr lIns="90325" tIns="90325" rIns="90325" bIns="90325" anchor="ctr" anchorCtr="0">
+            <a:noAutofit/>
+          </a:bodyPr>
+          <a:lstStyle/>
+          <a:p>
+            <a:pPr lvl="0" rtl="0">
+              <a:spcBef>
+                <a:spcPts val="0"/>
+              </a:spcBef>
+              <a:buNone/>
+            </a:pPr>
+            <a:endParaRPr dirty="0"/>
+          </a:p>
+        </p:txBody>
+      </p:sp>
+      <p:sp>
+        <p:nvSpPr>
+          <p:cNvPr id="193" name="Shape 193"/>
+          <p:cNvSpPr>
+            <a:spLocks noGrp="1" noRot="1" noChangeAspect="1"/>
+          </p:cNvSpPr>
+          <p:nvPr>
+            <p:ph type="sldImg" idx="2"/>
+          </p:nvPr>
+        </p:nvSpPr>
+        <p:spPr>
+          <a:xfrm>
+            <a:off x="685800" y="1143000"/>
+            <a:ext cx="5486400" cy="3086100"/>
+          </a:xfrm>
+          <a:custGeom>
+            <a:avLst/>
+            <a:gdLst/>
+            <a:ahLst/>
+            <a:cxnLst/>
+            <a:rect l="0" t="0" r="0" b="0"/>
+            <a:pathLst>
+              <a:path w="120000" h="120000" extrusionOk="0">
+                <a:moveTo>
+                  <a:pt x="0" y="0"/>
+                </a:moveTo>
+                <a:lnTo>
+                  <a:pt x="120000" y="0"/>
+                </a:lnTo>
+                <a:lnTo>
+                  <a:pt x="120000" y="120000"/>
+                </a:lnTo>
+                <a:lnTo>
+                  <a:pt x="0" y="120000"/>
+                </a:lnTo>
+                <a:close/>
+              </a:path>
+            </a:pathLst>
+          </a:custGeom>
+        </p:spPr>
+      </p:sp>
+    </p:spTree>
+    <p:extLst>
+      <p:ext uri="{BB962C8B-B14F-4D97-AF65-F5344CB8AC3E}">
+        <p14:creationId xmlns:p14="http://schemas.microsoft.com/office/powerpoint/2010/main" val="2352904943"/>
+      </p:ext>
+    </p:extLst>
+  </p:cSld>
+  <p:clrMapOvr>
+    <a:masterClrMapping/>
+  </p:clrMapOvr>
+</p:notes>
+</file>
+
 <file path=ppt/notesSlides/notesSlide2.xml><?xml version="1.0" encoding="utf-8"?>
 <p:notes xmlns:a="http://schemas.openxmlformats.org/drawingml/2006/main" xmlns:r="http://schemas.openxmlformats.org/officeDocument/2006/relationships" xmlns:p="http://schemas.openxmlformats.org/presentationml/2006/main" showMasterSp="0" showMasterPhAnim="0">
   <p:cSld>
@@ -2192,7 +2304,7 @@
     </p:spTree>
     <p:extLst>
       <p:ext uri="{BB962C8B-B14F-4D97-AF65-F5344CB8AC3E}">
-        <p14:creationId xmlns:p14="http://schemas.microsoft.com/office/powerpoint/2010/main" val="2399380896"/>
+        <p14:creationId xmlns:p14="http://schemas.microsoft.com/office/powerpoint/2010/main" val="3138524346"/>
       </p:ext>
     </p:extLst>
   </p:cSld>
@@ -2207,7 +2319,7 @@
   <p:cSld>
     <p:spTree>
       <p:nvGrpSpPr>
-        <p:cNvPr id="1" name="Shape 165"/>
+        <p:cNvPr id="1" name="Shape 191"/>
         <p:cNvGrpSpPr/>
         <p:nvPr/>
       </p:nvGrpSpPr>
@@ -2221,7 +2333,7 @@
       </p:grpSpPr>
       <p:sp>
         <p:nvSpPr>
-          <p:cNvPr id="166" name="Shape 166"/>
+          <p:cNvPr id="192" name="Shape 192"/>
           <p:cNvSpPr txBox="1">
             <a:spLocks noGrp="1"/>
           </p:cNvSpPr>
@@ -2254,13 +2366,13 @@
               </a:spcBef>
               <a:buNone/>
             </a:pPr>
-            <a:endParaRPr/>
+            <a:endParaRPr dirty="0"/>
           </a:p>
         </p:txBody>
       </p:sp>
       <p:sp>
         <p:nvSpPr>
-          <p:cNvPr id="167" name="Shape 167"/>
+          <p:cNvPr id="193" name="Shape 193"/>
           <p:cNvSpPr>
             <a:spLocks noGrp="1" noRot="1" noChangeAspect="1"/>
           </p:cNvSpPr>
@@ -2302,7 +2414,117 @@
     </p:spTree>
     <p:extLst>
       <p:ext uri="{BB962C8B-B14F-4D97-AF65-F5344CB8AC3E}">
-        <p14:creationId xmlns:p14="http://schemas.microsoft.com/office/powerpoint/2010/main" val="695514449"/>
+        <p14:creationId xmlns:p14="http://schemas.microsoft.com/office/powerpoint/2010/main" val="4139830902"/>
+      </p:ext>
+    </p:extLst>
+  </p:cSld>
+  <p:clrMapOvr>
+    <a:masterClrMapping/>
+  </p:clrMapOvr>
+</p:notes>
+</file>
+
+<file path=ppt/notesSlides/notesSlide9.xml><?xml version="1.0" encoding="utf-8"?>
+<p:notes xmlns:a="http://schemas.openxmlformats.org/drawingml/2006/main" xmlns:r="http://schemas.openxmlformats.org/officeDocument/2006/relationships" xmlns:p="http://schemas.openxmlformats.org/presentationml/2006/main" showMasterSp="0" showMasterPhAnim="0">
+  <p:cSld>
+    <p:spTree>
+      <p:nvGrpSpPr>
+        <p:cNvPr id="1" name="Shape 191"/>
+        <p:cNvGrpSpPr/>
+        <p:nvPr/>
+      </p:nvGrpSpPr>
+      <p:grpSpPr>
+        <a:xfrm>
+          <a:off x="0" y="0"/>
+          <a:ext cx="0" cy="0"/>
+          <a:chOff x="0" y="0"/>
+          <a:chExt cx="0" cy="0"/>
+        </a:xfrm>
+      </p:grpSpPr>
+      <p:sp>
+        <p:nvSpPr>
+          <p:cNvPr id="192" name="Shape 192"/>
+          <p:cNvSpPr txBox="1">
+            <a:spLocks noGrp="1"/>
+          </p:cNvSpPr>
+          <p:nvPr>
+            <p:ph type="body" idx="1"/>
+          </p:nvPr>
+        </p:nvSpPr>
+        <p:spPr>
+          <a:xfrm>
+            <a:off x="686113" y="4400687"/>
+            <a:ext cx="5485800" cy="3600599"/>
+          </a:xfrm>
+          <a:prstGeom prst="rect">
+            <a:avLst/>
+          </a:prstGeom>
+          <a:noFill/>
+          <a:ln>
+            <a:noFill/>
+          </a:ln>
+        </p:spPr>
+        <p:txBody>
+          <a:bodyPr lIns="90325" tIns="90325" rIns="90325" bIns="90325" anchor="ctr" anchorCtr="0">
+            <a:noAutofit/>
+          </a:bodyPr>
+          <a:lstStyle/>
+          <a:p>
+            <a:pPr lvl="0" rtl="0">
+              <a:spcBef>
+                <a:spcPts val="0"/>
+              </a:spcBef>
+              <a:buNone/>
+            </a:pPr>
+            <a:endParaRPr dirty="0"/>
+          </a:p>
+        </p:txBody>
+      </p:sp>
+      <p:sp>
+        <p:nvSpPr>
+          <p:cNvPr id="193" name="Shape 193"/>
+          <p:cNvSpPr>
+            <a:spLocks noGrp="1" noRot="1" noChangeAspect="1"/>
+          </p:cNvSpPr>
+          <p:nvPr>
+            <p:ph type="sldImg" idx="2"/>
+          </p:nvPr>
+        </p:nvSpPr>
+        <p:spPr>
+          <a:xfrm>
+            <a:off x="685800" y="1143000"/>
+            <a:ext cx="5486400" cy="3086100"/>
+          </a:xfrm>
+          <a:custGeom>
+            <a:avLst/>
+            <a:gdLst/>
+            <a:ahLst/>
+            <a:cxnLst/>
+            <a:rect l="0" t="0" r="0" b="0"/>
+            <a:pathLst>
+              <a:path w="120000" h="120000" extrusionOk="0">
+                <a:moveTo>
+                  <a:pt x="0" y="0"/>
+                </a:moveTo>
+                <a:lnTo>
+                  <a:pt x="120000" y="0"/>
+                </a:lnTo>
+                <a:lnTo>
+                  <a:pt x="120000" y="120000"/>
+                </a:lnTo>
+                <a:lnTo>
+                  <a:pt x="0" y="120000"/>
+                </a:lnTo>
+                <a:close/>
+              </a:path>
+            </a:pathLst>
+          </a:custGeom>
+        </p:spPr>
+      </p:sp>
+    </p:spTree>
+    <p:extLst>
+      <p:ext uri="{BB962C8B-B14F-4D97-AF65-F5344CB8AC3E}">
+        <p14:creationId xmlns:p14="http://schemas.microsoft.com/office/powerpoint/2010/main" val="2399380896"/>
       </p:ext>
     </p:extLst>
   </p:cSld>
@@ -2396,7 +2618,7 @@
                 <a14:useLocalDpi xmlns:a14="http://schemas.microsoft.com/office/drawing/2010/main" val="0"/>
               </a:ext>
               <a:ext uri="{96DAC541-7B7A-43D3-8B79-37D633B846F1}">
-                <asvg:svgBlip xmlns="" xmlns:asvg="http://schemas.microsoft.com/office/drawing/2016/SVG/main" r:embed="rId3"/>
+                <asvg:svgBlip xmlns:asvg="http://schemas.microsoft.com/office/drawing/2016/SVG/main" xmlns="" r:embed="rId3"/>
               </a:ext>
             </a:extLst>
           </a:blip>
@@ -2434,7 +2656,7 @@
                 <a14:useLocalDpi xmlns:a14="http://schemas.microsoft.com/office/drawing/2010/main" val="0"/>
               </a:ext>
               <a:ext uri="{96DAC541-7B7A-43D3-8B79-37D633B846F1}">
-                <asvg:svgBlip xmlns="" xmlns:asvg="http://schemas.microsoft.com/office/drawing/2016/SVG/main" r:embed="rId5"/>
+                <asvg:svgBlip xmlns:asvg="http://schemas.microsoft.com/office/drawing/2016/SVG/main" xmlns="" r:embed="rId5"/>
               </a:ext>
             </a:extLst>
           </a:blip>
@@ -8064,11 +8286,11 @@
               </a:lnSpc>
             </a:pPr>
             <a:r>
-              <a:rPr lang="en-US" sz="3600" dirty="0">
+              <a:rPr lang="en-US" sz="3600" dirty="0" smtClean="0">
                 <a:latin typeface="Calibri" panose="020F0502020204030204" pitchFamily="34" charset="0"/>
                 <a:cs typeface="Calibri" panose="020F0502020204030204" pitchFamily="34" charset="0"/>
               </a:rPr>
-              <a:t>Kata </a:t>
+              <a:t>Kata: </a:t>
             </a:r>
             <a:r>
               <a:rPr lang="en-US" sz="3600" dirty="0" smtClean="0">
@@ -8214,13 +8436,13 @@
               </a:tabLst>
             </a:pPr>
             <a:r>
-              <a:rPr lang="es-ES" dirty="0" err="1">
+              <a:rPr lang="es-ES" dirty="0" smtClean="0">
                 <a:latin typeface="Calibri"/>
                 <a:ea typeface="Calibri"/>
                 <a:cs typeface="Calibri"/>
                 <a:sym typeface="Calibri"/>
               </a:rPr>
-              <a:t>Refactoring</a:t>
+              <a:t>TDD</a:t>
             </a:r>
             <a:endParaRPr lang="es-ES" dirty="0">
               <a:latin typeface="Calibri"/>
@@ -8253,6 +8475,561 @@
       </p:transition>
     </mc:Fallback>
   </mc:AlternateContent>
+</p:sld>
+</file>
+
+<file path=ppt/slides/slide10.xml><?xml version="1.0" encoding="utf-8"?>
+<p:sld xmlns:a="http://schemas.openxmlformats.org/drawingml/2006/main" xmlns:r="http://schemas.openxmlformats.org/officeDocument/2006/relationships" xmlns:p="http://schemas.openxmlformats.org/presentationml/2006/main">
+  <p:cSld>
+    <p:spTree>
+      <p:nvGrpSpPr>
+        <p:cNvPr id="1" name="Shape 194"/>
+        <p:cNvGrpSpPr/>
+        <p:nvPr/>
+      </p:nvGrpSpPr>
+      <p:grpSpPr>
+        <a:xfrm>
+          <a:off x="0" y="0"/>
+          <a:ext cx="0" cy="0"/>
+          <a:chOff x="0" y="0"/>
+          <a:chExt cx="0" cy="0"/>
+        </a:xfrm>
+      </p:grpSpPr>
+      <p:sp>
+        <p:nvSpPr>
+          <p:cNvPr id="196" name="Shape 196"/>
+          <p:cNvSpPr txBox="1"/>
+          <p:nvPr/>
+        </p:nvSpPr>
+        <p:spPr>
+          <a:xfrm>
+            <a:off x="609600" y="1294133"/>
+            <a:ext cx="10972800" cy="5326000"/>
+          </a:xfrm>
+          <a:prstGeom prst="rect">
+            <a:avLst/>
+          </a:prstGeom>
+          <a:noFill/>
+          <a:ln>
+            <a:noFill/>
+          </a:ln>
+        </p:spPr>
+        <p:txBody>
+          <a:bodyPr lIns="121900" tIns="60933" rIns="121900" bIns="60933" anchor="t" anchorCtr="0">
+            <a:noAutofit/>
+          </a:bodyPr>
+          <a:lstStyle/>
+          <a:p>
+            <a:pPr marL="380990" indent="-380990" algn="just">
+              <a:spcBef>
+                <a:spcPts val="533"/>
+              </a:spcBef>
+              <a:buFont typeface="Arial" panose="020B0604020202020204" pitchFamily="34" charset="0"/>
+              <a:buChar char="•"/>
+              <a:tabLst>
+                <a:tab pos="480472" algn="l"/>
+              </a:tabLst>
+            </a:pPr>
+            <a:r>
+              <a:rPr lang="es-ES_tradnl" sz="2400" dirty="0" smtClean="0">
+                <a:latin typeface="Times New Roman" panose="02020603050405020304" pitchFamily="18" charset="0"/>
+                <a:ea typeface="Calibri"/>
+                <a:cs typeface="Times New Roman" panose="02020603050405020304" pitchFamily="18" charset="0"/>
+                <a:sym typeface="Calibri"/>
+              </a:rPr>
+              <a:t>Se debe intentar realizar el test de uno en uno. </a:t>
+            </a:r>
+          </a:p>
+          <a:p>
+            <a:pPr marL="838190" lvl="1" indent="-380990" algn="just">
+              <a:spcBef>
+                <a:spcPts val="533"/>
+              </a:spcBef>
+              <a:buFont typeface="Arial" panose="020B0604020202020204" pitchFamily="34" charset="0"/>
+              <a:buChar char="•"/>
+              <a:tabLst>
+                <a:tab pos="480472" algn="l"/>
+              </a:tabLst>
+            </a:pPr>
+            <a:r>
+              <a:rPr lang="es-ES_tradnl" sz="2000" dirty="0" smtClean="0">
+                <a:latin typeface="Times New Roman" panose="02020603050405020304" pitchFamily="18" charset="0"/>
+                <a:ea typeface="Calibri"/>
+                <a:cs typeface="Times New Roman" panose="02020603050405020304" pitchFamily="18" charset="0"/>
+                <a:sym typeface="Calibri"/>
+              </a:rPr>
+              <a:t>Desde lo más sencillo a lo más complejo</a:t>
+            </a:r>
+          </a:p>
+          <a:p>
+            <a:pPr marL="380990" indent="-380990" algn="just">
+              <a:lnSpc>
+                <a:spcPct val="150000"/>
+              </a:lnSpc>
+              <a:spcBef>
+                <a:spcPts val="533"/>
+              </a:spcBef>
+              <a:buFont typeface="Arial" panose="020B0604020202020204" pitchFamily="34" charset="0"/>
+              <a:buChar char="•"/>
+              <a:tabLst>
+                <a:tab pos="480472" algn="l"/>
+              </a:tabLst>
+            </a:pPr>
+            <a:r>
+              <a:rPr lang="es-ES_tradnl" sz="2400" dirty="0" smtClean="0">
+                <a:latin typeface="Times New Roman" panose="02020603050405020304" pitchFamily="18" charset="0"/>
+                <a:ea typeface="Calibri"/>
+                <a:cs typeface="Times New Roman" panose="02020603050405020304" pitchFamily="18" charset="0"/>
+                <a:sym typeface="Calibri"/>
+              </a:rPr>
+              <a:t>Se debe intentar implementar el código mínimo necesario para cada test. </a:t>
+            </a:r>
+          </a:p>
+          <a:p>
+            <a:pPr marL="838190" lvl="1" indent="-380990" algn="just">
+              <a:spcBef>
+                <a:spcPts val="533"/>
+              </a:spcBef>
+              <a:buFont typeface="Arial" panose="020B0604020202020204" pitchFamily="34" charset="0"/>
+              <a:buChar char="•"/>
+              <a:tabLst>
+                <a:tab pos="480472" algn="l"/>
+              </a:tabLst>
+            </a:pPr>
+            <a:r>
+              <a:rPr lang="es-ES_tradnl" sz="2000" dirty="0" smtClean="0">
+                <a:latin typeface="Times New Roman" panose="02020603050405020304" pitchFamily="18" charset="0"/>
+                <a:ea typeface="Calibri"/>
+                <a:cs typeface="Times New Roman" panose="02020603050405020304" pitchFamily="18" charset="0"/>
+                <a:sym typeface="Calibri"/>
+              </a:rPr>
+              <a:t>Aunque se conozca el problema completo, hay que evitar el “</a:t>
+            </a:r>
+            <a:r>
+              <a:rPr lang="es-ES_tradnl" sz="2000" i="1" dirty="0" smtClean="0">
+                <a:latin typeface="Times New Roman" panose="02020603050405020304" pitchFamily="18" charset="0"/>
+                <a:ea typeface="Calibri"/>
+                <a:cs typeface="Times New Roman" panose="02020603050405020304" pitchFamily="18" charset="0"/>
+                <a:sym typeface="Calibri"/>
+              </a:rPr>
+              <a:t>Speculative generalization</a:t>
+            </a:r>
+            <a:r>
+              <a:rPr lang="es-ES_tradnl" sz="2000" dirty="0" smtClean="0">
+                <a:latin typeface="Times New Roman" panose="02020603050405020304" pitchFamily="18" charset="0"/>
+                <a:ea typeface="Calibri"/>
+                <a:cs typeface="Times New Roman" panose="02020603050405020304" pitchFamily="18" charset="0"/>
+                <a:sym typeface="Calibri"/>
+              </a:rPr>
+              <a:t>”</a:t>
+            </a:r>
+          </a:p>
+          <a:p>
+            <a:pPr marL="380990" indent="-380990" algn="just">
+              <a:lnSpc>
+                <a:spcPct val="150000"/>
+              </a:lnSpc>
+              <a:spcBef>
+                <a:spcPts val="533"/>
+              </a:spcBef>
+              <a:buFont typeface="Arial" panose="020B0604020202020204" pitchFamily="34" charset="0"/>
+              <a:buChar char="•"/>
+              <a:tabLst>
+                <a:tab pos="480472" algn="l"/>
+              </a:tabLst>
+            </a:pPr>
+            <a:r>
+              <a:rPr lang="es-ES_tradnl" sz="2400" dirty="0" smtClean="0">
+                <a:latin typeface="Times New Roman" panose="02020603050405020304" pitchFamily="18" charset="0"/>
+                <a:ea typeface="Calibri"/>
+                <a:cs typeface="Times New Roman" panose="02020603050405020304" pitchFamily="18" charset="0"/>
+                <a:sym typeface="Calibri"/>
+              </a:rPr>
+              <a:t>En cada implementación de un test, se debe refactorizar el código.</a:t>
+            </a:r>
+          </a:p>
+          <a:p>
+            <a:pPr marL="838190" lvl="2" indent="-380990" algn="just">
+              <a:spcBef>
+                <a:spcPts val="533"/>
+              </a:spcBef>
+              <a:buFont typeface="Arial" panose="020B0604020202020204" pitchFamily="34" charset="0"/>
+              <a:buChar char="•"/>
+              <a:tabLst>
+                <a:tab pos="480472" algn="l"/>
+              </a:tabLst>
+            </a:pPr>
+            <a:r>
+              <a:rPr lang="es-ES_tradnl" sz="2000" dirty="0" smtClean="0">
+                <a:latin typeface="Times New Roman" panose="02020603050405020304" pitchFamily="18" charset="0"/>
+                <a:ea typeface="Calibri"/>
+                <a:cs typeface="Times New Roman" panose="02020603050405020304" pitchFamily="18" charset="0"/>
+                <a:sym typeface="Calibri"/>
+              </a:rPr>
+              <a:t>¿</a:t>
+            </a:r>
+            <a:r>
+              <a:rPr lang="es-ES_tradnl" sz="2000" i="1" dirty="0" smtClean="0">
+                <a:latin typeface="Times New Roman" panose="02020603050405020304" pitchFamily="18" charset="0"/>
+                <a:ea typeface="Calibri"/>
+                <a:cs typeface="Times New Roman" panose="02020603050405020304" pitchFamily="18" charset="0"/>
+                <a:sym typeface="Calibri"/>
+              </a:rPr>
+              <a:t>me siento cómodo con este código</a:t>
+            </a:r>
+            <a:r>
+              <a:rPr lang="es-ES_tradnl" sz="2000" dirty="0" smtClean="0">
+                <a:latin typeface="Times New Roman" panose="02020603050405020304" pitchFamily="18" charset="0"/>
+                <a:ea typeface="Calibri"/>
+                <a:cs typeface="Times New Roman" panose="02020603050405020304" pitchFamily="18" charset="0"/>
+                <a:sym typeface="Calibri"/>
+              </a:rPr>
+              <a:t>? </a:t>
+            </a:r>
+          </a:p>
+          <a:p>
+            <a:pPr marL="838190" lvl="2" indent="-380990" algn="just">
+              <a:spcBef>
+                <a:spcPts val="533"/>
+              </a:spcBef>
+              <a:buFont typeface="Arial" panose="020B0604020202020204" pitchFamily="34" charset="0"/>
+              <a:buChar char="•"/>
+              <a:tabLst>
+                <a:tab pos="480472" algn="l"/>
+              </a:tabLst>
+            </a:pPr>
+            <a:r>
+              <a:rPr lang="es-ES_tradnl" sz="2000" dirty="0" smtClean="0">
+                <a:latin typeface="Times New Roman" panose="02020603050405020304" pitchFamily="18" charset="0"/>
+                <a:ea typeface="Calibri"/>
+                <a:cs typeface="Times New Roman" panose="02020603050405020304" pitchFamily="18" charset="0"/>
+                <a:sym typeface="Calibri"/>
+              </a:rPr>
+              <a:t>¿</a:t>
+            </a:r>
+            <a:r>
+              <a:rPr lang="es-ES_tradnl" sz="2000" i="1" dirty="0" smtClean="0">
+                <a:latin typeface="Times New Roman" panose="02020603050405020304" pitchFamily="18" charset="0"/>
+                <a:ea typeface="Calibri"/>
+                <a:cs typeface="Times New Roman" panose="02020603050405020304" pitchFamily="18" charset="0"/>
+                <a:sym typeface="Calibri"/>
+              </a:rPr>
+              <a:t>cambiaría la implementación a objetos</a:t>
+            </a:r>
+            <a:r>
+              <a:rPr lang="es-ES_tradnl" sz="2000" dirty="0" smtClean="0">
+                <a:latin typeface="Times New Roman" panose="02020603050405020304" pitchFamily="18" charset="0"/>
+                <a:ea typeface="Calibri"/>
+                <a:cs typeface="Times New Roman" panose="02020603050405020304" pitchFamily="18" charset="0"/>
+                <a:sym typeface="Calibri"/>
+              </a:rPr>
+              <a:t>? </a:t>
+            </a:r>
+          </a:p>
+          <a:p>
+            <a:pPr marL="838190" lvl="2" indent="-380990" algn="just">
+              <a:spcBef>
+                <a:spcPts val="533"/>
+              </a:spcBef>
+              <a:buFont typeface="Arial" panose="020B0604020202020204" pitchFamily="34" charset="0"/>
+              <a:buChar char="•"/>
+              <a:tabLst>
+                <a:tab pos="480472" algn="l"/>
+              </a:tabLst>
+            </a:pPr>
+            <a:r>
+              <a:rPr lang="es-ES_tradnl" sz="2000" dirty="0" smtClean="0">
+                <a:latin typeface="Times New Roman" panose="02020603050405020304" pitchFamily="18" charset="0"/>
+                <a:ea typeface="Calibri"/>
+                <a:cs typeface="Times New Roman" panose="02020603050405020304" pitchFamily="18" charset="0"/>
+                <a:sym typeface="Calibri"/>
+              </a:rPr>
+              <a:t>¿</a:t>
+            </a:r>
+            <a:r>
+              <a:rPr lang="es-ES_tradnl" sz="2000" i="1" dirty="0" smtClean="0">
+                <a:latin typeface="Times New Roman" panose="02020603050405020304" pitchFamily="18" charset="0"/>
+                <a:ea typeface="Calibri"/>
+                <a:cs typeface="Times New Roman" panose="02020603050405020304" pitchFamily="18" charset="0"/>
+                <a:sym typeface="Calibri"/>
+              </a:rPr>
+              <a:t>cambiaría la implementación con herencia</a:t>
+            </a:r>
+            <a:r>
+              <a:rPr lang="es-ES_tradnl" sz="2000" dirty="0" smtClean="0">
+                <a:latin typeface="Times New Roman" panose="02020603050405020304" pitchFamily="18" charset="0"/>
+                <a:ea typeface="Calibri"/>
+                <a:cs typeface="Times New Roman" panose="02020603050405020304" pitchFamily="18" charset="0"/>
+                <a:sym typeface="Calibri"/>
+              </a:rPr>
+              <a:t>? </a:t>
+            </a:r>
+          </a:p>
+          <a:p>
+            <a:pPr marL="838190" lvl="2" indent="-380990" algn="just">
+              <a:spcBef>
+                <a:spcPts val="533"/>
+              </a:spcBef>
+              <a:buFont typeface="Arial" panose="020B0604020202020204" pitchFamily="34" charset="0"/>
+              <a:buChar char="•"/>
+              <a:tabLst>
+                <a:tab pos="480472" algn="l"/>
+              </a:tabLst>
+            </a:pPr>
+            <a:r>
+              <a:rPr lang="es-ES_tradnl" sz="2000" dirty="0" smtClean="0">
+                <a:latin typeface="Times New Roman" panose="02020603050405020304" pitchFamily="18" charset="0"/>
+                <a:ea typeface="Calibri"/>
+                <a:cs typeface="Times New Roman" panose="02020603050405020304" pitchFamily="18" charset="0"/>
+                <a:sym typeface="Calibri"/>
+              </a:rPr>
+              <a:t>¿</a:t>
+            </a:r>
+            <a:r>
+              <a:rPr lang="es-ES_tradnl" sz="2000" i="1" dirty="0" smtClean="0">
+                <a:latin typeface="Times New Roman" panose="02020603050405020304" pitchFamily="18" charset="0"/>
+                <a:ea typeface="Calibri"/>
+                <a:cs typeface="Times New Roman" panose="02020603050405020304" pitchFamily="18" charset="0"/>
+                <a:sym typeface="Calibri"/>
+              </a:rPr>
+              <a:t>es la mejor estructura de datos que se podría utilizar</a:t>
+            </a:r>
+            <a:r>
+              <a:rPr lang="es-ES_tradnl" sz="2000" dirty="0" smtClean="0">
+                <a:latin typeface="Times New Roman" panose="02020603050405020304" pitchFamily="18" charset="0"/>
+                <a:ea typeface="Calibri"/>
+                <a:cs typeface="Times New Roman" panose="02020603050405020304" pitchFamily="18" charset="0"/>
+                <a:sym typeface="Calibri"/>
+              </a:rPr>
+              <a:t>?</a:t>
+            </a:r>
+          </a:p>
+          <a:p>
+            <a:pPr marL="380990" indent="-380990" algn="just">
+              <a:lnSpc>
+                <a:spcPct val="150000"/>
+              </a:lnSpc>
+              <a:spcBef>
+                <a:spcPts val="533"/>
+              </a:spcBef>
+              <a:buFont typeface="Arial" panose="020B0604020202020204" pitchFamily="34" charset="0"/>
+              <a:buChar char="•"/>
+              <a:tabLst>
+                <a:tab pos="480472" algn="l"/>
+              </a:tabLst>
+            </a:pPr>
+            <a:r>
+              <a:rPr lang="es-ES_tradnl" sz="2400" dirty="0" smtClean="0">
+                <a:latin typeface="Times New Roman" panose="02020603050405020304" pitchFamily="18" charset="0"/>
+                <a:ea typeface="Calibri"/>
+                <a:cs typeface="Times New Roman" panose="02020603050405020304" pitchFamily="18" charset="0"/>
+                <a:sym typeface="Calibri"/>
+              </a:rPr>
+              <a:t>Si ha resultado fácil, probad a realizar la función inversa. </a:t>
+            </a:r>
+          </a:p>
+          <a:p>
+            <a:pPr marL="838190" lvl="1" indent="-380990" algn="just">
+              <a:spcBef>
+                <a:spcPts val="533"/>
+              </a:spcBef>
+              <a:buFont typeface="Arial" panose="020B0604020202020204" pitchFamily="34" charset="0"/>
+              <a:buChar char="•"/>
+              <a:tabLst>
+                <a:tab pos="480472" algn="l"/>
+              </a:tabLst>
+            </a:pPr>
+            <a:r>
+              <a:rPr lang="es-ES_tradnl" sz="2000" dirty="0" smtClean="0">
+                <a:latin typeface="Times New Roman" panose="02020603050405020304" pitchFamily="18" charset="0"/>
+                <a:ea typeface="Calibri"/>
+                <a:cs typeface="Times New Roman" panose="02020603050405020304" pitchFamily="18" charset="0"/>
+                <a:sym typeface="Calibri"/>
+              </a:rPr>
+              <a:t>Una función que dado un número </a:t>
+            </a:r>
+            <a:r>
+              <a:rPr lang="es-ES_tradnl" sz="2000" dirty="0" smtClean="0">
+                <a:latin typeface="Times New Roman" panose="02020603050405020304" pitchFamily="18" charset="0"/>
+                <a:ea typeface="Calibri"/>
+                <a:cs typeface="Times New Roman" panose="02020603050405020304" pitchFamily="18" charset="0"/>
+                <a:sym typeface="Calibri"/>
+              </a:rPr>
+              <a:t>normal </a:t>
+            </a:r>
+            <a:r>
+              <a:rPr lang="es-ES_tradnl" sz="2000" dirty="0" smtClean="0">
+                <a:latin typeface="Times New Roman" panose="02020603050405020304" pitchFamily="18" charset="0"/>
+                <a:ea typeface="Calibri"/>
+                <a:cs typeface="Times New Roman" panose="02020603050405020304" pitchFamily="18" charset="0"/>
+                <a:sym typeface="Calibri"/>
+              </a:rPr>
+              <a:t>lo convierta a un número </a:t>
+            </a:r>
+            <a:r>
+              <a:rPr lang="es-ES_tradnl" sz="2000" dirty="0" smtClean="0">
+                <a:latin typeface="Times New Roman" panose="02020603050405020304" pitchFamily="18" charset="0"/>
+                <a:ea typeface="Calibri"/>
+                <a:cs typeface="Times New Roman" panose="02020603050405020304" pitchFamily="18" charset="0"/>
+                <a:sym typeface="Calibri"/>
+              </a:rPr>
+              <a:t>romano.</a:t>
+            </a:r>
+            <a:endParaRPr lang="es-ES_tradnl" sz="2000" dirty="0" smtClean="0">
+              <a:latin typeface="Times New Roman" panose="02020603050405020304" pitchFamily="18" charset="0"/>
+              <a:ea typeface="Calibri"/>
+              <a:cs typeface="Times New Roman" panose="02020603050405020304" pitchFamily="18" charset="0"/>
+              <a:sym typeface="Calibri"/>
+            </a:endParaRPr>
+          </a:p>
+          <a:p>
+            <a:pPr marL="380990" indent="-380990" algn="just">
+              <a:spcBef>
+                <a:spcPts val="533"/>
+              </a:spcBef>
+              <a:buFont typeface="Arial" panose="020B0604020202020204" pitchFamily="34" charset="0"/>
+              <a:buChar char="•"/>
+              <a:tabLst>
+                <a:tab pos="480472" algn="l"/>
+              </a:tabLst>
+            </a:pPr>
+            <a:endParaRPr lang="es-ES_tradnl" sz="2000" dirty="0" smtClean="0">
+              <a:latin typeface="Calibri"/>
+              <a:ea typeface="Calibri"/>
+              <a:cs typeface="Calibri"/>
+              <a:sym typeface="Calibri"/>
+            </a:endParaRPr>
+          </a:p>
+        </p:txBody>
+      </p:sp>
+      <p:sp>
+        <p:nvSpPr>
+          <p:cNvPr id="5" name="Shape 195"/>
+          <p:cNvSpPr txBox="1">
+            <a:spLocks/>
+          </p:cNvSpPr>
+          <p:nvPr/>
+        </p:nvSpPr>
+        <p:spPr>
+          <a:xfrm>
+            <a:off x="609600" y="274635"/>
+            <a:ext cx="10972800" cy="686800"/>
+          </a:xfrm>
+          <a:prstGeom prst="rect">
+            <a:avLst/>
+          </a:prstGeom>
+          <a:noFill/>
+          <a:ln>
+            <a:noFill/>
+          </a:ln>
+        </p:spPr>
+        <p:txBody>
+          <a:bodyPr vert="horz" lIns="121900" tIns="60933" rIns="121900" bIns="60933" rtlCol="0" anchor="ctr" anchorCtr="0">
+            <a:noAutofit/>
+          </a:bodyPr>
+          <a:lstStyle>
+            <a:lvl1pPr algn="l" defTabSz="914400" rtl="0" eaLnBrk="1" latinLnBrk="0" hangingPunct="1">
+              <a:lnSpc>
+                <a:spcPct val="90000"/>
+              </a:lnSpc>
+              <a:spcBef>
+                <a:spcPct val="0"/>
+              </a:spcBef>
+              <a:buNone/>
+              <a:defRPr lang="pt-PT" sz="2600" kern="1200">
+                <a:solidFill>
+                  <a:schemeClr val="tx2"/>
+                </a:solidFill>
+                <a:latin typeface="Verdana" panose="020B0604030504040204" pitchFamily="34" charset="0"/>
+                <a:ea typeface="Verdana" panose="020B0604030504040204" pitchFamily="34" charset="0"/>
+                <a:cs typeface="Verdana" panose="020B0604030504040204" pitchFamily="34" charset="0"/>
+              </a:defRPr>
+            </a:lvl1pPr>
+          </a:lstStyle>
+          <a:p>
+            <a:pPr>
+              <a:buSzPct val="25000"/>
+            </a:pPr>
+            <a:r>
+              <a:rPr lang="es" sz="4267" b="1" dirty="0" smtClean="0">
+                <a:solidFill>
+                  <a:srgbClr val="00B0F0"/>
+                </a:solidFill>
+                <a:latin typeface="Times New Roman" panose="02020603050405020304" pitchFamily="18" charset="0"/>
+                <a:cs typeface="Times New Roman" panose="02020603050405020304" pitchFamily="18" charset="0"/>
+              </a:rPr>
+              <a:t>Roman-Decimal </a:t>
+            </a:r>
+            <a:r>
+              <a:rPr lang="es" sz="2667" dirty="0" smtClean="0">
+                <a:solidFill>
+                  <a:srgbClr val="00B0F0"/>
+                </a:solidFill>
+                <a:latin typeface="Times New Roman" panose="02020603050405020304" pitchFamily="18" charset="0"/>
+                <a:cs typeface="Times New Roman" panose="02020603050405020304" pitchFamily="18" charset="0"/>
+              </a:rPr>
+              <a:t>(Consejos</a:t>
+            </a:r>
+            <a:r>
+              <a:rPr lang="es" sz="2667" dirty="0" smtClean="0">
+                <a:solidFill>
+                  <a:srgbClr val="00B0F0"/>
+                </a:solidFill>
+                <a:latin typeface="Times New Roman" panose="02020603050405020304" pitchFamily="18" charset="0"/>
+                <a:cs typeface="Times New Roman" panose="02020603050405020304" pitchFamily="18" charset="0"/>
+              </a:rPr>
+              <a:t>)</a:t>
+            </a:r>
+            <a:endParaRPr lang="es" sz="1600" dirty="0">
+              <a:solidFill>
+                <a:srgbClr val="00B0F0"/>
+              </a:solidFill>
+              <a:latin typeface="Times New Roman" panose="02020603050405020304" pitchFamily="18" charset="0"/>
+              <a:cs typeface="Times New Roman" panose="02020603050405020304" pitchFamily="18" charset="0"/>
+            </a:endParaRPr>
+          </a:p>
+        </p:txBody>
+      </p:sp>
+    </p:spTree>
+    <p:extLst>
+      <p:ext uri="{BB962C8B-B14F-4D97-AF65-F5344CB8AC3E}">
+        <p14:creationId xmlns:p14="http://schemas.microsoft.com/office/powerpoint/2010/main" val="1212919926"/>
+      </p:ext>
+    </p:extLst>
+  </p:cSld>
+  <p:clrMapOvr>
+    <a:masterClrMapping/>
+  </p:clrMapOvr>
+</p:sld>
+</file>
+
+<file path=ppt/slides/slide11.xml><?xml version="1.0" encoding="utf-8"?>
+<p:sld xmlns:a="http://schemas.openxmlformats.org/drawingml/2006/main" xmlns:r="http://schemas.openxmlformats.org/officeDocument/2006/relationships" xmlns:p="http://schemas.openxmlformats.org/presentationml/2006/main">
+  <p:cSld>
+    <p:spTree>
+      <p:nvGrpSpPr>
+        <p:cNvPr id="1" name=""/>
+        <p:cNvGrpSpPr/>
+        <p:nvPr/>
+      </p:nvGrpSpPr>
+      <p:grpSpPr>
+        <a:xfrm>
+          <a:off x="0" y="0"/>
+          <a:ext cx="0" cy="0"/>
+          <a:chOff x="0" y="0"/>
+          <a:chExt cx="0" cy="0"/>
+        </a:xfrm>
+      </p:grpSpPr>
+    </p:spTree>
+    <p:extLst>
+      <p:ext uri="{BB962C8B-B14F-4D97-AF65-F5344CB8AC3E}">
+        <p14:creationId xmlns:p14="http://schemas.microsoft.com/office/powerpoint/2010/main" val="1545407803"/>
+      </p:ext>
+    </p:extLst>
+  </p:cSld>
+  <p:clrMapOvr>
+    <a:masterClrMapping/>
+  </p:clrMapOvr>
 </p:sld>
 </file>
 
@@ -9857,6 +10634,8 @@
                 <a:solidFill>
                   <a:schemeClr val="lt1"/>
                 </a:solidFill>
+                <a:latin typeface="Times New Roman" panose="02020603050405020304" pitchFamily="18" charset="0"/>
+                <a:cs typeface="Times New Roman" panose="02020603050405020304" pitchFamily="18" charset="0"/>
               </a:rPr>
               <a:t>Práctica</a:t>
             </a:r>
@@ -10120,18 +10899,22 @@
               <a:buSzPct val="25000"/>
             </a:pPr>
             <a:r>
-              <a:rPr lang="es" sz="6000" dirty="0">
+              <a:rPr lang="es" sz="6000" dirty="0" smtClean="0">
                 <a:solidFill>
                   <a:srgbClr val="002060"/>
                 </a:solidFill>
-              </a:rPr>
-              <a:t>Kata </a:t>
+                <a:latin typeface="Times New Roman" panose="02020603050405020304" pitchFamily="18" charset="0"/>
+                <a:cs typeface="Times New Roman" panose="02020603050405020304" pitchFamily="18" charset="0"/>
+              </a:rPr>
+              <a:t>Kata: </a:t>
             </a:r>
             <a:r>
               <a:rPr lang="en-US" sz="6000" dirty="0" smtClean="0">
                 <a:solidFill>
                   <a:srgbClr val="002060"/>
                 </a:solidFill>
+                <a:latin typeface="Times New Roman" panose="02020603050405020304" pitchFamily="18" charset="0"/>
+                <a:cs typeface="Times New Roman" panose="02020603050405020304" pitchFamily="18" charset="0"/>
               </a:rPr>
               <a:t>Roman-Decimal</a:t>
             </a:r>
@@ -10139,6 +10922,8 @@
               <a:solidFill>
                 <a:srgbClr val="002060"/>
               </a:solidFill>
+              <a:latin typeface="Times New Roman" panose="02020603050405020304" pitchFamily="18" charset="0"/>
+              <a:cs typeface="Times New Roman" panose="02020603050405020304" pitchFamily="18" charset="0"/>
             </a:endParaRPr>
           </a:p>
         </p:txBody>
@@ -10157,6 +10942,1013 @@
 </file>
 
 <file path=ppt/slides/slide7.xml><?xml version="1.0" encoding="utf-8"?>
+<p:sld xmlns:a="http://schemas.openxmlformats.org/drawingml/2006/main" xmlns:r="http://schemas.openxmlformats.org/officeDocument/2006/relationships" xmlns:p="http://schemas.openxmlformats.org/presentationml/2006/main">
+  <p:cSld>
+    <p:spTree>
+      <p:nvGrpSpPr>
+        <p:cNvPr id="1" name="Shape 194"/>
+        <p:cNvGrpSpPr/>
+        <p:nvPr/>
+      </p:nvGrpSpPr>
+      <p:grpSpPr>
+        <a:xfrm>
+          <a:off x="0" y="0"/>
+          <a:ext cx="0" cy="0"/>
+          <a:chOff x="0" y="0"/>
+          <a:chExt cx="0" cy="0"/>
+        </a:xfrm>
+      </p:grpSpPr>
+      <p:sp>
+        <p:nvSpPr>
+          <p:cNvPr id="196" name="Shape 196"/>
+          <p:cNvSpPr txBox="1"/>
+          <p:nvPr/>
+        </p:nvSpPr>
+        <p:spPr>
+          <a:xfrm>
+            <a:off x="6312024" y="1415368"/>
+            <a:ext cx="5472608" cy="4749936"/>
+          </a:xfrm>
+          <a:prstGeom prst="rect">
+            <a:avLst/>
+          </a:prstGeom>
+          <a:noFill/>
+          <a:ln>
+            <a:noFill/>
+          </a:ln>
+        </p:spPr>
+        <p:txBody>
+          <a:bodyPr lIns="121900" tIns="60933" rIns="121900" bIns="60933" anchor="t" anchorCtr="0">
+            <a:noAutofit/>
+          </a:bodyPr>
+          <a:lstStyle/>
+          <a:p>
+            <a:pPr algn="just">
+              <a:spcBef>
+                <a:spcPts val="533"/>
+              </a:spcBef>
+              <a:tabLst>
+                <a:tab pos="480472" algn="l"/>
+              </a:tabLst>
+            </a:pPr>
+            <a:r>
+              <a:rPr lang="es-ES" sz="2000" dirty="0" smtClean="0">
+                <a:latin typeface="Times New Roman" panose="02020603050405020304" pitchFamily="18" charset="0"/>
+                <a:ea typeface="Calibri"/>
+                <a:cs typeface="Times New Roman" panose="02020603050405020304" pitchFamily="18" charset="0"/>
+                <a:sym typeface="Calibri"/>
+              </a:rPr>
+              <a:t>Los romanos eran tipos inteligentes. Conquistaron la mayor parte de Europa y la gobernaron durante cientos de años. Inventaron los caminos de hormigón e incluso los bikinis. Pero una cosa que nunca descubrieron fue el número cero. </a:t>
+            </a:r>
+          </a:p>
+          <a:p>
+            <a:pPr algn="just">
+              <a:spcBef>
+                <a:spcPts val="533"/>
+              </a:spcBef>
+              <a:tabLst>
+                <a:tab pos="480472" algn="l"/>
+              </a:tabLst>
+            </a:pPr>
+            <a:r>
+              <a:rPr lang="es-ES" sz="2000" dirty="0" smtClean="0">
+                <a:latin typeface="Times New Roman" panose="02020603050405020304" pitchFamily="18" charset="0"/>
+                <a:ea typeface="Calibri"/>
+                <a:cs typeface="Times New Roman" panose="02020603050405020304" pitchFamily="18" charset="0"/>
+                <a:sym typeface="Calibri"/>
+              </a:rPr>
+              <a:t>Esto hizo que escribir y fechar extensas historias de sus hazañas fuese un poco más desafiante, pero el sistema de números que se les ocurrió sigue en uso hoy en día. Por ejemplo, la BBC utiliza números romanos para fechar sus programas. </a:t>
+            </a:r>
+          </a:p>
+          <a:p>
+            <a:pPr algn="just">
+              <a:spcBef>
+                <a:spcPts val="533"/>
+              </a:spcBef>
+              <a:tabLst>
+                <a:tab pos="480472" algn="l"/>
+              </a:tabLst>
+            </a:pPr>
+            <a:r>
+              <a:rPr lang="es-ES" sz="2000" dirty="0" smtClean="0">
+                <a:latin typeface="Times New Roman" panose="02020603050405020304" pitchFamily="18" charset="0"/>
+                <a:ea typeface="Calibri"/>
+                <a:cs typeface="Times New Roman" panose="02020603050405020304" pitchFamily="18" charset="0"/>
+                <a:sym typeface="Calibri"/>
+              </a:rPr>
+              <a:t>Los romanos escribieron números usando letras - I, V, X, L, C, D, M. (observe que estas letras tienen muchas líneas rectas y por lo tanto son fáciles de cortar y tallar en piedra).</a:t>
+            </a:r>
+          </a:p>
+          <a:p>
+            <a:pPr algn="just">
+              <a:spcBef>
+                <a:spcPts val="533"/>
+              </a:spcBef>
+              <a:tabLst>
+                <a:tab pos="480472" algn="l"/>
+              </a:tabLst>
+            </a:pPr>
+            <a:endParaRPr lang="es-ES" sz="1400" dirty="0">
+              <a:latin typeface="Calibri"/>
+              <a:ea typeface="Calibri"/>
+              <a:cs typeface="Calibri"/>
+              <a:sym typeface="Calibri"/>
+            </a:endParaRPr>
+          </a:p>
+        </p:txBody>
+      </p:sp>
+      <p:sp>
+        <p:nvSpPr>
+          <p:cNvPr id="5" name="Shape 195"/>
+          <p:cNvSpPr txBox="1">
+            <a:spLocks/>
+          </p:cNvSpPr>
+          <p:nvPr/>
+        </p:nvSpPr>
+        <p:spPr>
+          <a:xfrm>
+            <a:off x="609600" y="274635"/>
+            <a:ext cx="10972800" cy="686800"/>
+          </a:xfrm>
+          <a:prstGeom prst="rect">
+            <a:avLst/>
+          </a:prstGeom>
+          <a:noFill/>
+          <a:ln>
+            <a:noFill/>
+          </a:ln>
+        </p:spPr>
+        <p:txBody>
+          <a:bodyPr vert="horz" lIns="121900" tIns="60933" rIns="121900" bIns="60933" rtlCol="0" anchor="ctr" anchorCtr="0">
+            <a:noAutofit/>
+          </a:bodyPr>
+          <a:lstStyle>
+            <a:lvl1pPr algn="l" defTabSz="914400" rtl="0" eaLnBrk="1" latinLnBrk="0" hangingPunct="1">
+              <a:lnSpc>
+                <a:spcPct val="90000"/>
+              </a:lnSpc>
+              <a:spcBef>
+                <a:spcPct val="0"/>
+              </a:spcBef>
+              <a:buNone/>
+              <a:defRPr lang="pt-PT" sz="2600" kern="1200">
+                <a:solidFill>
+                  <a:schemeClr val="tx2"/>
+                </a:solidFill>
+                <a:latin typeface="Verdana" panose="020B0604030504040204" pitchFamily="34" charset="0"/>
+                <a:ea typeface="Verdana" panose="020B0604030504040204" pitchFamily="34" charset="0"/>
+                <a:cs typeface="Verdana" panose="020B0604030504040204" pitchFamily="34" charset="0"/>
+              </a:defRPr>
+            </a:lvl1pPr>
+          </a:lstStyle>
+          <a:p>
+            <a:pPr>
+              <a:buSzPct val="25000"/>
+            </a:pPr>
+            <a:r>
+              <a:rPr lang="es" sz="4267" b="1" dirty="0" smtClean="0">
+                <a:solidFill>
+                  <a:srgbClr val="00B0F0"/>
+                </a:solidFill>
+                <a:latin typeface="Times New Roman" panose="02020603050405020304" pitchFamily="18" charset="0"/>
+                <a:cs typeface="Times New Roman" panose="02020603050405020304" pitchFamily="18" charset="0"/>
+              </a:rPr>
+              <a:t>Roman-Decimal </a:t>
+            </a:r>
+            <a:r>
+              <a:rPr lang="es" sz="2667" dirty="0" smtClean="0">
+                <a:solidFill>
+                  <a:srgbClr val="00B0F0"/>
+                </a:solidFill>
+                <a:latin typeface="Times New Roman" panose="02020603050405020304" pitchFamily="18" charset="0"/>
+                <a:cs typeface="Times New Roman" panose="02020603050405020304" pitchFamily="18" charset="0"/>
+              </a:rPr>
+              <a:t>(Enunciado</a:t>
+            </a:r>
+            <a:r>
+              <a:rPr lang="es" sz="2667" dirty="0">
+                <a:solidFill>
+                  <a:srgbClr val="00B0F0"/>
+                </a:solidFill>
+                <a:latin typeface="Times New Roman" panose="02020603050405020304" pitchFamily="18" charset="0"/>
+                <a:cs typeface="Times New Roman" panose="02020603050405020304" pitchFamily="18" charset="0"/>
+              </a:rPr>
+              <a:t>)</a:t>
+            </a:r>
+            <a:endParaRPr lang="es" sz="1600" dirty="0">
+              <a:solidFill>
+                <a:srgbClr val="00B0F0"/>
+              </a:solidFill>
+              <a:latin typeface="Times New Roman" panose="02020603050405020304" pitchFamily="18" charset="0"/>
+              <a:cs typeface="Times New Roman" panose="02020603050405020304" pitchFamily="18" charset="0"/>
+            </a:endParaRPr>
+          </a:p>
+        </p:txBody>
+      </p:sp>
+      <p:pic>
+        <p:nvPicPr>
+          <p:cNvPr id="38914" name="Picture 2" descr="Resultado de imagen de romanos"/>
+          <p:cNvPicPr>
+            <a:picLocks noChangeAspect="1" noChangeArrowheads="1"/>
+          </p:cNvPicPr>
+          <p:nvPr/>
+        </p:nvPicPr>
+        <p:blipFill>
+          <a:blip r:embed="rId3" cstate="print"/>
+          <a:srcRect/>
+          <a:stretch>
+            <a:fillRect/>
+          </a:stretch>
+        </p:blipFill>
+        <p:spPr bwMode="auto">
+          <a:xfrm>
+            <a:off x="479376" y="1678027"/>
+            <a:ext cx="5472608" cy="4032448"/>
+          </a:xfrm>
+          <a:prstGeom prst="rect">
+            <a:avLst/>
+          </a:prstGeom>
+          <a:noFill/>
+        </p:spPr>
+      </p:pic>
+      <p:sp>
+        <p:nvSpPr>
+          <p:cNvPr id="2" name="TextBox 1"/>
+          <p:cNvSpPr txBox="1"/>
+          <p:nvPr/>
+        </p:nvSpPr>
+        <p:spPr>
+          <a:xfrm>
+            <a:off x="7176120" y="6237312"/>
+            <a:ext cx="4752528" cy="261610"/>
+          </a:xfrm>
+          <a:prstGeom prst="rect">
+            <a:avLst/>
+          </a:prstGeom>
+          <a:noFill/>
+        </p:spPr>
+        <p:txBody>
+          <a:bodyPr wrap="square" rtlCol="0">
+            <a:spAutoFit/>
+          </a:bodyPr>
+          <a:lstStyle/>
+          <a:p>
+            <a:pPr algn="r"/>
+            <a:r>
+              <a:rPr lang="es-ES" sz="1100" dirty="0" err="1" smtClean="0">
+                <a:latin typeface="Times New Roman" panose="02020603050405020304" pitchFamily="18" charset="0"/>
+                <a:cs typeface="Times New Roman" panose="02020603050405020304" pitchFamily="18" charset="0"/>
+              </a:rPr>
+              <a:t>Source</a:t>
+            </a:r>
+            <a:r>
+              <a:rPr lang="es-ES" sz="1100" dirty="0">
+                <a:latin typeface="Times New Roman" panose="02020603050405020304" pitchFamily="18" charset="0"/>
+                <a:cs typeface="Times New Roman" panose="02020603050405020304" pitchFamily="18" charset="0"/>
+              </a:rPr>
+              <a:t>: </a:t>
+            </a:r>
+            <a:r>
+              <a:rPr lang="es-ES" sz="1100" dirty="0">
+                <a:latin typeface="Times New Roman" panose="02020603050405020304" pitchFamily="18" charset="0"/>
+                <a:cs typeface="Times New Roman" panose="02020603050405020304" pitchFamily="18" charset="0"/>
+                <a:hlinkClick r:id="rId4"/>
+              </a:rPr>
+              <a:t>https://</a:t>
+            </a:r>
+            <a:r>
+              <a:rPr lang="es-ES" sz="1100" dirty="0" smtClean="0">
+                <a:latin typeface="Times New Roman" panose="02020603050405020304" pitchFamily="18" charset="0"/>
+                <a:cs typeface="Times New Roman" panose="02020603050405020304" pitchFamily="18" charset="0"/>
+                <a:hlinkClick r:id="rId4"/>
+              </a:rPr>
+              <a:t>www.giters.com/millancore/php-study/issues/6</a:t>
+            </a:r>
+            <a:r>
+              <a:rPr lang="es-ES" sz="1100" dirty="0" smtClean="0">
+                <a:latin typeface="Times New Roman" panose="02020603050405020304" pitchFamily="18" charset="0"/>
+                <a:cs typeface="Times New Roman" panose="02020603050405020304" pitchFamily="18" charset="0"/>
+              </a:rPr>
+              <a:t> </a:t>
+            </a:r>
+            <a:endParaRPr lang="es-ES" sz="1100" dirty="0">
+              <a:latin typeface="Times New Roman" panose="02020603050405020304" pitchFamily="18" charset="0"/>
+              <a:cs typeface="Times New Roman" panose="02020603050405020304" pitchFamily="18" charset="0"/>
+            </a:endParaRPr>
+          </a:p>
+        </p:txBody>
+      </p:sp>
+    </p:spTree>
+    <p:extLst>
+      <p:ext uri="{BB962C8B-B14F-4D97-AF65-F5344CB8AC3E}">
+        <p14:creationId xmlns:p14="http://schemas.microsoft.com/office/powerpoint/2010/main" val="2318148969"/>
+      </p:ext>
+    </p:extLst>
+  </p:cSld>
+  <p:clrMapOvr>
+    <a:masterClrMapping/>
+  </p:clrMapOvr>
+</p:sld>
+</file>
+
+<file path=ppt/slides/slide8.xml><?xml version="1.0" encoding="utf-8"?>
+<p:sld xmlns:a="http://schemas.openxmlformats.org/drawingml/2006/main" xmlns:r="http://schemas.openxmlformats.org/officeDocument/2006/relationships" xmlns:p="http://schemas.openxmlformats.org/presentationml/2006/main">
+  <p:cSld>
+    <p:spTree>
+      <p:nvGrpSpPr>
+        <p:cNvPr id="1" name="Shape 194"/>
+        <p:cNvGrpSpPr/>
+        <p:nvPr/>
+      </p:nvGrpSpPr>
+      <p:grpSpPr>
+        <a:xfrm>
+          <a:off x="0" y="0"/>
+          <a:ext cx="0" cy="0"/>
+          <a:chOff x="0" y="0"/>
+          <a:chExt cx="0" cy="0"/>
+        </a:xfrm>
+      </p:grpSpPr>
+      <p:sp>
+        <p:nvSpPr>
+          <p:cNvPr id="196" name="Shape 196"/>
+          <p:cNvSpPr txBox="1"/>
+          <p:nvPr/>
+        </p:nvSpPr>
+        <p:spPr>
+          <a:xfrm>
+            <a:off x="609600" y="1294133"/>
+            <a:ext cx="10972800" cy="5326000"/>
+          </a:xfrm>
+          <a:prstGeom prst="rect">
+            <a:avLst/>
+          </a:prstGeom>
+          <a:noFill/>
+          <a:ln>
+            <a:noFill/>
+          </a:ln>
+        </p:spPr>
+        <p:txBody>
+          <a:bodyPr lIns="121900" tIns="60933" rIns="121900" bIns="60933" anchor="t" anchorCtr="0">
+            <a:noAutofit/>
+          </a:bodyPr>
+          <a:lstStyle/>
+          <a:p>
+            <a:pPr algn="just">
+              <a:spcBef>
+                <a:spcPts val="533"/>
+              </a:spcBef>
+              <a:tabLst>
+                <a:tab pos="480472" algn="l"/>
+              </a:tabLst>
+            </a:pPr>
+            <a:r>
+              <a:rPr lang="es-ES_tradnl" sz="2000" dirty="0">
+                <a:latin typeface="Times New Roman" panose="02020603050405020304" pitchFamily="18" charset="0"/>
+                <a:ea typeface="Calibri"/>
+                <a:cs typeface="Times New Roman" panose="02020603050405020304" pitchFamily="18" charset="0"/>
+                <a:sym typeface="Calibri"/>
+              </a:rPr>
+              <a:t>En esta Kata se debería escribir una función para convertir de números romanos a números decimales. </a:t>
+            </a:r>
+            <a:r>
+              <a:rPr lang="es-ES_tradnl" sz="2000" dirty="0" smtClean="0">
+                <a:latin typeface="Times New Roman" panose="02020603050405020304" pitchFamily="18" charset="0"/>
+                <a:ea typeface="Calibri"/>
+                <a:cs typeface="Times New Roman" panose="02020603050405020304" pitchFamily="18" charset="0"/>
+                <a:sym typeface="Calibri"/>
+              </a:rPr>
+              <a:t>Por ejemplo:</a:t>
+            </a:r>
+          </a:p>
+          <a:p>
+            <a:pPr algn="just">
+              <a:spcBef>
+                <a:spcPts val="533"/>
+              </a:spcBef>
+              <a:tabLst>
+                <a:tab pos="480472" algn="l"/>
+              </a:tabLst>
+            </a:pPr>
+            <a:endParaRPr lang="es-ES_tradnl" sz="2000" dirty="0" smtClean="0">
+              <a:latin typeface="Times New Roman" panose="02020603050405020304" pitchFamily="18" charset="0"/>
+              <a:ea typeface="Calibri"/>
+              <a:cs typeface="Times New Roman" panose="02020603050405020304" pitchFamily="18" charset="0"/>
+              <a:sym typeface="Calibri"/>
+            </a:endParaRPr>
+          </a:p>
+          <a:p>
+            <a:pPr algn="just">
+              <a:spcBef>
+                <a:spcPts val="533"/>
+              </a:spcBef>
+              <a:tabLst>
+                <a:tab pos="480472" algn="l"/>
+              </a:tabLst>
+            </a:pPr>
+            <a:endParaRPr lang="es-ES_tradnl" sz="2000" dirty="0" smtClean="0">
+              <a:latin typeface="Times New Roman" panose="02020603050405020304" pitchFamily="18" charset="0"/>
+              <a:ea typeface="Calibri"/>
+              <a:cs typeface="Times New Roman" panose="02020603050405020304" pitchFamily="18" charset="0"/>
+              <a:sym typeface="Calibri"/>
+            </a:endParaRPr>
+          </a:p>
+          <a:p>
+            <a:pPr algn="just">
+              <a:spcBef>
+                <a:spcPts val="533"/>
+              </a:spcBef>
+              <a:tabLst>
+                <a:tab pos="480472" algn="l"/>
+              </a:tabLst>
+            </a:pPr>
+            <a:endParaRPr lang="es-ES_tradnl" sz="2000" dirty="0" smtClean="0">
+              <a:latin typeface="Times New Roman" panose="02020603050405020304" pitchFamily="18" charset="0"/>
+              <a:ea typeface="Calibri"/>
+              <a:cs typeface="Times New Roman" panose="02020603050405020304" pitchFamily="18" charset="0"/>
+              <a:sym typeface="Calibri"/>
+            </a:endParaRPr>
+          </a:p>
+          <a:p>
+            <a:pPr algn="just">
+              <a:spcBef>
+                <a:spcPts val="533"/>
+              </a:spcBef>
+              <a:tabLst>
+                <a:tab pos="480472" algn="l"/>
+              </a:tabLst>
+            </a:pPr>
+            <a:endParaRPr lang="es-ES_tradnl" sz="2000" dirty="0" smtClean="0">
+              <a:latin typeface="Times New Roman" panose="02020603050405020304" pitchFamily="18" charset="0"/>
+              <a:ea typeface="Calibri"/>
+              <a:cs typeface="Times New Roman" panose="02020603050405020304" pitchFamily="18" charset="0"/>
+              <a:sym typeface="Calibri"/>
+            </a:endParaRPr>
+          </a:p>
+          <a:p>
+            <a:pPr algn="just">
+              <a:spcBef>
+                <a:spcPts val="533"/>
+              </a:spcBef>
+              <a:tabLst>
+                <a:tab pos="480472" algn="l"/>
+              </a:tabLst>
+            </a:pPr>
+            <a:r>
+              <a:rPr lang="es-ES" sz="2000" dirty="0" smtClean="0">
+                <a:latin typeface="Times New Roman" panose="02020603050405020304" pitchFamily="18" charset="0"/>
+                <a:ea typeface="Calibri"/>
+                <a:cs typeface="Times New Roman" panose="02020603050405020304" pitchFamily="18" charset="0"/>
+                <a:sym typeface="Calibri"/>
+              </a:rPr>
+              <a:t>No hay necesidad de poder convertir números más grandes que aproximadamente 3000 ya que los romanos no tendían a numerar tan alto.</a:t>
+            </a:r>
+          </a:p>
+          <a:p>
+            <a:pPr algn="just">
+              <a:spcBef>
+                <a:spcPts val="533"/>
+              </a:spcBef>
+              <a:tabLst>
+                <a:tab pos="480472" algn="l"/>
+              </a:tabLst>
+            </a:pPr>
+            <a:r>
+              <a:rPr lang="es-ES" sz="2000" dirty="0" smtClean="0">
+                <a:latin typeface="Times New Roman" panose="02020603050405020304" pitchFamily="18" charset="0"/>
+                <a:ea typeface="Calibri"/>
+                <a:cs typeface="Times New Roman" panose="02020603050405020304" pitchFamily="18" charset="0"/>
+                <a:sym typeface="Calibri"/>
+              </a:rPr>
+              <a:t>Tenga en cuenta que no se pueden escribir números como "IM" para 999. </a:t>
+            </a:r>
+          </a:p>
+          <a:p>
+            <a:pPr algn="just">
+              <a:spcBef>
+                <a:spcPts val="533"/>
+              </a:spcBef>
+              <a:tabLst>
+                <a:tab pos="480472" algn="l"/>
+              </a:tabLst>
+            </a:pPr>
+            <a:r>
+              <a:rPr lang="es-ES" sz="2000" dirty="0" smtClean="0">
+                <a:latin typeface="Times New Roman" panose="02020603050405020304" pitchFamily="18" charset="0"/>
+                <a:ea typeface="Calibri"/>
+                <a:cs typeface="Times New Roman" panose="02020603050405020304" pitchFamily="18" charset="0"/>
+                <a:sym typeface="Calibri"/>
+              </a:rPr>
+              <a:t>Wikipedia dice: Los números romanos modernos se escriben expresando cada dígito por separado comenzando con el más a la izquierda y omitiendo cualquier dígito con un valor de cero. Dos ejemplos de ello pueden ser los siguientes:</a:t>
+            </a:r>
+          </a:p>
+          <a:p>
+            <a:pPr algn="just">
+              <a:spcBef>
+                <a:spcPts val="533"/>
+              </a:spcBef>
+              <a:tabLst>
+                <a:tab pos="480472" algn="l"/>
+              </a:tabLst>
+            </a:pPr>
+            <a:r>
+              <a:rPr lang="es-ES" sz="2000" dirty="0" smtClean="0">
+                <a:latin typeface="Times New Roman" panose="02020603050405020304" pitchFamily="18" charset="0"/>
+                <a:ea typeface="Calibri"/>
+                <a:cs typeface="Times New Roman" panose="02020603050405020304" pitchFamily="18" charset="0"/>
+                <a:sym typeface="Calibri"/>
+              </a:rPr>
+              <a:t>	En los números romanos 1990 se representa como: 1000=M, 900=CM, 90=XC </a:t>
+            </a:r>
+            <a:r>
+              <a:rPr lang="es-ES" sz="2000" dirty="0" smtClean="0">
+                <a:latin typeface="Times New Roman" panose="02020603050405020304" pitchFamily="18" charset="0"/>
+                <a:ea typeface="Calibri"/>
+                <a:cs typeface="Times New Roman" panose="02020603050405020304" pitchFamily="18" charset="0"/>
+                <a:sym typeface="Wingdings" pitchFamily="2" charset="2"/>
+              </a:rPr>
+              <a:t></a:t>
+            </a:r>
+            <a:r>
+              <a:rPr lang="es-ES" sz="2000" dirty="0" smtClean="0">
+                <a:latin typeface="Times New Roman" panose="02020603050405020304" pitchFamily="18" charset="0"/>
+                <a:ea typeface="Calibri"/>
+                <a:cs typeface="Times New Roman" panose="02020603050405020304" pitchFamily="18" charset="0"/>
+                <a:sym typeface="Calibri"/>
+              </a:rPr>
+              <a:t> MCMXC. </a:t>
+            </a:r>
+          </a:p>
+          <a:p>
+            <a:pPr algn="just">
+              <a:spcBef>
+                <a:spcPts val="533"/>
+              </a:spcBef>
+              <a:tabLst>
+                <a:tab pos="480472" algn="l"/>
+              </a:tabLst>
+            </a:pPr>
+            <a:r>
+              <a:rPr lang="es-ES" sz="2000" dirty="0" smtClean="0">
+                <a:latin typeface="Times New Roman" panose="02020603050405020304" pitchFamily="18" charset="0"/>
+                <a:ea typeface="Calibri"/>
+                <a:cs typeface="Times New Roman" panose="02020603050405020304" pitchFamily="18" charset="0"/>
+                <a:sym typeface="Calibri"/>
+              </a:rPr>
+              <a:t>	En los números romanos 2008 se representa como: 2000=MM, 8=VIII </a:t>
+            </a:r>
+            <a:r>
+              <a:rPr lang="es-ES" sz="2000" dirty="0" smtClean="0">
+                <a:latin typeface="Times New Roman" panose="02020603050405020304" pitchFamily="18" charset="0"/>
+                <a:ea typeface="Calibri"/>
+                <a:cs typeface="Times New Roman" panose="02020603050405020304" pitchFamily="18" charset="0"/>
+                <a:sym typeface="Wingdings" pitchFamily="2" charset="2"/>
+              </a:rPr>
+              <a:t></a:t>
+            </a:r>
+            <a:r>
+              <a:rPr lang="es-ES" sz="2000" dirty="0" smtClean="0">
+                <a:latin typeface="Times New Roman" panose="02020603050405020304" pitchFamily="18" charset="0"/>
+                <a:ea typeface="Calibri"/>
+                <a:cs typeface="Times New Roman" panose="02020603050405020304" pitchFamily="18" charset="0"/>
+                <a:sym typeface="Calibri"/>
+              </a:rPr>
+              <a:t> MMVIII.</a:t>
+            </a:r>
+            <a:endParaRPr lang="es-ES_tradnl" sz="2000" dirty="0">
+              <a:latin typeface="Times New Roman" panose="02020603050405020304" pitchFamily="18" charset="0"/>
+              <a:ea typeface="Calibri"/>
+              <a:cs typeface="Times New Roman" panose="02020603050405020304" pitchFamily="18" charset="0"/>
+              <a:sym typeface="Calibri"/>
+            </a:endParaRPr>
+          </a:p>
+        </p:txBody>
+      </p:sp>
+      <p:sp>
+        <p:nvSpPr>
+          <p:cNvPr id="5" name="Shape 195"/>
+          <p:cNvSpPr txBox="1">
+            <a:spLocks/>
+          </p:cNvSpPr>
+          <p:nvPr/>
+        </p:nvSpPr>
+        <p:spPr>
+          <a:xfrm>
+            <a:off x="609600" y="274635"/>
+            <a:ext cx="10972800" cy="686800"/>
+          </a:xfrm>
+          <a:prstGeom prst="rect">
+            <a:avLst/>
+          </a:prstGeom>
+          <a:noFill/>
+          <a:ln>
+            <a:noFill/>
+          </a:ln>
+        </p:spPr>
+        <p:txBody>
+          <a:bodyPr vert="horz" lIns="121900" tIns="60933" rIns="121900" bIns="60933" rtlCol="0" anchor="ctr" anchorCtr="0">
+            <a:noAutofit/>
+          </a:bodyPr>
+          <a:lstStyle>
+            <a:lvl1pPr algn="l" defTabSz="914400" rtl="0" eaLnBrk="1" latinLnBrk="0" hangingPunct="1">
+              <a:lnSpc>
+                <a:spcPct val="90000"/>
+              </a:lnSpc>
+              <a:spcBef>
+                <a:spcPct val="0"/>
+              </a:spcBef>
+              <a:buNone/>
+              <a:defRPr lang="pt-PT" sz="2600" kern="1200">
+                <a:solidFill>
+                  <a:schemeClr val="tx2"/>
+                </a:solidFill>
+                <a:latin typeface="Verdana" panose="020B0604030504040204" pitchFamily="34" charset="0"/>
+                <a:ea typeface="Verdana" panose="020B0604030504040204" pitchFamily="34" charset="0"/>
+                <a:cs typeface="Verdana" panose="020B0604030504040204" pitchFamily="34" charset="0"/>
+              </a:defRPr>
+            </a:lvl1pPr>
+          </a:lstStyle>
+          <a:p>
+            <a:pPr>
+              <a:buSzPct val="25000"/>
+            </a:pPr>
+            <a:r>
+              <a:rPr lang="es" sz="4267" b="1" dirty="0" smtClean="0">
+                <a:solidFill>
+                  <a:srgbClr val="00B0F0"/>
+                </a:solidFill>
+                <a:latin typeface="Times New Roman" panose="02020603050405020304" pitchFamily="18" charset="0"/>
+                <a:cs typeface="Times New Roman" panose="02020603050405020304" pitchFamily="18" charset="0"/>
+              </a:rPr>
+              <a:t>Roman-Decimal </a:t>
+            </a:r>
+            <a:r>
+              <a:rPr lang="es" sz="2667" dirty="0" smtClean="0">
+                <a:solidFill>
+                  <a:srgbClr val="00B0F0"/>
+                </a:solidFill>
+                <a:latin typeface="Times New Roman" panose="02020603050405020304" pitchFamily="18" charset="0"/>
+                <a:cs typeface="Times New Roman" panose="02020603050405020304" pitchFamily="18" charset="0"/>
+              </a:rPr>
+              <a:t>(Enunciado</a:t>
+            </a:r>
+            <a:r>
+              <a:rPr lang="es" sz="2667" dirty="0">
+                <a:solidFill>
+                  <a:srgbClr val="00B0F0"/>
+                </a:solidFill>
+                <a:latin typeface="Times New Roman" panose="02020603050405020304" pitchFamily="18" charset="0"/>
+                <a:cs typeface="Times New Roman" panose="02020603050405020304" pitchFamily="18" charset="0"/>
+              </a:rPr>
+              <a:t>)</a:t>
+            </a:r>
+            <a:endParaRPr lang="es" sz="1600" dirty="0">
+              <a:solidFill>
+                <a:srgbClr val="00B0F0"/>
+              </a:solidFill>
+              <a:latin typeface="Times New Roman" panose="02020603050405020304" pitchFamily="18" charset="0"/>
+              <a:cs typeface="Times New Roman" panose="02020603050405020304" pitchFamily="18" charset="0"/>
+            </a:endParaRPr>
+          </a:p>
+        </p:txBody>
+      </p:sp>
+      <p:sp>
+        <p:nvSpPr>
+          <p:cNvPr id="6" name="5 CuadroTexto"/>
+          <p:cNvSpPr txBox="1"/>
+          <p:nvPr/>
+        </p:nvSpPr>
+        <p:spPr>
+          <a:xfrm>
+            <a:off x="5159896" y="1816926"/>
+            <a:ext cx="1146816" cy="1468058"/>
+          </a:xfrm>
+          <a:prstGeom prst="rect">
+            <a:avLst/>
+          </a:prstGeom>
+          <a:ln w="28575"/>
+        </p:spPr>
+        <p:style>
+          <a:lnRef idx="2">
+            <a:schemeClr val="accent2"/>
+          </a:lnRef>
+          <a:fillRef idx="1">
+            <a:schemeClr val="lt1"/>
+          </a:fillRef>
+          <a:effectRef idx="0">
+            <a:schemeClr val="accent2"/>
+          </a:effectRef>
+          <a:fontRef idx="minor">
+            <a:schemeClr val="dk1"/>
+          </a:fontRef>
+        </p:style>
+        <p:txBody>
+          <a:bodyPr wrap="none" lIns="144000" tIns="144000" rIns="144000" bIns="144000" rtlCol="0" anchor="ctr" anchorCtr="0">
+            <a:spAutoFit/>
+          </a:bodyPr>
+          <a:lstStyle/>
+          <a:p>
+            <a:pPr>
+              <a:spcBef>
+                <a:spcPts val="533"/>
+              </a:spcBef>
+              <a:tabLst>
+                <a:tab pos="480472" algn="l"/>
+              </a:tabLst>
+            </a:pPr>
+            <a:r>
+              <a:rPr lang="es-ES_tradnl" sz="1600" dirty="0" smtClean="0">
+                <a:latin typeface="Times New Roman" pitchFamily="18" charset="0"/>
+                <a:ea typeface="Calibri"/>
+                <a:cs typeface="Times New Roman" pitchFamily="18" charset="0"/>
+                <a:sym typeface="Calibri"/>
+              </a:rPr>
+              <a:t>1 </a:t>
+            </a:r>
+            <a:r>
+              <a:rPr lang="es-ES_tradnl" sz="1600" dirty="0" smtClean="0">
+                <a:latin typeface="Times New Roman" pitchFamily="18" charset="0"/>
+                <a:ea typeface="Calibri"/>
+                <a:cs typeface="Times New Roman" pitchFamily="18" charset="0"/>
+                <a:sym typeface="Wingdings" pitchFamily="2" charset="2"/>
+              </a:rPr>
+              <a:t> I</a:t>
+            </a:r>
+          </a:p>
+          <a:p>
+            <a:pPr>
+              <a:spcBef>
+                <a:spcPts val="533"/>
+              </a:spcBef>
+              <a:tabLst>
+                <a:tab pos="480472" algn="l"/>
+              </a:tabLst>
+            </a:pPr>
+            <a:r>
+              <a:rPr lang="es-ES_tradnl" sz="1600" dirty="0" smtClean="0">
+                <a:latin typeface="Times New Roman" pitchFamily="18" charset="0"/>
+                <a:ea typeface="Calibri"/>
+                <a:cs typeface="Times New Roman" pitchFamily="18" charset="0"/>
+                <a:sym typeface="Wingdings" pitchFamily="2" charset="2"/>
+              </a:rPr>
+              <a:t>7  VII</a:t>
+            </a:r>
+          </a:p>
+          <a:p>
+            <a:pPr>
+              <a:spcBef>
+                <a:spcPts val="533"/>
+              </a:spcBef>
+              <a:tabLst>
+                <a:tab pos="480472" algn="l"/>
+              </a:tabLst>
+            </a:pPr>
+            <a:r>
+              <a:rPr lang="es-ES_tradnl" sz="1600" dirty="0" smtClean="0">
+                <a:latin typeface="Times New Roman" pitchFamily="18" charset="0"/>
+                <a:ea typeface="Calibri"/>
+                <a:cs typeface="Times New Roman" pitchFamily="18" charset="0"/>
+                <a:sym typeface="Wingdings" pitchFamily="2" charset="2"/>
+              </a:rPr>
+              <a:t>10  X</a:t>
+            </a:r>
+          </a:p>
+          <a:p>
+            <a:pPr>
+              <a:spcBef>
+                <a:spcPts val="533"/>
+              </a:spcBef>
+              <a:tabLst>
+                <a:tab pos="480472" algn="l"/>
+              </a:tabLst>
+            </a:pPr>
+            <a:r>
+              <a:rPr lang="es-ES_tradnl" sz="1600" dirty="0" smtClean="0">
+                <a:latin typeface="Times New Roman" pitchFamily="18" charset="0"/>
+                <a:ea typeface="Calibri"/>
+                <a:cs typeface="Times New Roman" pitchFamily="18" charset="0"/>
+                <a:sym typeface="Wingdings" pitchFamily="2" charset="2"/>
+              </a:rPr>
+              <a:t>14 -&gt; XIV</a:t>
+            </a:r>
+            <a:endParaRPr lang="es-ES" sz="1600" dirty="0">
+              <a:latin typeface="Times New Roman" pitchFamily="18" charset="0"/>
+              <a:cs typeface="Times New Roman" pitchFamily="18" charset="0"/>
+            </a:endParaRPr>
+          </a:p>
+        </p:txBody>
+      </p:sp>
+      <p:sp>
+        <p:nvSpPr>
+          <p:cNvPr id="7" name="5 CuadroTexto"/>
+          <p:cNvSpPr txBox="1"/>
+          <p:nvPr/>
+        </p:nvSpPr>
+        <p:spPr>
+          <a:xfrm>
+            <a:off x="5159896" y="1816926"/>
+            <a:ext cx="1159127" cy="1468058"/>
+          </a:xfrm>
+          <a:prstGeom prst="rect">
+            <a:avLst/>
+          </a:prstGeom>
+          <a:ln w="28575"/>
+        </p:spPr>
+        <p:style>
+          <a:lnRef idx="2">
+            <a:schemeClr val="accent2"/>
+          </a:lnRef>
+          <a:fillRef idx="1">
+            <a:schemeClr val="lt1"/>
+          </a:fillRef>
+          <a:effectRef idx="0">
+            <a:schemeClr val="accent2"/>
+          </a:effectRef>
+          <a:fontRef idx="minor">
+            <a:schemeClr val="dk1"/>
+          </a:fontRef>
+        </p:style>
+        <p:txBody>
+          <a:bodyPr wrap="none" lIns="144000" tIns="144000" rIns="144000" bIns="144000" rtlCol="0" anchor="ctr" anchorCtr="0">
+            <a:spAutoFit/>
+          </a:bodyPr>
+          <a:lstStyle/>
+          <a:p>
+            <a:pPr>
+              <a:spcBef>
+                <a:spcPts val="533"/>
+              </a:spcBef>
+              <a:tabLst>
+                <a:tab pos="480472" algn="l"/>
+              </a:tabLst>
+            </a:pPr>
+            <a:r>
+              <a:rPr lang="es-ES_tradnl" sz="1600" dirty="0" smtClean="0">
+                <a:latin typeface="Times New Roman" pitchFamily="18" charset="0"/>
+                <a:ea typeface="Calibri"/>
+                <a:cs typeface="Times New Roman" pitchFamily="18" charset="0"/>
+                <a:sym typeface="Calibri"/>
+              </a:rPr>
+              <a:t>I </a:t>
+            </a:r>
+            <a:r>
+              <a:rPr lang="es-ES_tradnl" sz="1600" dirty="0" smtClean="0">
+                <a:latin typeface="Times New Roman" pitchFamily="18" charset="0"/>
+                <a:ea typeface="Calibri"/>
+                <a:cs typeface="Times New Roman" pitchFamily="18" charset="0"/>
+                <a:sym typeface="Wingdings" pitchFamily="2" charset="2"/>
+              </a:rPr>
+              <a:t> </a:t>
+            </a:r>
+            <a:r>
+              <a:rPr lang="es-ES_tradnl" sz="1600" dirty="0" smtClean="0">
+                <a:latin typeface="Times New Roman" pitchFamily="18" charset="0"/>
+                <a:ea typeface="Calibri"/>
+                <a:cs typeface="Times New Roman" pitchFamily="18" charset="0"/>
+                <a:sym typeface="Wingdings" pitchFamily="2" charset="2"/>
+              </a:rPr>
+              <a:t>1</a:t>
+            </a:r>
+            <a:endParaRPr lang="es-ES_tradnl" sz="1600" dirty="0" smtClean="0">
+              <a:latin typeface="Times New Roman" pitchFamily="18" charset="0"/>
+              <a:ea typeface="Calibri"/>
+              <a:cs typeface="Times New Roman" pitchFamily="18" charset="0"/>
+              <a:sym typeface="Wingdings" pitchFamily="2" charset="2"/>
+            </a:endParaRPr>
+          </a:p>
+          <a:p>
+            <a:pPr>
+              <a:spcBef>
+                <a:spcPts val="533"/>
+              </a:spcBef>
+              <a:tabLst>
+                <a:tab pos="480472" algn="l"/>
+              </a:tabLst>
+            </a:pPr>
+            <a:r>
+              <a:rPr lang="es-ES_tradnl" sz="1600" dirty="0" smtClean="0">
+                <a:latin typeface="Times New Roman" pitchFamily="18" charset="0"/>
+                <a:ea typeface="Calibri"/>
+                <a:cs typeface="Times New Roman" pitchFamily="18" charset="0"/>
+                <a:sym typeface="Wingdings" pitchFamily="2" charset="2"/>
+              </a:rPr>
+              <a:t>VII </a:t>
+            </a:r>
+            <a:r>
+              <a:rPr lang="es-ES_tradnl" sz="1600" dirty="0" smtClean="0">
+                <a:latin typeface="Times New Roman" pitchFamily="18" charset="0"/>
+                <a:ea typeface="Calibri"/>
+                <a:cs typeface="Times New Roman" pitchFamily="18" charset="0"/>
+                <a:sym typeface="Wingdings" pitchFamily="2" charset="2"/>
+              </a:rPr>
+              <a:t> </a:t>
+            </a:r>
+            <a:r>
+              <a:rPr lang="es-ES_tradnl" sz="1600" dirty="0">
+                <a:latin typeface="Times New Roman" pitchFamily="18" charset="0"/>
+                <a:ea typeface="Calibri"/>
+                <a:cs typeface="Times New Roman" pitchFamily="18" charset="0"/>
+                <a:sym typeface="Wingdings" pitchFamily="2" charset="2"/>
+              </a:rPr>
+              <a:t>7</a:t>
+            </a:r>
+            <a:endParaRPr lang="es-ES_tradnl" sz="1600" dirty="0" smtClean="0">
+              <a:latin typeface="Times New Roman" pitchFamily="18" charset="0"/>
+              <a:ea typeface="Calibri"/>
+              <a:cs typeface="Times New Roman" pitchFamily="18" charset="0"/>
+              <a:sym typeface="Wingdings" pitchFamily="2" charset="2"/>
+            </a:endParaRPr>
+          </a:p>
+          <a:p>
+            <a:pPr>
+              <a:spcBef>
+                <a:spcPts val="533"/>
+              </a:spcBef>
+              <a:tabLst>
+                <a:tab pos="480472" algn="l"/>
+              </a:tabLst>
+            </a:pPr>
+            <a:r>
+              <a:rPr lang="es-ES_tradnl" sz="1600" dirty="0" smtClean="0">
+                <a:latin typeface="Times New Roman" pitchFamily="18" charset="0"/>
+                <a:ea typeface="Calibri"/>
+                <a:cs typeface="Times New Roman" pitchFamily="18" charset="0"/>
+                <a:sym typeface="Wingdings" pitchFamily="2" charset="2"/>
+              </a:rPr>
+              <a:t>X </a:t>
+            </a:r>
+            <a:r>
+              <a:rPr lang="es-ES_tradnl" sz="1600" dirty="0" smtClean="0">
+                <a:latin typeface="Times New Roman" pitchFamily="18" charset="0"/>
+                <a:ea typeface="Calibri"/>
+                <a:cs typeface="Times New Roman" pitchFamily="18" charset="0"/>
+                <a:sym typeface="Wingdings" pitchFamily="2" charset="2"/>
+              </a:rPr>
+              <a:t> </a:t>
+            </a:r>
+            <a:r>
+              <a:rPr lang="es-ES_tradnl" sz="1600" dirty="0" smtClean="0">
+                <a:latin typeface="Times New Roman" pitchFamily="18" charset="0"/>
+                <a:ea typeface="Calibri"/>
+                <a:cs typeface="Times New Roman" pitchFamily="18" charset="0"/>
+                <a:sym typeface="Wingdings" pitchFamily="2" charset="2"/>
+              </a:rPr>
+              <a:t>10</a:t>
+            </a:r>
+            <a:endParaRPr lang="es-ES_tradnl" sz="1600" dirty="0" smtClean="0">
+              <a:latin typeface="Times New Roman" pitchFamily="18" charset="0"/>
+              <a:ea typeface="Calibri"/>
+              <a:cs typeface="Times New Roman" pitchFamily="18" charset="0"/>
+              <a:sym typeface="Wingdings" pitchFamily="2" charset="2"/>
+            </a:endParaRPr>
+          </a:p>
+          <a:p>
+            <a:pPr>
+              <a:spcBef>
+                <a:spcPts val="533"/>
+              </a:spcBef>
+              <a:tabLst>
+                <a:tab pos="480472" algn="l"/>
+              </a:tabLst>
+            </a:pPr>
+            <a:r>
+              <a:rPr lang="es-ES_tradnl" sz="1600" dirty="0">
+                <a:latin typeface="Times New Roman" pitchFamily="18" charset="0"/>
+                <a:ea typeface="Calibri"/>
+                <a:cs typeface="Times New Roman" pitchFamily="18" charset="0"/>
+                <a:sym typeface="Wingdings" pitchFamily="2" charset="2"/>
+              </a:rPr>
+              <a:t>XIV  </a:t>
+            </a:r>
+            <a:r>
+              <a:rPr lang="es-ES_tradnl" sz="1600" dirty="0" smtClean="0">
+                <a:latin typeface="Times New Roman" pitchFamily="18" charset="0"/>
+                <a:ea typeface="Calibri"/>
+                <a:cs typeface="Times New Roman" pitchFamily="18" charset="0"/>
+                <a:sym typeface="Wingdings" pitchFamily="2" charset="2"/>
+              </a:rPr>
+              <a:t>14</a:t>
+            </a:r>
+            <a:endParaRPr lang="es-ES" sz="1600" dirty="0">
+              <a:latin typeface="Times New Roman" pitchFamily="18" charset="0"/>
+              <a:cs typeface="Times New Roman" pitchFamily="18" charset="0"/>
+            </a:endParaRPr>
+          </a:p>
+        </p:txBody>
+      </p:sp>
+    </p:spTree>
+    <p:extLst>
+      <p:ext uri="{BB962C8B-B14F-4D97-AF65-F5344CB8AC3E}">
+        <p14:creationId xmlns:p14="http://schemas.microsoft.com/office/powerpoint/2010/main" val="4030544715"/>
+      </p:ext>
+    </p:extLst>
+  </p:cSld>
+  <p:clrMapOvr>
+    <a:masterClrMapping/>
+  </p:clrMapOvr>
+</p:sld>
+</file>
+
+<file path=ppt/slides/slide9.xml><?xml version="1.0" encoding="utf-8"?>
 <p:sld xmlns:a="http://schemas.openxmlformats.org/drawingml/2006/main" xmlns:r="http://schemas.openxmlformats.org/officeDocument/2006/relationships" xmlns:p="http://schemas.openxmlformats.org/presentationml/2006/main">
   <p:cSld>
     <p:spTree>
@@ -10210,6 +12002,8 @@
                 <a:solidFill>
                   <a:srgbClr val="00B0F0"/>
                 </a:solidFill>
+                <a:latin typeface="Times New Roman" panose="02020603050405020304" pitchFamily="18" charset="0"/>
+                <a:cs typeface="Times New Roman" panose="02020603050405020304" pitchFamily="18" charset="0"/>
               </a:rPr>
               <a:t>Roman-Decimal </a:t>
             </a:r>
@@ -10218,21 +12012,17 @@
                 <a:solidFill>
                   <a:srgbClr val="00B0F0"/>
                 </a:solidFill>
-              </a:rPr>
-              <a:t>(Enunciado</a:t>
-            </a:r>
-            <a:r>
-              <a:rPr lang="es" sz="2667" dirty="0">
-                <a:solidFill>
-                  <a:srgbClr val="00B0F0"/>
-                </a:solidFill>
-              </a:rPr>
-              <a:t>)</a:t>
+                <a:latin typeface="Times New Roman" panose="02020603050405020304" pitchFamily="18" charset="0"/>
+                <a:cs typeface="Times New Roman" panose="02020603050405020304" pitchFamily="18" charset="0"/>
+              </a:rPr>
+              <a:t>(Reglas)</a:t>
             </a:r>
             <a:endParaRPr lang="es" sz="1600" dirty="0">
               <a:solidFill>
                 <a:srgbClr val="00B0F0"/>
               </a:solidFill>
+              <a:latin typeface="Times New Roman" panose="02020603050405020304" pitchFamily="18" charset="0"/>
+              <a:cs typeface="Times New Roman" panose="02020603050405020304" pitchFamily="18" charset="0"/>
             </a:endParaRPr>
           </a:p>
         </p:txBody>
@@ -10245,8 +12035,8 @@
         </p:nvSpPr>
         <p:spPr>
           <a:xfrm>
-            <a:off x="6384032" y="1582165"/>
-            <a:ext cx="5280587" cy="4583139"/>
+            <a:off x="6121305" y="1124744"/>
+            <a:ext cx="5760640" cy="5040560"/>
           </a:xfrm>
           <a:prstGeom prst="rect">
             <a:avLst/>
@@ -10270,26 +12060,7 @@
                 <a:tab pos="480472" algn="l"/>
               </a:tabLst>
             </a:pPr>
-            <a:r>
-              <a:rPr lang="es-ES" sz="1200" dirty="0" smtClean="0">
-                <a:latin typeface="Calibri" panose="020F0502020204030204" pitchFamily="34" charset="0"/>
-                <a:ea typeface="Calibri"/>
-                <a:cs typeface="Calibri" panose="020F0502020204030204" pitchFamily="34" charset="0"/>
-                <a:sym typeface="Calibri"/>
-              </a:rPr>
-              <a:t>La kata consiste en la conversión de números decimales a romanos y viceversa, sabiendo que:</a:t>
-            </a:r>
-          </a:p>
-          <a:p>
-            <a:pPr algn="just">
-              <a:spcBef>
-                <a:spcPts val="533"/>
-              </a:spcBef>
-              <a:tabLst>
-                <a:tab pos="480472" algn="l"/>
-              </a:tabLst>
-            </a:pPr>
-            <a:endParaRPr lang="es-ES" sz="1200" dirty="0" smtClean="0">
+            <a:endParaRPr lang="es-ES" sz="1600" dirty="0" smtClean="0">
               <a:latin typeface="Calibri" panose="020F0502020204030204" pitchFamily="34" charset="0"/>
               <a:ea typeface="Calibri"/>
               <a:cs typeface="Calibri" panose="020F0502020204030204" pitchFamily="34" charset="0"/>
@@ -10312,20 +12083,20 @@
               </a:tabLst>
             </a:pPr>
             <a:r>
-              <a:rPr lang="es-ES" sz="1200" dirty="0">
-                <a:latin typeface="Calibri" panose="020F0502020204030204" pitchFamily="34" charset="0"/>
+              <a:rPr lang="es-ES" sz="1600" dirty="0">
+                <a:latin typeface="Times New Roman" panose="02020603050405020304" pitchFamily="18" charset="0"/>
                 <a:ea typeface="Calibri" panose="020F0502020204030204" pitchFamily="34" charset="0"/>
-                <a:cs typeface="Calibri" panose="020F0502020204030204" pitchFamily="34" charset="0"/>
-              </a:rPr>
-              <a:t>Los números romanos siempre se escriben y leen de izquierda a derecha, es decir, empezando por los números de mayor valor</a:t>
-            </a:r>
-            <a:r>
-              <a:rPr lang="es-ES" sz="1200" dirty="0" smtClean="0">
-                <a:latin typeface="Calibri" panose="020F0502020204030204" pitchFamily="34" charset="0"/>
+                <a:cs typeface="Times New Roman" panose="02020603050405020304" pitchFamily="18" charset="0"/>
+              </a:rPr>
+              <a:t>Los números romanos siempre se escriben y leen de izquierda a </a:t>
+            </a:r>
+            <a:r>
+              <a:rPr lang="es-ES" sz="1600" dirty="0" smtClean="0">
+                <a:latin typeface="Times New Roman" panose="02020603050405020304" pitchFamily="18" charset="0"/>
                 <a:ea typeface="Calibri" panose="020F0502020204030204" pitchFamily="34" charset="0"/>
-                <a:cs typeface="Calibri" panose="020F0502020204030204" pitchFamily="34" charset="0"/>
-              </a:rPr>
-              <a:t>.</a:t>
+                <a:cs typeface="Times New Roman" panose="02020603050405020304" pitchFamily="18" charset="0"/>
+              </a:rPr>
+              <a:t>derecha, es decir, empezando por los números de mayor valor.</a:t>
             </a:r>
           </a:p>
           <a:p>
@@ -10344,20 +12115,12 @@
               </a:tabLst>
             </a:pPr>
             <a:r>
-              <a:rPr lang="es-ES" sz="1200" dirty="0">
-                <a:latin typeface="Calibri" panose="020F0502020204030204" pitchFamily="34" charset="0"/>
+              <a:rPr lang="es-ES" sz="1600" dirty="0" smtClean="0">
+                <a:latin typeface="Times New Roman" panose="02020603050405020304" pitchFamily="18" charset="0"/>
                 <a:ea typeface="Calibri" panose="020F0502020204030204" pitchFamily="34" charset="0"/>
-                <a:cs typeface="Calibri" panose="020F0502020204030204" pitchFamily="34" charset="0"/>
-              </a:rPr>
-              <a:t>Los números seguidos de otro de valor igual o menor se suman siempre, como, por ejemplo, XXII que sería 10 + 10 + 1 + 1= 22</a:t>
-            </a:r>
-            <a:r>
-              <a:rPr lang="es-ES" sz="1200" dirty="0" smtClean="0">
-                <a:latin typeface="Calibri" panose="020F0502020204030204" pitchFamily="34" charset="0"/>
-                <a:ea typeface="Calibri" panose="020F0502020204030204" pitchFamily="34" charset="0"/>
-                <a:cs typeface="Calibri" panose="020F0502020204030204" pitchFamily="34" charset="0"/>
-              </a:rPr>
-              <a:t>.</a:t>
+                <a:cs typeface="Times New Roman" panose="02020603050405020304" pitchFamily="18" charset="0"/>
+              </a:rPr>
+              <a:t>Los números seguidos de otro de valor igual o menor se suman siempre, como, por ejemplo, XXII que sería 10 + 10 + 1 + 1= 22.</a:t>
             </a:r>
           </a:p>
           <a:p>
@@ -10376,20 +12139,12 @@
               </a:tabLst>
             </a:pPr>
             <a:r>
-              <a:rPr lang="es-ES" sz="1200" dirty="0">
-                <a:latin typeface="Calibri" panose="020F0502020204030204" pitchFamily="34" charset="0"/>
+              <a:rPr lang="es-ES" sz="1600" dirty="0" smtClean="0">
+                <a:latin typeface="Times New Roman" panose="02020603050405020304" pitchFamily="18" charset="0"/>
                 <a:ea typeface="Calibri" panose="020F0502020204030204" pitchFamily="34" charset="0"/>
-                <a:cs typeface="Calibri" panose="020F0502020204030204" pitchFamily="34" charset="0"/>
-              </a:rPr>
-              <a:t>Los números seguidos de otro de mayor valor se restan siempre, como, por ejemplo, XIX que sería 10 + (1 – 10) = 19</a:t>
-            </a:r>
-            <a:r>
-              <a:rPr lang="es-ES" sz="1200" dirty="0" smtClean="0">
-                <a:latin typeface="Calibri" panose="020F0502020204030204" pitchFamily="34" charset="0"/>
-                <a:ea typeface="Calibri" panose="020F0502020204030204" pitchFamily="34" charset="0"/>
-                <a:cs typeface="Calibri" panose="020F0502020204030204" pitchFamily="34" charset="0"/>
-              </a:rPr>
-              <a:t>.</a:t>
+                <a:cs typeface="Times New Roman" panose="02020603050405020304" pitchFamily="18" charset="0"/>
+              </a:rPr>
+              <a:t>Los números seguidos de otro de mayor valor se restan siempre, como, por ejemplo, XIX que sería 10 + (1 – 10) = 19.</a:t>
             </a:r>
           </a:p>
           <a:p>
@@ -10408,12 +12163,20 @@
               </a:tabLst>
             </a:pPr>
             <a:r>
-              <a:rPr lang="es-ES" sz="1200" dirty="0">
-                <a:latin typeface="Calibri" panose="020F0502020204030204" pitchFamily="34" charset="0"/>
+              <a:rPr lang="es-ES" sz="1600" dirty="0" smtClean="0">
+                <a:latin typeface="Times New Roman" panose="02020603050405020304" pitchFamily="18" charset="0"/>
                 <a:ea typeface="Calibri" panose="020F0502020204030204" pitchFamily="34" charset="0"/>
-                <a:cs typeface="Calibri" panose="020F0502020204030204" pitchFamily="34" charset="0"/>
-              </a:rPr>
-              <a:t>El número I y sus múltiplos X y C, pueden colocarse delante de un número mayor para restar valor, pero sin repetirse. Además, solo pueden restar valor a números inmediatamente superior, pero no a valores mucho más elevados. Es decir, I solo puede restar a V y X, C a L y C, y C a D y M.</a:t>
+                <a:cs typeface="Times New Roman" panose="02020603050405020304" pitchFamily="18" charset="0"/>
+              </a:rPr>
+              <a:t>El </a:t>
+            </a:r>
+            <a:r>
+              <a:rPr lang="es-ES" sz="1600" dirty="0">
+                <a:latin typeface="Times New Roman" panose="02020603050405020304" pitchFamily="18" charset="0"/>
+                <a:ea typeface="Calibri" panose="020F0502020204030204" pitchFamily="34" charset="0"/>
+                <a:cs typeface="Times New Roman" panose="02020603050405020304" pitchFamily="18" charset="0"/>
+              </a:rPr>
+              <a:t>número I y sus múltiplos X y C, pueden colocarse delante de un número mayor para restar valor, pero sin repetirse. Además, solo pueden restar valor a números inmediatamente superior, pero no a valores mucho más elevados. Es decir, I solo puede restar a V y X, C a L y C, y C a D y M.</a:t>
             </a:r>
           </a:p>
           <a:p>
@@ -10432,10 +12195,10 @@
               </a:tabLst>
             </a:pPr>
             <a:r>
-              <a:rPr lang="es-ES" sz="1200" dirty="0">
-                <a:latin typeface="Calibri" panose="020F0502020204030204" pitchFamily="34" charset="0"/>
+              <a:rPr lang="es-ES" sz="1600" dirty="0">
+                <a:latin typeface="Times New Roman" panose="02020603050405020304" pitchFamily="18" charset="0"/>
                 <a:ea typeface="Calibri" panose="020F0502020204030204" pitchFamily="34" charset="0"/>
-                <a:cs typeface="Calibri" panose="020F0502020204030204" pitchFamily="34" charset="0"/>
+                <a:cs typeface="Times New Roman" panose="02020603050405020304" pitchFamily="18" charset="0"/>
               </a:rPr>
               <a:t>El número V y sus múltiplos V y D no se pueden usar para restar en ningún caso. Por ejemplo, el número cuarenta y cinco se escribe XLV y no VL.</a:t>
             </a:r>
@@ -10517,853 +12280,303 @@
           </a:p>
         </p:txBody>
       </p:sp>
-      <p:pic>
-        <p:nvPicPr>
-          <p:cNvPr id="5" name="Picture 4" descr="C:\Users\crhurtad\Downloads\Captura de pantalla 2022-05-27 122305.png"/>
-          <p:cNvPicPr/>
+      <p:sp>
+        <p:nvSpPr>
+          <p:cNvPr id="3" name="TextBox 2"/>
+          <p:cNvSpPr txBox="1"/>
           <p:nvPr/>
-        </p:nvPicPr>
-        <p:blipFill>
-          <a:blip r:embed="rId3">
-            <a:extLst>
-              <a:ext uri="{28A0092B-C50C-407E-A947-70E740481C1C}">
-                <a14:useLocalDpi xmlns:a14="http://schemas.microsoft.com/office/drawing/2010/main" val="0"/>
-              </a:ext>
-            </a:extLst>
-          </a:blip>
-          <a:srcRect/>
-          <a:stretch>
-            <a:fillRect/>
-          </a:stretch>
-        </p:blipFill>
-        <p:spPr bwMode="auto">
+        </p:nvSpPr>
+        <p:spPr>
           <a:xfrm>
-            <a:off x="119336" y="1275940"/>
-            <a:ext cx="6120680" cy="4889364"/>
+            <a:off x="4295800" y="1336700"/>
+            <a:ext cx="2088232" cy="4616648"/>
           </a:xfrm>
           <a:prstGeom prst="rect">
             <a:avLst/>
           </a:prstGeom>
           <a:noFill/>
-          <a:ln>
-            <a:noFill/>
-          </a:ln>
         </p:spPr>
-      </p:pic>
-      <p:graphicFrame>
-        <p:nvGraphicFramePr>
-          <p:cNvPr id="2" name="Table 1"/>
-          <p:cNvGraphicFramePr>
-            <a:graphicFrameLocks noGrp="1"/>
-          </p:cNvGraphicFramePr>
-          <p:nvPr>
-            <p:extLst>
-              <p:ext uri="{D42A27DB-BD31-4B8C-83A1-F6EECF244321}">
-                <p14:modId xmlns:p14="http://schemas.microsoft.com/office/powerpoint/2010/main" val="582934913"/>
-              </p:ext>
-            </p:extLst>
-          </p:nvPr>
-        </p:nvGraphicFramePr>
-        <p:xfrm>
-          <a:off x="6528048" y="5085184"/>
-          <a:ext cx="5393690" cy="1388745"/>
-        </p:xfrm>
-        <a:graphic>
-          <a:graphicData uri="http://schemas.openxmlformats.org/drawingml/2006/table">
-            <a:tbl>
-              <a:tblPr firstRow="1" bandRow="1">
-                <a:tableStyleId>{5C22544A-7EE6-4342-B048-85BDC9FD1C3A}</a:tableStyleId>
-              </a:tblPr>
-              <a:tblGrid>
-                <a:gridCol w="2696845">
-                  <a:extLst>
-                    <a:ext uri="{9D8B030D-6E8A-4147-A177-3AD203B41FA5}">
-                      <a16:colId xmlns:a16="http://schemas.microsoft.com/office/drawing/2014/main" val="1440004714"/>
-                    </a:ext>
-                  </a:extLst>
-                </a:gridCol>
-                <a:gridCol w="2696845">
-                  <a:extLst>
-                    <a:ext uri="{9D8B030D-6E8A-4147-A177-3AD203B41FA5}">
-                      <a16:colId xmlns:a16="http://schemas.microsoft.com/office/drawing/2014/main" val="3678075745"/>
-                    </a:ext>
-                  </a:extLst>
-                </a:gridCol>
-              </a:tblGrid>
-              <a:tr h="0">
-                <a:tc>
-                  <a:txBody>
-                    <a:bodyPr/>
-                    <a:lstStyle/>
-                    <a:p>
-                      <a:pPr algn="just">
-                        <a:lnSpc>
-                          <a:spcPct val="107000"/>
-                        </a:lnSpc>
-                        <a:spcAft>
-                          <a:spcPts val="0"/>
-                        </a:spcAft>
-                      </a:pPr>
-                      <a:r>
-                        <a:rPr lang="es-ES" sz="1000">
-                          <a:effectLst/>
-                        </a:rPr>
-                        <a:t>ROMANO</a:t>
-                      </a:r>
-                      <a:endParaRPr lang="es-ES" sz="1100">
-                        <a:effectLst/>
-                        <a:latin typeface="Calibri" panose="020F0502020204030204" pitchFamily="34" charset="0"/>
-                        <a:ea typeface="Calibri" panose="020F0502020204030204" pitchFamily="34" charset="0"/>
-                        <a:cs typeface="Times New Roman" panose="02020603050405020304" pitchFamily="18" charset="0"/>
-                      </a:endParaRPr>
-                    </a:p>
-                  </a:txBody>
-                  <a:tcPr marL="68580" marR="68580" marT="0" marB="0"/>
-                </a:tc>
-                <a:tc>
-                  <a:txBody>
-                    <a:bodyPr/>
-                    <a:lstStyle/>
-                    <a:p>
-                      <a:pPr algn="just">
-                        <a:lnSpc>
-                          <a:spcPct val="107000"/>
-                        </a:lnSpc>
-                        <a:spcAft>
-                          <a:spcPts val="0"/>
-                        </a:spcAft>
-                      </a:pPr>
-                      <a:r>
-                        <a:rPr lang="es-ES" sz="1000">
-                          <a:effectLst/>
-                        </a:rPr>
-                        <a:t>DECIMAL</a:t>
-                      </a:r>
-                      <a:endParaRPr lang="es-ES" sz="1100">
-                        <a:effectLst/>
-                        <a:latin typeface="Calibri" panose="020F0502020204030204" pitchFamily="34" charset="0"/>
-                        <a:ea typeface="Calibri" panose="020F0502020204030204" pitchFamily="34" charset="0"/>
-                        <a:cs typeface="Times New Roman" panose="02020603050405020304" pitchFamily="18" charset="0"/>
-                      </a:endParaRPr>
-                    </a:p>
-                  </a:txBody>
-                  <a:tcPr marL="68580" marR="68580" marT="0" marB="0"/>
-                </a:tc>
-                <a:extLst>
-                  <a:ext uri="{0D108BD9-81ED-4DB2-BD59-A6C34878D82A}">
-                    <a16:rowId xmlns:a16="http://schemas.microsoft.com/office/drawing/2014/main" val="3632033856"/>
-                  </a:ext>
-                </a:extLst>
-              </a:tr>
-              <a:tr h="0">
-                <a:tc>
-                  <a:txBody>
-                    <a:bodyPr/>
-                    <a:lstStyle/>
-                    <a:p>
-                      <a:pPr algn="just">
-                        <a:lnSpc>
-                          <a:spcPct val="107000"/>
-                        </a:lnSpc>
-                        <a:spcAft>
-                          <a:spcPts val="0"/>
-                        </a:spcAft>
-                      </a:pPr>
-                      <a:r>
-                        <a:rPr lang="es-ES" sz="1000">
-                          <a:effectLst/>
-                        </a:rPr>
-                        <a:t> </a:t>
-                      </a:r>
-                      <a:endParaRPr lang="es-ES" sz="1100">
-                        <a:effectLst/>
-                        <a:latin typeface="Calibri" panose="020F0502020204030204" pitchFamily="34" charset="0"/>
-                        <a:ea typeface="Calibri" panose="020F0502020204030204" pitchFamily="34" charset="0"/>
-                        <a:cs typeface="Times New Roman" panose="02020603050405020304" pitchFamily="18" charset="0"/>
-                      </a:endParaRPr>
-                    </a:p>
-                  </a:txBody>
-                  <a:tcPr marL="68580" marR="68580" marT="0" marB="0"/>
-                </a:tc>
-                <a:tc>
-                  <a:txBody>
-                    <a:bodyPr/>
-                    <a:lstStyle/>
-                    <a:p>
-                      <a:pPr algn="just">
-                        <a:lnSpc>
-                          <a:spcPct val="107000"/>
-                        </a:lnSpc>
-                        <a:spcAft>
-                          <a:spcPts val="0"/>
-                        </a:spcAft>
-                      </a:pPr>
-                      <a:r>
-                        <a:rPr lang="es-ES" sz="1000">
-                          <a:effectLst/>
-                        </a:rPr>
-                        <a:t>0</a:t>
-                      </a:r>
-                      <a:endParaRPr lang="es-ES" sz="1100">
-                        <a:effectLst/>
-                        <a:latin typeface="Calibri" panose="020F0502020204030204" pitchFamily="34" charset="0"/>
-                        <a:ea typeface="Calibri" panose="020F0502020204030204" pitchFamily="34" charset="0"/>
-                        <a:cs typeface="Times New Roman" panose="02020603050405020304" pitchFamily="18" charset="0"/>
-                      </a:endParaRPr>
-                    </a:p>
-                  </a:txBody>
-                  <a:tcPr marL="68580" marR="68580" marT="0" marB="0"/>
-                </a:tc>
-                <a:extLst>
-                  <a:ext uri="{0D108BD9-81ED-4DB2-BD59-A6C34878D82A}">
-                    <a16:rowId xmlns:a16="http://schemas.microsoft.com/office/drawing/2014/main" val="471204599"/>
-                  </a:ext>
-                </a:extLst>
-              </a:tr>
-              <a:tr h="0">
-                <a:tc>
-                  <a:txBody>
-                    <a:bodyPr/>
-                    <a:lstStyle/>
-                    <a:p>
-                      <a:pPr algn="just">
-                        <a:lnSpc>
-                          <a:spcPct val="107000"/>
-                        </a:lnSpc>
-                        <a:spcAft>
-                          <a:spcPts val="0"/>
-                        </a:spcAft>
-                      </a:pPr>
-                      <a:r>
-                        <a:rPr lang="es-ES" sz="1000">
-                          <a:effectLst/>
-                        </a:rPr>
-                        <a:t>I</a:t>
-                      </a:r>
-                      <a:endParaRPr lang="es-ES" sz="1100">
-                        <a:effectLst/>
-                        <a:latin typeface="Calibri" panose="020F0502020204030204" pitchFamily="34" charset="0"/>
-                        <a:ea typeface="Calibri" panose="020F0502020204030204" pitchFamily="34" charset="0"/>
-                        <a:cs typeface="Times New Roman" panose="02020603050405020304" pitchFamily="18" charset="0"/>
-                      </a:endParaRPr>
-                    </a:p>
-                  </a:txBody>
-                  <a:tcPr marL="68580" marR="68580" marT="0" marB="0"/>
-                </a:tc>
-                <a:tc>
-                  <a:txBody>
-                    <a:bodyPr/>
-                    <a:lstStyle/>
-                    <a:p>
-                      <a:pPr algn="just">
-                        <a:lnSpc>
-                          <a:spcPct val="107000"/>
-                        </a:lnSpc>
-                        <a:spcAft>
-                          <a:spcPts val="0"/>
-                        </a:spcAft>
-                      </a:pPr>
-                      <a:r>
-                        <a:rPr lang="es-ES" sz="1000">
-                          <a:effectLst/>
-                        </a:rPr>
-                        <a:t>1</a:t>
-                      </a:r>
-                      <a:endParaRPr lang="es-ES" sz="1100">
-                        <a:effectLst/>
-                        <a:latin typeface="Calibri" panose="020F0502020204030204" pitchFamily="34" charset="0"/>
-                        <a:ea typeface="Calibri" panose="020F0502020204030204" pitchFamily="34" charset="0"/>
-                        <a:cs typeface="Times New Roman" panose="02020603050405020304" pitchFamily="18" charset="0"/>
-                      </a:endParaRPr>
-                    </a:p>
-                  </a:txBody>
-                  <a:tcPr marL="68580" marR="68580" marT="0" marB="0"/>
-                </a:tc>
-                <a:extLst>
-                  <a:ext uri="{0D108BD9-81ED-4DB2-BD59-A6C34878D82A}">
-                    <a16:rowId xmlns:a16="http://schemas.microsoft.com/office/drawing/2014/main" val="1705386243"/>
-                  </a:ext>
-                </a:extLst>
-              </a:tr>
-              <a:tr h="0">
-                <a:tc>
-                  <a:txBody>
-                    <a:bodyPr/>
-                    <a:lstStyle/>
-                    <a:p>
-                      <a:pPr algn="just">
-                        <a:lnSpc>
-                          <a:spcPct val="107000"/>
-                        </a:lnSpc>
-                        <a:spcAft>
-                          <a:spcPts val="0"/>
-                        </a:spcAft>
-                      </a:pPr>
-                      <a:r>
-                        <a:rPr lang="es-ES" sz="1000">
-                          <a:effectLst/>
-                        </a:rPr>
-                        <a:t>V</a:t>
-                      </a:r>
-                      <a:endParaRPr lang="es-ES" sz="1100">
-                        <a:effectLst/>
-                        <a:latin typeface="Calibri" panose="020F0502020204030204" pitchFamily="34" charset="0"/>
-                        <a:ea typeface="Calibri" panose="020F0502020204030204" pitchFamily="34" charset="0"/>
-                        <a:cs typeface="Times New Roman" panose="02020603050405020304" pitchFamily="18" charset="0"/>
-                      </a:endParaRPr>
-                    </a:p>
-                  </a:txBody>
-                  <a:tcPr marL="68580" marR="68580" marT="0" marB="0"/>
-                </a:tc>
-                <a:tc>
-                  <a:txBody>
-                    <a:bodyPr/>
-                    <a:lstStyle/>
-                    <a:p>
-                      <a:pPr algn="just">
-                        <a:lnSpc>
-                          <a:spcPct val="107000"/>
-                        </a:lnSpc>
-                        <a:spcAft>
-                          <a:spcPts val="0"/>
-                        </a:spcAft>
-                      </a:pPr>
-                      <a:r>
-                        <a:rPr lang="es-ES" sz="1000">
-                          <a:effectLst/>
-                        </a:rPr>
-                        <a:t>5</a:t>
-                      </a:r>
-                      <a:endParaRPr lang="es-ES" sz="1100">
-                        <a:effectLst/>
-                        <a:latin typeface="Calibri" panose="020F0502020204030204" pitchFamily="34" charset="0"/>
-                        <a:ea typeface="Calibri" panose="020F0502020204030204" pitchFamily="34" charset="0"/>
-                        <a:cs typeface="Times New Roman" panose="02020603050405020304" pitchFamily="18" charset="0"/>
-                      </a:endParaRPr>
-                    </a:p>
-                  </a:txBody>
-                  <a:tcPr marL="68580" marR="68580" marT="0" marB="0"/>
-                </a:tc>
-                <a:extLst>
-                  <a:ext uri="{0D108BD9-81ED-4DB2-BD59-A6C34878D82A}">
-                    <a16:rowId xmlns:a16="http://schemas.microsoft.com/office/drawing/2014/main" val="1690286536"/>
-                  </a:ext>
-                </a:extLst>
-              </a:tr>
-              <a:tr h="0">
-                <a:tc>
-                  <a:txBody>
-                    <a:bodyPr/>
-                    <a:lstStyle/>
-                    <a:p>
-                      <a:pPr algn="just">
-                        <a:lnSpc>
-                          <a:spcPct val="107000"/>
-                        </a:lnSpc>
-                        <a:spcAft>
-                          <a:spcPts val="0"/>
-                        </a:spcAft>
-                      </a:pPr>
-                      <a:r>
-                        <a:rPr lang="es-ES" sz="1000">
-                          <a:effectLst/>
-                        </a:rPr>
-                        <a:t>X</a:t>
-                      </a:r>
-                      <a:endParaRPr lang="es-ES" sz="1100">
-                        <a:effectLst/>
-                        <a:latin typeface="Calibri" panose="020F0502020204030204" pitchFamily="34" charset="0"/>
-                        <a:ea typeface="Calibri" panose="020F0502020204030204" pitchFamily="34" charset="0"/>
-                        <a:cs typeface="Times New Roman" panose="02020603050405020304" pitchFamily="18" charset="0"/>
-                      </a:endParaRPr>
-                    </a:p>
-                  </a:txBody>
-                  <a:tcPr marL="68580" marR="68580" marT="0" marB="0"/>
-                </a:tc>
-                <a:tc>
-                  <a:txBody>
-                    <a:bodyPr/>
-                    <a:lstStyle/>
-                    <a:p>
-                      <a:pPr algn="just">
-                        <a:lnSpc>
-                          <a:spcPct val="107000"/>
-                        </a:lnSpc>
-                        <a:spcAft>
-                          <a:spcPts val="0"/>
-                        </a:spcAft>
-                      </a:pPr>
-                      <a:r>
-                        <a:rPr lang="es-ES" sz="1000">
-                          <a:effectLst/>
-                        </a:rPr>
-                        <a:t>10</a:t>
-                      </a:r>
-                      <a:endParaRPr lang="es-ES" sz="1100">
-                        <a:effectLst/>
-                        <a:latin typeface="Calibri" panose="020F0502020204030204" pitchFamily="34" charset="0"/>
-                        <a:ea typeface="Calibri" panose="020F0502020204030204" pitchFamily="34" charset="0"/>
-                        <a:cs typeface="Times New Roman" panose="02020603050405020304" pitchFamily="18" charset="0"/>
-                      </a:endParaRPr>
-                    </a:p>
-                  </a:txBody>
-                  <a:tcPr marL="68580" marR="68580" marT="0" marB="0"/>
-                </a:tc>
-                <a:extLst>
-                  <a:ext uri="{0D108BD9-81ED-4DB2-BD59-A6C34878D82A}">
-                    <a16:rowId xmlns:a16="http://schemas.microsoft.com/office/drawing/2014/main" val="112086642"/>
-                  </a:ext>
-                </a:extLst>
-              </a:tr>
-              <a:tr h="0">
-                <a:tc>
-                  <a:txBody>
-                    <a:bodyPr/>
-                    <a:lstStyle/>
-                    <a:p>
-                      <a:pPr algn="just">
-                        <a:lnSpc>
-                          <a:spcPct val="107000"/>
-                        </a:lnSpc>
-                        <a:spcAft>
-                          <a:spcPts val="0"/>
-                        </a:spcAft>
-                      </a:pPr>
-                      <a:r>
-                        <a:rPr lang="es-ES" sz="1000">
-                          <a:effectLst/>
-                        </a:rPr>
-                        <a:t>L</a:t>
-                      </a:r>
-                      <a:endParaRPr lang="es-ES" sz="1100">
-                        <a:effectLst/>
-                        <a:latin typeface="Calibri" panose="020F0502020204030204" pitchFamily="34" charset="0"/>
-                        <a:ea typeface="Calibri" panose="020F0502020204030204" pitchFamily="34" charset="0"/>
-                        <a:cs typeface="Times New Roman" panose="02020603050405020304" pitchFamily="18" charset="0"/>
-                      </a:endParaRPr>
-                    </a:p>
-                  </a:txBody>
-                  <a:tcPr marL="68580" marR="68580" marT="0" marB="0"/>
-                </a:tc>
-                <a:tc>
-                  <a:txBody>
-                    <a:bodyPr/>
-                    <a:lstStyle/>
-                    <a:p>
-                      <a:pPr algn="just">
-                        <a:lnSpc>
-                          <a:spcPct val="107000"/>
-                        </a:lnSpc>
-                        <a:spcAft>
-                          <a:spcPts val="0"/>
-                        </a:spcAft>
-                      </a:pPr>
-                      <a:r>
-                        <a:rPr lang="es-ES" sz="1000">
-                          <a:effectLst/>
-                        </a:rPr>
-                        <a:t>50</a:t>
-                      </a:r>
-                      <a:endParaRPr lang="es-ES" sz="1100">
-                        <a:effectLst/>
-                        <a:latin typeface="Calibri" panose="020F0502020204030204" pitchFamily="34" charset="0"/>
-                        <a:ea typeface="Calibri" panose="020F0502020204030204" pitchFamily="34" charset="0"/>
-                        <a:cs typeface="Times New Roman" panose="02020603050405020304" pitchFamily="18" charset="0"/>
-                      </a:endParaRPr>
-                    </a:p>
-                  </a:txBody>
-                  <a:tcPr marL="68580" marR="68580" marT="0" marB="0"/>
-                </a:tc>
-                <a:extLst>
-                  <a:ext uri="{0D108BD9-81ED-4DB2-BD59-A6C34878D82A}">
-                    <a16:rowId xmlns:a16="http://schemas.microsoft.com/office/drawing/2014/main" val="3234625696"/>
-                  </a:ext>
-                </a:extLst>
-              </a:tr>
-              <a:tr h="0">
-                <a:tc>
-                  <a:txBody>
-                    <a:bodyPr/>
-                    <a:lstStyle/>
-                    <a:p>
-                      <a:pPr algn="just">
-                        <a:lnSpc>
-                          <a:spcPct val="107000"/>
-                        </a:lnSpc>
-                        <a:spcAft>
-                          <a:spcPts val="0"/>
-                        </a:spcAft>
-                      </a:pPr>
-                      <a:r>
-                        <a:rPr lang="es-ES" sz="1000">
-                          <a:effectLst/>
-                        </a:rPr>
-                        <a:t>C</a:t>
-                      </a:r>
-                      <a:endParaRPr lang="es-ES" sz="1100">
-                        <a:effectLst/>
-                        <a:latin typeface="Calibri" panose="020F0502020204030204" pitchFamily="34" charset="0"/>
-                        <a:ea typeface="Calibri" panose="020F0502020204030204" pitchFamily="34" charset="0"/>
-                        <a:cs typeface="Times New Roman" panose="02020603050405020304" pitchFamily="18" charset="0"/>
-                      </a:endParaRPr>
-                    </a:p>
-                  </a:txBody>
-                  <a:tcPr marL="68580" marR="68580" marT="0" marB="0"/>
-                </a:tc>
-                <a:tc>
-                  <a:txBody>
-                    <a:bodyPr/>
-                    <a:lstStyle/>
-                    <a:p>
-                      <a:pPr algn="just">
-                        <a:lnSpc>
-                          <a:spcPct val="107000"/>
-                        </a:lnSpc>
-                        <a:spcAft>
-                          <a:spcPts val="0"/>
-                        </a:spcAft>
-                      </a:pPr>
-                      <a:r>
-                        <a:rPr lang="es-ES" sz="1000">
-                          <a:effectLst/>
-                        </a:rPr>
-                        <a:t>100</a:t>
-                      </a:r>
-                      <a:endParaRPr lang="es-ES" sz="1100">
-                        <a:effectLst/>
-                        <a:latin typeface="Calibri" panose="020F0502020204030204" pitchFamily="34" charset="0"/>
-                        <a:ea typeface="Calibri" panose="020F0502020204030204" pitchFamily="34" charset="0"/>
-                        <a:cs typeface="Times New Roman" panose="02020603050405020304" pitchFamily="18" charset="0"/>
-                      </a:endParaRPr>
-                    </a:p>
-                  </a:txBody>
-                  <a:tcPr marL="68580" marR="68580" marT="0" marB="0"/>
-                </a:tc>
-                <a:extLst>
-                  <a:ext uri="{0D108BD9-81ED-4DB2-BD59-A6C34878D82A}">
-                    <a16:rowId xmlns:a16="http://schemas.microsoft.com/office/drawing/2014/main" val="3373906164"/>
-                  </a:ext>
-                </a:extLst>
-              </a:tr>
-              <a:tr h="0">
-                <a:tc>
-                  <a:txBody>
-                    <a:bodyPr/>
-                    <a:lstStyle/>
-                    <a:p>
-                      <a:pPr algn="just">
-                        <a:lnSpc>
-                          <a:spcPct val="107000"/>
-                        </a:lnSpc>
-                        <a:spcAft>
-                          <a:spcPts val="0"/>
-                        </a:spcAft>
-                      </a:pPr>
-                      <a:r>
-                        <a:rPr lang="es-ES" sz="1000">
-                          <a:effectLst/>
-                        </a:rPr>
-                        <a:t>D</a:t>
-                      </a:r>
-                      <a:endParaRPr lang="es-ES" sz="1100">
-                        <a:effectLst/>
-                        <a:latin typeface="Calibri" panose="020F0502020204030204" pitchFamily="34" charset="0"/>
-                        <a:ea typeface="Calibri" panose="020F0502020204030204" pitchFamily="34" charset="0"/>
-                        <a:cs typeface="Times New Roman" panose="02020603050405020304" pitchFamily="18" charset="0"/>
-                      </a:endParaRPr>
-                    </a:p>
-                  </a:txBody>
-                  <a:tcPr marL="68580" marR="68580" marT="0" marB="0"/>
-                </a:tc>
-                <a:tc>
-                  <a:txBody>
-                    <a:bodyPr/>
-                    <a:lstStyle/>
-                    <a:p>
-                      <a:pPr algn="just">
-                        <a:lnSpc>
-                          <a:spcPct val="107000"/>
-                        </a:lnSpc>
-                        <a:spcAft>
-                          <a:spcPts val="0"/>
-                        </a:spcAft>
-                      </a:pPr>
-                      <a:r>
-                        <a:rPr lang="es-ES" sz="1000">
-                          <a:effectLst/>
-                        </a:rPr>
-                        <a:t>500</a:t>
-                      </a:r>
-                      <a:endParaRPr lang="es-ES" sz="1100">
-                        <a:effectLst/>
-                        <a:latin typeface="Calibri" panose="020F0502020204030204" pitchFamily="34" charset="0"/>
-                        <a:ea typeface="Calibri" panose="020F0502020204030204" pitchFamily="34" charset="0"/>
-                        <a:cs typeface="Times New Roman" panose="02020603050405020304" pitchFamily="18" charset="0"/>
-                      </a:endParaRPr>
-                    </a:p>
-                  </a:txBody>
-                  <a:tcPr marL="68580" marR="68580" marT="0" marB="0"/>
-                </a:tc>
-                <a:extLst>
-                  <a:ext uri="{0D108BD9-81ED-4DB2-BD59-A6C34878D82A}">
-                    <a16:rowId xmlns:a16="http://schemas.microsoft.com/office/drawing/2014/main" val="220802564"/>
-                  </a:ext>
-                </a:extLst>
-              </a:tr>
-              <a:tr h="0">
-                <a:tc>
-                  <a:txBody>
-                    <a:bodyPr/>
-                    <a:lstStyle/>
-                    <a:p>
-                      <a:pPr algn="just">
-                        <a:lnSpc>
-                          <a:spcPct val="107000"/>
-                        </a:lnSpc>
-                        <a:spcAft>
-                          <a:spcPts val="0"/>
-                        </a:spcAft>
-                      </a:pPr>
-                      <a:r>
-                        <a:rPr lang="es-ES" sz="1000">
-                          <a:effectLst/>
-                        </a:rPr>
-                        <a:t>M</a:t>
-                      </a:r>
-                      <a:endParaRPr lang="es-ES" sz="1100">
-                        <a:effectLst/>
-                        <a:latin typeface="Calibri" panose="020F0502020204030204" pitchFamily="34" charset="0"/>
-                        <a:ea typeface="Calibri" panose="020F0502020204030204" pitchFamily="34" charset="0"/>
-                        <a:cs typeface="Times New Roman" panose="02020603050405020304" pitchFamily="18" charset="0"/>
-                      </a:endParaRPr>
-                    </a:p>
-                  </a:txBody>
-                  <a:tcPr marL="68580" marR="68580" marT="0" marB="0"/>
-                </a:tc>
-                <a:tc>
-                  <a:txBody>
-                    <a:bodyPr/>
-                    <a:lstStyle/>
-                    <a:p>
-                      <a:pPr algn="just">
-                        <a:lnSpc>
-                          <a:spcPct val="107000"/>
-                        </a:lnSpc>
-                        <a:spcAft>
-                          <a:spcPts val="0"/>
-                        </a:spcAft>
-                      </a:pPr>
-                      <a:r>
-                        <a:rPr lang="es-ES" sz="1000" dirty="0">
-                          <a:effectLst/>
-                        </a:rPr>
-                        <a:t>1000</a:t>
-                      </a:r>
-                      <a:endParaRPr lang="es-ES" sz="1100" dirty="0">
-                        <a:effectLst/>
-                        <a:latin typeface="Calibri" panose="020F0502020204030204" pitchFamily="34" charset="0"/>
-                        <a:ea typeface="Calibri" panose="020F0502020204030204" pitchFamily="34" charset="0"/>
-                        <a:cs typeface="Times New Roman" panose="02020603050405020304" pitchFamily="18" charset="0"/>
-                      </a:endParaRPr>
-                    </a:p>
-                  </a:txBody>
-                  <a:tcPr marL="68580" marR="68580" marT="0" marB="0"/>
-                </a:tc>
-                <a:extLst>
-                  <a:ext uri="{0D108BD9-81ED-4DB2-BD59-A6C34878D82A}">
-                    <a16:rowId xmlns:a16="http://schemas.microsoft.com/office/drawing/2014/main" val="3150480904"/>
-                  </a:ext>
-                </a:extLst>
-              </a:tr>
-            </a:tbl>
-          </a:graphicData>
-        </a:graphic>
-      </p:graphicFrame>
-    </p:spTree>
-  </p:cSld>
-  <p:clrMapOvr>
-    <a:masterClrMapping/>
-  </p:clrMapOvr>
-</p:sld>
-</file>
-
-<file path=ppt/slides/slide8.xml><?xml version="1.0" encoding="utf-8"?>
-<p:sld xmlns:a="http://schemas.openxmlformats.org/drawingml/2006/main" xmlns:r="http://schemas.openxmlformats.org/officeDocument/2006/relationships" xmlns:p="http://schemas.openxmlformats.org/presentationml/2006/main">
-  <p:cSld>
-    <p:bg>
-      <p:bgPr>
-        <a:solidFill>
-          <a:schemeClr val="accent2"/>
-        </a:solidFill>
-        <a:effectLst/>
-      </p:bgPr>
-    </p:bg>
-    <p:spTree>
-      <p:nvGrpSpPr>
-        <p:cNvPr id="1" name="Shape 168"/>
-        <p:cNvGrpSpPr/>
-        <p:nvPr/>
-      </p:nvGrpSpPr>
-      <p:grpSpPr>
-        <a:xfrm>
-          <a:off x="0" y="0"/>
-          <a:ext cx="0" cy="0"/>
-          <a:chOff x="0" y="0"/>
-          <a:chExt cx="0" cy="0"/>
-        </a:xfrm>
-      </p:grpSpPr>
-      <p:sp>
-        <p:nvSpPr>
-          <p:cNvPr id="169" name="Shape 169"/>
-          <p:cNvSpPr txBox="1">
-            <a:spLocks noGrp="1"/>
-          </p:cNvSpPr>
-          <p:nvPr>
-            <p:ph type="ctrTitle"/>
-          </p:nvPr>
-        </p:nvSpPr>
+        <p:txBody>
+          <a:bodyPr wrap="square" rtlCol="0">
+            <a:spAutoFit/>
+          </a:bodyPr>
+          <a:lstStyle/>
+          <a:p>
+            <a:pPr>
+              <a:lnSpc>
+                <a:spcPct val="150000"/>
+              </a:lnSpc>
+            </a:pPr>
+            <a:r>
+              <a:rPr lang="es-ES" sz="2800" b="1" dirty="0" smtClean="0">
+                <a:solidFill>
+                  <a:schemeClr val="accent4">
+                    <a:lumMod val="75000"/>
+                  </a:schemeClr>
+                </a:solidFill>
+                <a:latin typeface="Times New Roman" panose="02020603050405020304" pitchFamily="18" charset="0"/>
+                <a:cs typeface="Times New Roman" panose="02020603050405020304" pitchFamily="18" charset="0"/>
+              </a:rPr>
+              <a:t>I</a:t>
+            </a:r>
+            <a:r>
+              <a:rPr lang="es-ES" sz="2800" b="1" dirty="0" smtClean="0">
+                <a:latin typeface="Times New Roman" panose="02020603050405020304" pitchFamily="18" charset="0"/>
+                <a:cs typeface="Times New Roman" panose="02020603050405020304" pitchFamily="18" charset="0"/>
+              </a:rPr>
+              <a:t> </a:t>
+            </a:r>
+            <a:r>
+              <a:rPr lang="es-ES" sz="2800" dirty="0" smtClean="0">
+                <a:latin typeface="Times New Roman" panose="02020603050405020304" pitchFamily="18" charset="0"/>
+                <a:cs typeface="Times New Roman" panose="02020603050405020304" pitchFamily="18" charset="0"/>
+              </a:rPr>
+              <a:t>=</a:t>
+            </a:r>
+            <a:r>
+              <a:rPr lang="es-ES" sz="2800" b="1" dirty="0" smtClean="0">
+                <a:latin typeface="Times New Roman" panose="02020603050405020304" pitchFamily="18" charset="0"/>
+                <a:cs typeface="Times New Roman" panose="02020603050405020304" pitchFamily="18" charset="0"/>
+              </a:rPr>
+              <a:t> </a:t>
+            </a:r>
+            <a:r>
+              <a:rPr lang="es-ES" sz="2800" dirty="0" smtClean="0">
+                <a:latin typeface="Times New Roman" panose="02020603050405020304" pitchFamily="18" charset="0"/>
+                <a:cs typeface="Times New Roman" panose="02020603050405020304" pitchFamily="18" charset="0"/>
+              </a:rPr>
+              <a:t>1</a:t>
+            </a:r>
+          </a:p>
+          <a:p>
+            <a:pPr>
+              <a:lnSpc>
+                <a:spcPct val="150000"/>
+              </a:lnSpc>
+            </a:pPr>
+            <a:r>
+              <a:rPr lang="es-ES" sz="2800" b="1" dirty="0" smtClean="0">
+                <a:solidFill>
+                  <a:schemeClr val="accent4">
+                    <a:lumMod val="75000"/>
+                  </a:schemeClr>
+                </a:solidFill>
+                <a:latin typeface="Times New Roman" panose="02020603050405020304" pitchFamily="18" charset="0"/>
+                <a:cs typeface="Times New Roman" panose="02020603050405020304" pitchFamily="18" charset="0"/>
+              </a:rPr>
+              <a:t>V</a:t>
+            </a:r>
+            <a:r>
+              <a:rPr lang="es-ES" sz="2800" b="1" dirty="0" smtClean="0">
+                <a:latin typeface="Times New Roman" panose="02020603050405020304" pitchFamily="18" charset="0"/>
+                <a:cs typeface="Times New Roman" panose="02020603050405020304" pitchFamily="18" charset="0"/>
+              </a:rPr>
+              <a:t> </a:t>
+            </a:r>
+            <a:r>
+              <a:rPr lang="es-ES" sz="2800" dirty="0" smtClean="0">
+                <a:latin typeface="Times New Roman" panose="02020603050405020304" pitchFamily="18" charset="0"/>
+                <a:cs typeface="Times New Roman" panose="02020603050405020304" pitchFamily="18" charset="0"/>
+              </a:rPr>
+              <a:t>= 5</a:t>
+            </a:r>
+          </a:p>
+          <a:p>
+            <a:pPr>
+              <a:lnSpc>
+                <a:spcPct val="150000"/>
+              </a:lnSpc>
+            </a:pPr>
+            <a:r>
+              <a:rPr lang="es-ES" sz="2800" b="1" dirty="0" smtClean="0">
+                <a:solidFill>
+                  <a:schemeClr val="accent4">
+                    <a:lumMod val="75000"/>
+                  </a:schemeClr>
+                </a:solidFill>
+                <a:latin typeface="Times New Roman" panose="02020603050405020304" pitchFamily="18" charset="0"/>
+                <a:cs typeface="Times New Roman" panose="02020603050405020304" pitchFamily="18" charset="0"/>
+              </a:rPr>
+              <a:t>X</a:t>
+            </a:r>
+            <a:r>
+              <a:rPr lang="es-ES" sz="2800" b="1" dirty="0" smtClean="0">
+                <a:latin typeface="Times New Roman" panose="02020603050405020304" pitchFamily="18" charset="0"/>
+                <a:cs typeface="Times New Roman" panose="02020603050405020304" pitchFamily="18" charset="0"/>
+              </a:rPr>
+              <a:t> </a:t>
+            </a:r>
+            <a:r>
+              <a:rPr lang="es-ES" sz="2800" dirty="0" smtClean="0">
+                <a:latin typeface="Times New Roman" panose="02020603050405020304" pitchFamily="18" charset="0"/>
+                <a:cs typeface="Times New Roman" panose="02020603050405020304" pitchFamily="18" charset="0"/>
+              </a:rPr>
+              <a:t>= 10</a:t>
+            </a:r>
+          </a:p>
+          <a:p>
+            <a:pPr>
+              <a:lnSpc>
+                <a:spcPct val="150000"/>
+              </a:lnSpc>
+            </a:pPr>
+            <a:r>
+              <a:rPr lang="es-ES" sz="2800" b="1" dirty="0" smtClean="0">
+                <a:solidFill>
+                  <a:schemeClr val="accent4">
+                    <a:lumMod val="75000"/>
+                  </a:schemeClr>
+                </a:solidFill>
+                <a:latin typeface="Times New Roman" panose="02020603050405020304" pitchFamily="18" charset="0"/>
+                <a:cs typeface="Times New Roman" panose="02020603050405020304" pitchFamily="18" charset="0"/>
+              </a:rPr>
+              <a:t>L</a:t>
+            </a:r>
+            <a:r>
+              <a:rPr lang="es-ES" sz="2800" b="1" dirty="0" smtClean="0">
+                <a:latin typeface="Times New Roman" panose="02020603050405020304" pitchFamily="18" charset="0"/>
+                <a:cs typeface="Times New Roman" panose="02020603050405020304" pitchFamily="18" charset="0"/>
+              </a:rPr>
+              <a:t> </a:t>
+            </a:r>
+            <a:r>
+              <a:rPr lang="es-ES" sz="2800" dirty="0" smtClean="0">
+                <a:latin typeface="Times New Roman" panose="02020603050405020304" pitchFamily="18" charset="0"/>
+                <a:cs typeface="Times New Roman" panose="02020603050405020304" pitchFamily="18" charset="0"/>
+              </a:rPr>
+              <a:t>= 50</a:t>
+            </a:r>
+          </a:p>
+          <a:p>
+            <a:pPr>
+              <a:lnSpc>
+                <a:spcPct val="150000"/>
+              </a:lnSpc>
+            </a:pPr>
+            <a:r>
+              <a:rPr lang="es-ES" sz="2800" b="1" dirty="0" smtClean="0">
+                <a:solidFill>
+                  <a:schemeClr val="accent4">
+                    <a:lumMod val="75000"/>
+                  </a:schemeClr>
+                </a:solidFill>
+                <a:latin typeface="Times New Roman" panose="02020603050405020304" pitchFamily="18" charset="0"/>
+                <a:cs typeface="Times New Roman" panose="02020603050405020304" pitchFamily="18" charset="0"/>
+              </a:rPr>
+              <a:t>C</a:t>
+            </a:r>
+            <a:r>
+              <a:rPr lang="es-ES" sz="2800" b="1" dirty="0" smtClean="0">
+                <a:latin typeface="Times New Roman" panose="02020603050405020304" pitchFamily="18" charset="0"/>
+                <a:cs typeface="Times New Roman" panose="02020603050405020304" pitchFamily="18" charset="0"/>
+              </a:rPr>
+              <a:t> </a:t>
+            </a:r>
+            <a:r>
+              <a:rPr lang="es-ES" sz="2800" dirty="0" smtClean="0">
+                <a:latin typeface="Times New Roman" panose="02020603050405020304" pitchFamily="18" charset="0"/>
+                <a:cs typeface="Times New Roman" panose="02020603050405020304" pitchFamily="18" charset="0"/>
+              </a:rPr>
+              <a:t>= 100</a:t>
+            </a:r>
+          </a:p>
+          <a:p>
+            <a:pPr>
+              <a:lnSpc>
+                <a:spcPct val="150000"/>
+              </a:lnSpc>
+            </a:pPr>
+            <a:r>
+              <a:rPr lang="es-ES" sz="2800" b="1" dirty="0" smtClean="0">
+                <a:solidFill>
+                  <a:schemeClr val="accent4">
+                    <a:lumMod val="75000"/>
+                  </a:schemeClr>
+                </a:solidFill>
+                <a:latin typeface="Times New Roman" panose="02020603050405020304" pitchFamily="18" charset="0"/>
+                <a:cs typeface="Times New Roman" panose="02020603050405020304" pitchFamily="18" charset="0"/>
+              </a:rPr>
+              <a:t>D</a:t>
+            </a:r>
+            <a:r>
+              <a:rPr lang="es-ES" sz="2800" b="1" dirty="0" smtClean="0">
+                <a:latin typeface="Times New Roman" panose="02020603050405020304" pitchFamily="18" charset="0"/>
+                <a:cs typeface="Times New Roman" panose="02020603050405020304" pitchFamily="18" charset="0"/>
+              </a:rPr>
+              <a:t> </a:t>
+            </a:r>
+            <a:r>
+              <a:rPr lang="es-ES" sz="2800" dirty="0" smtClean="0">
+                <a:latin typeface="Times New Roman" panose="02020603050405020304" pitchFamily="18" charset="0"/>
+                <a:cs typeface="Times New Roman" panose="02020603050405020304" pitchFamily="18" charset="0"/>
+              </a:rPr>
+              <a:t>= 500</a:t>
+            </a:r>
+          </a:p>
+          <a:p>
+            <a:pPr>
+              <a:lnSpc>
+                <a:spcPct val="150000"/>
+              </a:lnSpc>
+            </a:pPr>
+            <a:r>
+              <a:rPr lang="es-ES" sz="2800" b="1" dirty="0" smtClean="0">
+                <a:solidFill>
+                  <a:schemeClr val="accent4">
+                    <a:lumMod val="75000"/>
+                  </a:schemeClr>
+                </a:solidFill>
+                <a:latin typeface="Times New Roman" panose="02020603050405020304" pitchFamily="18" charset="0"/>
+                <a:cs typeface="Times New Roman" panose="02020603050405020304" pitchFamily="18" charset="0"/>
+              </a:rPr>
+              <a:t>M</a:t>
+            </a:r>
+            <a:r>
+              <a:rPr lang="es-ES" sz="2800" b="1" dirty="0" smtClean="0">
+                <a:latin typeface="Times New Roman" panose="02020603050405020304" pitchFamily="18" charset="0"/>
+                <a:cs typeface="Times New Roman" panose="02020603050405020304" pitchFamily="18" charset="0"/>
+              </a:rPr>
+              <a:t> </a:t>
+            </a:r>
+            <a:r>
+              <a:rPr lang="es-ES" sz="2800" dirty="0" smtClean="0">
+                <a:latin typeface="Times New Roman" panose="02020603050405020304" pitchFamily="18" charset="0"/>
+                <a:cs typeface="Times New Roman" panose="02020603050405020304" pitchFamily="18" charset="0"/>
+              </a:rPr>
+              <a:t>= 1000</a:t>
+            </a:r>
+            <a:endParaRPr lang="es-ES" sz="2800" dirty="0">
+              <a:latin typeface="Times New Roman" panose="02020603050405020304" pitchFamily="18" charset="0"/>
+              <a:cs typeface="Times New Roman" panose="02020603050405020304" pitchFamily="18" charset="0"/>
+            </a:endParaRPr>
+          </a:p>
+        </p:txBody>
+      </p:sp>
+      <p:pic>
+        <p:nvPicPr>
+          <p:cNvPr id="6" name="Picture 5"/>
+          <p:cNvPicPr>
+            <a:picLocks noChangeAspect="1"/>
+          </p:cNvPicPr>
+          <p:nvPr/>
+        </p:nvPicPr>
+        <p:blipFill>
+          <a:blip r:embed="rId3"/>
+          <a:stretch>
+            <a:fillRect/>
+          </a:stretch>
+        </p:blipFill>
         <p:spPr>
           <a:xfrm>
-            <a:off x="914400" y="2564904"/>
-            <a:ext cx="10363200" cy="978000"/>
+            <a:off x="609600" y="1916832"/>
+            <a:ext cx="3456384" cy="3456384"/>
           </a:xfrm>
           <a:prstGeom prst="rect">
             <a:avLst/>
           </a:prstGeom>
-          <a:noFill/>
-          <a:ln>
-            <a:noFill/>
-          </a:ln>
         </p:spPr>
-        <p:txBody>
-          <a:bodyPr vert="horz" lIns="121900" tIns="60933" rIns="121900" bIns="60933" rtlCol="0" anchor="ctr" anchorCtr="0">
-            <a:noAutofit/>
-          </a:bodyPr>
-          <a:lstStyle/>
-          <a:p>
-            <a:pPr>
-              <a:buClr>
-                <a:schemeClr val="lt1"/>
-              </a:buClr>
-              <a:buSzPct val="25000"/>
-            </a:pPr>
-            <a:r>
-              <a:rPr lang="es-ES" sz="8000" b="1" dirty="0" smtClean="0">
-                <a:solidFill>
-                  <a:schemeClr val="lt1"/>
-                </a:solidFill>
-              </a:rPr>
-              <a:t>¡A programar!</a:t>
-            </a:r>
-            <a:endParaRPr lang="es" sz="8000" b="1" dirty="0">
-              <a:solidFill>
-                <a:schemeClr val="lt1"/>
-              </a:solidFill>
-            </a:endParaRPr>
-          </a:p>
-        </p:txBody>
-      </p:sp>
-      <p:sp>
-        <p:nvSpPr>
-          <p:cNvPr id="170" name="Shape 170"/>
-          <p:cNvSpPr txBox="1">
-            <a:spLocks noGrp="1"/>
-          </p:cNvSpPr>
-          <p:nvPr>
-            <p:ph type="subTitle" idx="1"/>
-          </p:nvPr>
-        </p:nvSpPr>
-        <p:spPr>
-          <a:xfrm>
-            <a:off x="191344" y="3717032"/>
-            <a:ext cx="11809312" cy="792088"/>
-          </a:xfrm>
-          <a:prstGeom prst="rect">
-            <a:avLst/>
-          </a:prstGeom>
-          <a:noFill/>
-          <a:ln>
-            <a:noFill/>
-          </a:ln>
-        </p:spPr>
-        <p:txBody>
-          <a:bodyPr vert="horz" lIns="121900" tIns="60933" rIns="121900" bIns="60933" rtlCol="0" anchor="ctr" anchorCtr="0">
-            <a:noAutofit/>
-          </a:bodyPr>
-          <a:lstStyle/>
-          <a:p>
-            <a:pPr>
-              <a:lnSpc>
-                <a:spcPct val="100000"/>
-              </a:lnSpc>
-              <a:spcBef>
-                <a:spcPts val="0"/>
-              </a:spcBef>
-              <a:buClr>
-                <a:schemeClr val="lt1"/>
-              </a:buClr>
-              <a:buSzPct val="25000"/>
-            </a:pPr>
-            <a:r>
-              <a:rPr lang="es" sz="6000" dirty="0">
-                <a:solidFill>
-                  <a:srgbClr val="002060"/>
-                </a:solidFill>
-              </a:rPr>
-              <a:t>Kata </a:t>
-            </a:r>
-            <a:r>
-              <a:rPr lang="en-US" sz="6000" dirty="0" smtClean="0">
-                <a:solidFill>
-                  <a:srgbClr val="002060"/>
-                </a:solidFill>
-              </a:rPr>
-              <a:t>Roman-Decimal</a:t>
-            </a:r>
-            <a:endParaRPr lang="es" sz="6000" dirty="0">
-              <a:solidFill>
-                <a:srgbClr val="002060"/>
-              </a:solidFill>
-            </a:endParaRPr>
-          </a:p>
-        </p:txBody>
-      </p:sp>
+      </p:pic>
     </p:spTree>
-    <p:extLst>
-      <p:ext uri="{BB962C8B-B14F-4D97-AF65-F5344CB8AC3E}">
-        <p14:creationId xmlns:p14="http://schemas.microsoft.com/office/powerpoint/2010/main" val="4068828634"/>
-      </p:ext>
-    </p:extLst>
-  </p:cSld>
-  <p:clrMapOvr>
-    <a:masterClrMapping/>
-  </p:clrMapOvr>
-</p:sld>
-</file>
-
-<file path=ppt/slides/slide9.xml><?xml version="1.0" encoding="utf-8"?>
-<p:sld xmlns:a="http://schemas.openxmlformats.org/drawingml/2006/main" xmlns:r="http://schemas.openxmlformats.org/officeDocument/2006/relationships" xmlns:p="http://schemas.openxmlformats.org/presentationml/2006/main">
-  <p:cSld>
-    <p:spTree>
-      <p:nvGrpSpPr>
-        <p:cNvPr id="1" name=""/>
-        <p:cNvGrpSpPr/>
-        <p:nvPr/>
-      </p:nvGrpSpPr>
-      <p:grpSpPr>
-        <a:xfrm>
-          <a:off x="0" y="0"/>
-          <a:ext cx="0" cy="0"/>
-          <a:chOff x="0" y="0"/>
-          <a:chExt cx="0" cy="0"/>
-        </a:xfrm>
-      </p:grpSpPr>
-    </p:spTree>
-    <p:extLst>
-      <p:ext uri="{BB962C8B-B14F-4D97-AF65-F5344CB8AC3E}">
-        <p14:creationId xmlns:p14="http://schemas.microsoft.com/office/powerpoint/2010/main" val="1545407803"/>
-      </p:ext>
-    </p:extLst>
   </p:cSld>
   <p:clrMapOvr>
     <a:masterClrMapping/>
@@ -12364,6 +13577,12 @@
 </file>
 
 <file path=customXml/item1.xml><?xml version="1.0" encoding="utf-8"?>
+<p:properties xmlns:p="http://schemas.microsoft.com/office/2006/metadata/properties" xmlns:xsi="http://www.w3.org/2001/XMLSchema-instance" xmlns:pc="http://schemas.microsoft.com/office/infopath/2007/PartnerControls">
+  <documentManagement/>
+</p:properties>
+</file>
+
+<file path=customXml/item2.xml><?xml version="1.0" encoding="utf-8"?>
 <ct:contentTypeSchema xmlns:ct="http://schemas.microsoft.com/office/2006/metadata/contentType" xmlns:ma="http://schemas.microsoft.com/office/2006/metadata/properties/metaAttributes" ct:_="" ma:_="" ma:contentTypeName="Document" ma:contentTypeID="0x01010003E6AA805E06284B92367B5312DAEABD" ma:contentTypeVersion="2" ma:contentTypeDescription="Create a new document." ma:contentTypeScope="" ma:versionID="5d3fcf7c78f9559156fd4b1bff51d7a0">
   <xsd:schema xmlns:xsd="http://www.w3.org/2001/XMLSchema" xmlns:xs="http://www.w3.org/2001/XMLSchema" xmlns:p="http://schemas.microsoft.com/office/2006/metadata/properties" xmlns:ns2="99b8c997-432e-483c-b625-62aec4b38177" targetNamespace="http://schemas.microsoft.com/office/2006/metadata/properties" ma:root="true" ma:fieldsID="82cee7966e8b05c359a02592ddd1367d" ns2:_="">
     <xsd:import namespace="99b8c997-432e-483c-b625-62aec4b38177"/>
@@ -12495,12 +13714,6 @@
 </ct:contentTypeSchema>
 </file>
 
-<file path=customXml/item2.xml><?xml version="1.0" encoding="utf-8"?>
-<p:properties xmlns:p="http://schemas.microsoft.com/office/2006/metadata/properties" xmlns:xsi="http://www.w3.org/2001/XMLSchema-instance" xmlns:pc="http://schemas.microsoft.com/office/infopath/2007/PartnerControls">
-  <documentManagement/>
-</p:properties>
-</file>
-
 <file path=customXml/item3.xml><?xml version="1.0" encoding="utf-8"?>
 <?mso-contentType ?>
 <FormTemplates xmlns="http://schemas.microsoft.com/sharepoint/v3/contenttype/forms">
@@ -12511,6 +13724,15 @@
 </file>
 
 <file path=customXml/itemProps1.xml><?xml version="1.0" encoding="utf-8"?>
+<ds:datastoreItem xmlns:ds="http://schemas.openxmlformats.org/officeDocument/2006/customXml" ds:itemID="{E6E34656-E680-4E45-821A-28D34D1E6F89}">
+  <ds:schemaRefs>
+    <ds:schemaRef ds:uri="http://schemas.microsoft.com/office/2006/metadata/properties"/>
+    <ds:schemaRef ds:uri="http://schemas.microsoft.com/office/infopath/2007/PartnerControls"/>
+  </ds:schemaRefs>
+</ds:datastoreItem>
+</file>
+
+<file path=customXml/itemProps2.xml><?xml version="1.0" encoding="utf-8"?>
 <ds:datastoreItem xmlns:ds="http://schemas.openxmlformats.org/officeDocument/2006/customXml" ds:itemID="{97CBFFC5-6D74-4537-88D6-2718B8B037EF}">
   <ds:schemaRefs>
     <ds:schemaRef ds:uri="http://schemas.microsoft.com/office/2006/metadata/contentType"/>
@@ -12528,15 +13750,6 @@
 </ds:datastoreItem>
 </file>
 
-<file path=customXml/itemProps2.xml><?xml version="1.0" encoding="utf-8"?>
-<ds:datastoreItem xmlns:ds="http://schemas.openxmlformats.org/officeDocument/2006/customXml" ds:itemID="{E6E34656-E680-4E45-821A-28D34D1E6F89}">
-  <ds:schemaRefs>
-    <ds:schemaRef ds:uri="http://schemas.microsoft.com/office/2006/metadata/properties"/>
-    <ds:schemaRef ds:uri="http://schemas.microsoft.com/office/infopath/2007/PartnerControls"/>
-  </ds:schemaRefs>
-</ds:datastoreItem>
-</file>
-
 <file path=customXml/itemProps3.xml><?xml version="1.0" encoding="utf-8"?>
 <ds:datastoreItem xmlns:ds="http://schemas.openxmlformats.org/officeDocument/2006/customXml" ds:itemID="{A3E109F4-0379-463E-9FBF-BAF009C5FA9B}">
   <ds:schemaRefs>

--- a/Kata Roman-Decimal.pptx
+++ b/Kata Roman-Decimal.pptx
@@ -6,10 +6,10 @@
     <p:sldMasterId id="2147483671" r:id="rId5"/>
   </p:sldMasterIdLst>
   <p:notesMasterIdLst>
-    <p:notesMasterId r:id="rId17"/>
+    <p:notesMasterId r:id="rId18"/>
   </p:notesMasterIdLst>
   <p:handoutMasterIdLst>
-    <p:handoutMasterId r:id="rId18"/>
+    <p:handoutMasterId r:id="rId19"/>
   </p:handoutMasterIdLst>
   <p:sldIdLst>
     <p:sldId id="538" r:id="rId6"/>
@@ -17,12 +17,13 @@
     <p:sldId id="562" r:id="rId8"/>
     <p:sldId id="577" r:id="rId9"/>
     <p:sldId id="571" r:id="rId10"/>
-    <p:sldId id="572" r:id="rId11"/>
-    <p:sldId id="578" r:id="rId12"/>
-    <p:sldId id="580" r:id="rId13"/>
-    <p:sldId id="275" r:id="rId14"/>
-    <p:sldId id="579" r:id="rId15"/>
-    <p:sldId id="557" r:id="rId16"/>
+    <p:sldId id="576" r:id="rId11"/>
+    <p:sldId id="572" r:id="rId12"/>
+    <p:sldId id="578" r:id="rId13"/>
+    <p:sldId id="580" r:id="rId14"/>
+    <p:sldId id="275" r:id="rId15"/>
+    <p:sldId id="579" r:id="rId16"/>
+    <p:sldId id="557" r:id="rId17"/>
   </p:sldIdLst>
   <p:sldSz cx="12192000" cy="6858000"/>
   <p:notesSz cx="6858000" cy="9144000"/>
@@ -153,248 +154,6 @@
 
 <file path=ppt/changesInfos/changesInfo1.xml><?xml version="1.0" encoding="utf-8"?>
 <pc:chgInfo xmlns:a="http://schemas.openxmlformats.org/drawingml/2006/main" xmlns:r="http://schemas.openxmlformats.org/officeDocument/2006/relationships" xmlns:ac="http://schemas.microsoft.com/office/drawing/2013/main/command" xmlns:pc="http://schemas.microsoft.com/office/powerpoint/2013/main/command">
-  <pc:docChgLst>
-    <pc:chgData name="Jimenez Martinez, Pablo" userId="713675c2-bab4-4c20-ae51-6cb24299fdbd" providerId="ADAL" clId="{CB2CE608-4B17-4114-A01E-68AB8ADD06B6}"/>
-    <pc:docChg chg="undo custSel addSld delSld modSld">
-      <pc:chgData name="Jimenez Martinez, Pablo" userId="713675c2-bab4-4c20-ae51-6cb24299fdbd" providerId="ADAL" clId="{CB2CE608-4B17-4114-A01E-68AB8ADD06B6}" dt="2022-03-24T07:24:16.772" v="790" actId="47"/>
-      <pc:docMkLst>
-        <pc:docMk/>
-      </pc:docMkLst>
-      <pc:sldChg chg="modSp add mod">
-        <pc:chgData name="Jimenez Martinez, Pablo" userId="713675c2-bab4-4c20-ae51-6cb24299fdbd" providerId="ADAL" clId="{CB2CE608-4B17-4114-A01E-68AB8ADD06B6}" dt="2022-03-23T11:49:21.690" v="88" actId="1035"/>
-        <pc:sldMkLst>
-          <pc:docMk/>
-          <pc:sldMk cId="0" sldId="275"/>
-        </pc:sldMkLst>
-        <pc:spChg chg="mod">
-          <ac:chgData name="Jimenez Martinez, Pablo" userId="713675c2-bab4-4c20-ae51-6cb24299fdbd" providerId="ADAL" clId="{CB2CE608-4B17-4114-A01E-68AB8ADD06B6}" dt="2022-03-23T11:49:21.042" v="87" actId="1036"/>
-          <ac:spMkLst>
-            <pc:docMk/>
-            <pc:sldMk cId="0" sldId="275"/>
-            <ac:spMk id="196" creationId="{00000000-0000-0000-0000-000000000000}"/>
-          </ac:spMkLst>
-        </pc:spChg>
-        <pc:picChg chg="mod">
-          <ac:chgData name="Jimenez Martinez, Pablo" userId="713675c2-bab4-4c20-ae51-6cb24299fdbd" providerId="ADAL" clId="{CB2CE608-4B17-4114-A01E-68AB8ADD06B6}" dt="2022-03-23T11:49:21.690" v="88" actId="1035"/>
-          <ac:picMkLst>
-            <pc:docMk/>
-            <pc:sldMk cId="0" sldId="275"/>
-            <ac:picMk id="4098" creationId="{00000000-0000-0000-0000-000000000000}"/>
-          </ac:picMkLst>
-        </pc:picChg>
-      </pc:sldChg>
-      <pc:sldChg chg="modSp add mod">
-        <pc:chgData name="Jimenez Martinez, Pablo" userId="713675c2-bab4-4c20-ae51-6cb24299fdbd" providerId="ADAL" clId="{CB2CE608-4B17-4114-A01E-68AB8ADD06B6}" dt="2022-03-23T11:57:30.180" v="415" actId="20577"/>
-        <pc:sldMkLst>
-          <pc:docMk/>
-          <pc:sldMk cId="2871526943" sldId="276"/>
-        </pc:sldMkLst>
-        <pc:spChg chg="mod">
-          <ac:chgData name="Jimenez Martinez, Pablo" userId="713675c2-bab4-4c20-ae51-6cb24299fdbd" providerId="ADAL" clId="{CB2CE608-4B17-4114-A01E-68AB8ADD06B6}" dt="2022-03-23T11:57:30.180" v="415" actId="20577"/>
-          <ac:spMkLst>
-            <pc:docMk/>
-            <pc:sldMk cId="2871526943" sldId="276"/>
-            <ac:spMk id="196" creationId="{00000000-0000-0000-0000-000000000000}"/>
-          </ac:spMkLst>
-        </pc:spChg>
-      </pc:sldChg>
-      <pc:sldChg chg="modSp add mod">
-        <pc:chgData name="Jimenez Martinez, Pablo" userId="713675c2-bab4-4c20-ae51-6cb24299fdbd" providerId="ADAL" clId="{CB2CE608-4B17-4114-A01E-68AB8ADD06B6}" dt="2022-03-23T15:31:01.066" v="785" actId="1035"/>
-        <pc:sldMkLst>
-          <pc:docMk/>
-          <pc:sldMk cId="469566384" sldId="277"/>
-        </pc:sldMkLst>
-        <pc:spChg chg="mod">
-          <ac:chgData name="Jimenez Martinez, Pablo" userId="713675c2-bab4-4c20-ae51-6cb24299fdbd" providerId="ADAL" clId="{CB2CE608-4B17-4114-A01E-68AB8ADD06B6}" dt="2022-03-23T15:30:55.260" v="778" actId="6549"/>
-          <ac:spMkLst>
-            <pc:docMk/>
-            <pc:sldMk cId="469566384" sldId="277"/>
-            <ac:spMk id="196" creationId="{00000000-0000-0000-0000-000000000000}"/>
-          </ac:spMkLst>
-        </pc:spChg>
-        <pc:picChg chg="mod">
-          <ac:chgData name="Jimenez Martinez, Pablo" userId="713675c2-bab4-4c20-ae51-6cb24299fdbd" providerId="ADAL" clId="{CB2CE608-4B17-4114-A01E-68AB8ADD06B6}" dt="2022-03-23T15:31:01.066" v="785" actId="1035"/>
-          <ac:picMkLst>
-            <pc:docMk/>
-            <pc:sldMk cId="469566384" sldId="277"/>
-            <ac:picMk id="2050" creationId="{00000000-0000-0000-0000-000000000000}"/>
-          </ac:picMkLst>
-        </pc:picChg>
-      </pc:sldChg>
-      <pc:sldChg chg="modSp add mod">
-        <pc:chgData name="Jimenez Martinez, Pablo" userId="713675c2-bab4-4c20-ae51-6cb24299fdbd" providerId="ADAL" clId="{CB2CE608-4B17-4114-A01E-68AB8ADD06B6}" dt="2022-03-23T11:58:35.728" v="461" actId="6549"/>
-        <pc:sldMkLst>
-          <pc:docMk/>
-          <pc:sldMk cId="223235735" sldId="278"/>
-        </pc:sldMkLst>
-        <pc:spChg chg="mod">
-          <ac:chgData name="Jimenez Martinez, Pablo" userId="713675c2-bab4-4c20-ae51-6cb24299fdbd" providerId="ADAL" clId="{CB2CE608-4B17-4114-A01E-68AB8ADD06B6}" dt="2022-03-23T11:58:35.728" v="461" actId="6549"/>
-          <ac:spMkLst>
-            <pc:docMk/>
-            <pc:sldMk cId="223235735" sldId="278"/>
-            <ac:spMk id="196" creationId="{00000000-0000-0000-0000-000000000000}"/>
-          </ac:spMkLst>
-        </pc:spChg>
-      </pc:sldChg>
-      <pc:sldChg chg="addSp modSp del mod">
-        <pc:chgData name="Jimenez Martinez, Pablo" userId="713675c2-bab4-4c20-ae51-6cb24299fdbd" providerId="ADAL" clId="{CB2CE608-4B17-4114-A01E-68AB8ADD06B6}" dt="2022-03-24T07:24:16.772" v="790" actId="47"/>
-        <pc:sldMkLst>
-          <pc:docMk/>
-          <pc:sldMk cId="3138233843" sldId="296"/>
-        </pc:sldMkLst>
-        <pc:spChg chg="add mod">
-          <ac:chgData name="Jimenez Martinez, Pablo" userId="713675c2-bab4-4c20-ae51-6cb24299fdbd" providerId="ADAL" clId="{CB2CE608-4B17-4114-A01E-68AB8ADD06B6}" dt="2022-03-23T12:02:43.024" v="767" actId="1076"/>
-          <ac:spMkLst>
-            <pc:docMk/>
-            <pc:sldMk cId="3138233843" sldId="296"/>
-            <ac:spMk id="3" creationId="{697D6FE8-8B49-4650-8D14-860460D492B4}"/>
-          </ac:spMkLst>
-        </pc:spChg>
-      </pc:sldChg>
-      <pc:sldChg chg="delSp modSp mod">
-        <pc:chgData name="Jimenez Martinez, Pablo" userId="713675c2-bab4-4c20-ae51-6cb24299fdbd" providerId="ADAL" clId="{CB2CE608-4B17-4114-A01E-68AB8ADD06B6}" dt="2022-03-23T11:48:20.895" v="52" actId="1038"/>
-        <pc:sldMkLst>
-          <pc:docMk/>
-          <pc:sldMk cId="1068206032" sldId="538"/>
-        </pc:sldMkLst>
-        <pc:spChg chg="mod">
-          <ac:chgData name="Jimenez Martinez, Pablo" userId="713675c2-bab4-4c20-ae51-6cb24299fdbd" providerId="ADAL" clId="{CB2CE608-4B17-4114-A01E-68AB8ADD06B6}" dt="2022-03-23T11:48:05.250" v="30" actId="20577"/>
-          <ac:spMkLst>
-            <pc:docMk/>
-            <pc:sldMk cId="1068206032" sldId="538"/>
-            <ac:spMk id="5" creationId="{CDAD4CD6-0D42-4B53-A553-167F9F359564}"/>
-          </ac:spMkLst>
-        </pc:spChg>
-        <pc:spChg chg="mod">
-          <ac:chgData name="Jimenez Martinez, Pablo" userId="713675c2-bab4-4c20-ae51-6cb24299fdbd" providerId="ADAL" clId="{CB2CE608-4B17-4114-A01E-68AB8ADD06B6}" dt="2022-03-23T11:48:20.895" v="52" actId="1038"/>
-          <ac:spMkLst>
-            <pc:docMk/>
-            <pc:sldMk cId="1068206032" sldId="538"/>
-            <ac:spMk id="6" creationId="{A7836B60-AE10-4694-B8D8-4190ECFD8ED2}"/>
-          </ac:spMkLst>
-        </pc:spChg>
-        <pc:spChg chg="del">
-          <ac:chgData name="Jimenez Martinez, Pablo" userId="713675c2-bab4-4c20-ae51-6cb24299fdbd" providerId="ADAL" clId="{CB2CE608-4B17-4114-A01E-68AB8ADD06B6}" dt="2022-03-23T11:48:13.913" v="42" actId="478"/>
-          <ac:spMkLst>
-            <pc:docMk/>
-            <pc:sldMk cId="1068206032" sldId="538"/>
-            <ac:spMk id="8" creationId="{80A9FC94-A316-4D8B-818F-7CDE09F8747C}"/>
-          </ac:spMkLst>
-        </pc:spChg>
-      </pc:sldChg>
-      <pc:sldChg chg="del">
-        <pc:chgData name="Jimenez Martinez, Pablo" userId="713675c2-bab4-4c20-ae51-6cb24299fdbd" providerId="ADAL" clId="{CB2CE608-4B17-4114-A01E-68AB8ADD06B6}" dt="2022-03-23T11:49:24.987" v="89" actId="47"/>
-        <pc:sldMkLst>
-          <pc:docMk/>
-          <pc:sldMk cId="3614825301" sldId="558"/>
-        </pc:sldMkLst>
-      </pc:sldChg>
-      <pc:sldChg chg="del">
-        <pc:chgData name="Jimenez Martinez, Pablo" userId="713675c2-bab4-4c20-ae51-6cb24299fdbd" providerId="ADAL" clId="{CB2CE608-4B17-4114-A01E-68AB8ADD06B6}" dt="2022-03-23T11:49:27.997" v="91" actId="47"/>
-        <pc:sldMkLst>
-          <pc:docMk/>
-          <pc:sldMk cId="223235735" sldId="559"/>
-        </pc:sldMkLst>
-      </pc:sldChg>
-      <pc:sldChg chg="modSp mod">
-        <pc:chgData name="Jimenez Martinez, Pablo" userId="713675c2-bab4-4c20-ae51-6cb24299fdbd" providerId="ADAL" clId="{CB2CE608-4B17-4114-A01E-68AB8ADD06B6}" dt="2022-03-23T11:48:47.066" v="65" actId="6549"/>
-        <pc:sldMkLst>
-          <pc:docMk/>
-          <pc:sldMk cId="2773007854" sldId="572"/>
-        </pc:sldMkLst>
-        <pc:spChg chg="mod">
-          <ac:chgData name="Jimenez Martinez, Pablo" userId="713675c2-bab4-4c20-ae51-6cb24299fdbd" providerId="ADAL" clId="{CB2CE608-4B17-4114-A01E-68AB8ADD06B6}" dt="2022-03-23T11:48:47.066" v="65" actId="6549"/>
-          <ac:spMkLst>
-            <pc:docMk/>
-            <pc:sldMk cId="2773007854" sldId="572"/>
-            <ac:spMk id="6" creationId="{0BB40221-4A4C-4967-A2D2-883873C2B121}"/>
-          </ac:spMkLst>
-        </pc:spChg>
-      </pc:sldChg>
-      <pc:sldChg chg="modSp mod">
-        <pc:chgData name="Jimenez Martinez, Pablo" userId="713675c2-bab4-4c20-ae51-6cb24299fdbd" providerId="ADAL" clId="{CB2CE608-4B17-4114-A01E-68AB8ADD06B6}" dt="2022-03-23T12:01:20.458" v="709" actId="6549"/>
-        <pc:sldMkLst>
-          <pc:docMk/>
-          <pc:sldMk cId="4068828634" sldId="573"/>
-        </pc:sldMkLst>
-        <pc:spChg chg="mod">
-          <ac:chgData name="Jimenez Martinez, Pablo" userId="713675c2-bab4-4c20-ae51-6cb24299fdbd" providerId="ADAL" clId="{CB2CE608-4B17-4114-A01E-68AB8ADD06B6}" dt="2022-03-23T12:01:20.458" v="709" actId="6549"/>
-          <ac:spMkLst>
-            <pc:docMk/>
-            <pc:sldMk cId="4068828634" sldId="573"/>
-            <ac:spMk id="170" creationId="{00000000-0000-0000-0000-000000000000}"/>
-          </ac:spMkLst>
-        </pc:spChg>
-      </pc:sldChg>
-      <pc:sldChg chg="del">
-        <pc:chgData name="Jimenez Martinez, Pablo" userId="713675c2-bab4-4c20-ae51-6cb24299fdbd" providerId="ADAL" clId="{CB2CE608-4B17-4114-A01E-68AB8ADD06B6}" dt="2022-03-23T11:49:26.789" v="90" actId="47"/>
-        <pc:sldMkLst>
-          <pc:docMk/>
-          <pc:sldMk cId="3070921349" sldId="578"/>
-        </pc:sldMkLst>
-      </pc:sldChg>
-      <pc:sldChg chg="addSp modSp del">
-        <pc:chgData name="Jimenez Martinez, Pablo" userId="713675c2-bab4-4c20-ae51-6cb24299fdbd" providerId="ADAL" clId="{CB2CE608-4B17-4114-A01E-68AB8ADD06B6}" dt="2022-03-24T07:24:15.652" v="789" actId="47"/>
-        <pc:sldMkLst>
-          <pc:docMk/>
-          <pc:sldMk cId="1943026793" sldId="581"/>
-        </pc:sldMkLst>
-        <pc:spChg chg="add mod">
-          <ac:chgData name="Jimenez Martinez, Pablo" userId="713675c2-bab4-4c20-ae51-6cb24299fdbd" providerId="ADAL" clId="{CB2CE608-4B17-4114-A01E-68AB8ADD06B6}" dt="2022-03-23T12:02:47.101" v="768"/>
-          <ac:spMkLst>
-            <pc:docMk/>
-            <pc:sldMk cId="1943026793" sldId="581"/>
-            <ac:spMk id="16" creationId="{0A1EC8A3-A9CF-43C2-B191-FEC0FC5CC2C8}"/>
-          </ac:spMkLst>
-        </pc:spChg>
-      </pc:sldChg>
-      <pc:sldChg chg="addSp modSp del">
-        <pc:chgData name="Jimenez Martinez, Pablo" userId="713675c2-bab4-4c20-ae51-6cb24299fdbd" providerId="ADAL" clId="{CB2CE608-4B17-4114-A01E-68AB8ADD06B6}" dt="2022-03-24T07:24:14.836" v="788" actId="47"/>
-        <pc:sldMkLst>
-          <pc:docMk/>
-          <pc:sldMk cId="2227367454" sldId="583"/>
-        </pc:sldMkLst>
-        <pc:spChg chg="add mod">
-          <ac:chgData name="Jimenez Martinez, Pablo" userId="713675c2-bab4-4c20-ae51-6cb24299fdbd" providerId="ADAL" clId="{CB2CE608-4B17-4114-A01E-68AB8ADD06B6}" dt="2022-03-23T12:02:53.465" v="769"/>
-          <ac:spMkLst>
-            <pc:docMk/>
-            <pc:sldMk cId="2227367454" sldId="583"/>
-            <ac:spMk id="15" creationId="{F0C24E1F-20DD-448D-A403-12D6BF573BB8}"/>
-          </ac:spMkLst>
-        </pc:spChg>
-      </pc:sldChg>
-      <pc:sldChg chg="addSp modSp del">
-        <pc:chgData name="Jimenez Martinez, Pablo" userId="713675c2-bab4-4c20-ae51-6cb24299fdbd" providerId="ADAL" clId="{CB2CE608-4B17-4114-A01E-68AB8ADD06B6}" dt="2022-03-24T07:24:13.438" v="787" actId="47"/>
-        <pc:sldMkLst>
-          <pc:docMk/>
-          <pc:sldMk cId="833658107" sldId="584"/>
-        </pc:sldMkLst>
-        <pc:spChg chg="add mod">
-          <ac:chgData name="Jimenez Martinez, Pablo" userId="713675c2-bab4-4c20-ae51-6cb24299fdbd" providerId="ADAL" clId="{CB2CE608-4B17-4114-A01E-68AB8ADD06B6}" dt="2022-03-23T12:03:08.692" v="770"/>
-          <ac:spMkLst>
-            <pc:docMk/>
-            <pc:sldMk cId="833658107" sldId="584"/>
-            <ac:spMk id="21" creationId="{CB71DEBF-3C4B-427D-9AC4-62AA3625412B}"/>
-          </ac:spMkLst>
-        </pc:spChg>
-      </pc:sldChg>
-      <pc:sldChg chg="addSp modSp del">
-        <pc:chgData name="Jimenez Martinez, Pablo" userId="713675c2-bab4-4c20-ae51-6cb24299fdbd" providerId="ADAL" clId="{CB2CE608-4B17-4114-A01E-68AB8ADD06B6}" dt="2022-03-24T07:24:12.524" v="786" actId="47"/>
-        <pc:sldMkLst>
-          <pc:docMk/>
-          <pc:sldMk cId="3454759851" sldId="585"/>
-        </pc:sldMkLst>
-        <pc:spChg chg="add mod">
-          <ac:chgData name="Jimenez Martinez, Pablo" userId="713675c2-bab4-4c20-ae51-6cb24299fdbd" providerId="ADAL" clId="{CB2CE608-4B17-4114-A01E-68AB8ADD06B6}" dt="2022-03-23T12:03:11.855" v="771"/>
-          <ac:spMkLst>
-            <pc:docMk/>
-            <pc:sldMk cId="3454759851" sldId="585"/>
-            <ac:spMk id="15" creationId="{D2E11DD3-BA8F-409C-B3CF-ABE1F7115330}"/>
-          </ac:spMkLst>
-        </pc:spChg>
-      </pc:sldChg>
-    </pc:docChg>
-  </pc:docChgLst>
   <pc:docChgLst>
     <pc:chgData name="Jimenez Martinez, Pablo" userId="713675c2-bab4-4c20-ae51-6cb24299fdbd" providerId="ADAL" clId="{ACF71593-2CE1-4585-8D7A-E6DB649D4B39}"/>
     <pc:docChg chg="undo custSel addSld delSld modSld">
@@ -913,6 +672,248 @@
       </pc:sldChg>
     </pc:docChg>
   </pc:docChgLst>
+  <pc:docChgLst>
+    <pc:chgData name="Jimenez Martinez, Pablo" userId="713675c2-bab4-4c20-ae51-6cb24299fdbd" providerId="ADAL" clId="{CB2CE608-4B17-4114-A01E-68AB8ADD06B6}"/>
+    <pc:docChg chg="undo custSel addSld delSld modSld">
+      <pc:chgData name="Jimenez Martinez, Pablo" userId="713675c2-bab4-4c20-ae51-6cb24299fdbd" providerId="ADAL" clId="{CB2CE608-4B17-4114-A01E-68AB8ADD06B6}" dt="2022-03-24T07:24:16.772" v="790" actId="47"/>
+      <pc:docMkLst>
+        <pc:docMk/>
+      </pc:docMkLst>
+      <pc:sldChg chg="modSp add mod">
+        <pc:chgData name="Jimenez Martinez, Pablo" userId="713675c2-bab4-4c20-ae51-6cb24299fdbd" providerId="ADAL" clId="{CB2CE608-4B17-4114-A01E-68AB8ADD06B6}" dt="2022-03-23T11:49:21.690" v="88" actId="1035"/>
+        <pc:sldMkLst>
+          <pc:docMk/>
+          <pc:sldMk cId="0" sldId="275"/>
+        </pc:sldMkLst>
+        <pc:spChg chg="mod">
+          <ac:chgData name="Jimenez Martinez, Pablo" userId="713675c2-bab4-4c20-ae51-6cb24299fdbd" providerId="ADAL" clId="{CB2CE608-4B17-4114-A01E-68AB8ADD06B6}" dt="2022-03-23T11:49:21.042" v="87" actId="1036"/>
+          <ac:spMkLst>
+            <pc:docMk/>
+            <pc:sldMk cId="0" sldId="275"/>
+            <ac:spMk id="196" creationId="{00000000-0000-0000-0000-000000000000}"/>
+          </ac:spMkLst>
+        </pc:spChg>
+        <pc:picChg chg="mod">
+          <ac:chgData name="Jimenez Martinez, Pablo" userId="713675c2-bab4-4c20-ae51-6cb24299fdbd" providerId="ADAL" clId="{CB2CE608-4B17-4114-A01E-68AB8ADD06B6}" dt="2022-03-23T11:49:21.690" v="88" actId="1035"/>
+          <ac:picMkLst>
+            <pc:docMk/>
+            <pc:sldMk cId="0" sldId="275"/>
+            <ac:picMk id="4098" creationId="{00000000-0000-0000-0000-000000000000}"/>
+          </ac:picMkLst>
+        </pc:picChg>
+      </pc:sldChg>
+      <pc:sldChg chg="modSp add mod">
+        <pc:chgData name="Jimenez Martinez, Pablo" userId="713675c2-bab4-4c20-ae51-6cb24299fdbd" providerId="ADAL" clId="{CB2CE608-4B17-4114-A01E-68AB8ADD06B6}" dt="2022-03-23T11:57:30.180" v="415" actId="20577"/>
+        <pc:sldMkLst>
+          <pc:docMk/>
+          <pc:sldMk cId="2871526943" sldId="276"/>
+        </pc:sldMkLst>
+        <pc:spChg chg="mod">
+          <ac:chgData name="Jimenez Martinez, Pablo" userId="713675c2-bab4-4c20-ae51-6cb24299fdbd" providerId="ADAL" clId="{CB2CE608-4B17-4114-A01E-68AB8ADD06B6}" dt="2022-03-23T11:57:30.180" v="415" actId="20577"/>
+          <ac:spMkLst>
+            <pc:docMk/>
+            <pc:sldMk cId="2871526943" sldId="276"/>
+            <ac:spMk id="196" creationId="{00000000-0000-0000-0000-000000000000}"/>
+          </ac:spMkLst>
+        </pc:spChg>
+      </pc:sldChg>
+      <pc:sldChg chg="modSp add mod">
+        <pc:chgData name="Jimenez Martinez, Pablo" userId="713675c2-bab4-4c20-ae51-6cb24299fdbd" providerId="ADAL" clId="{CB2CE608-4B17-4114-A01E-68AB8ADD06B6}" dt="2022-03-23T15:31:01.066" v="785" actId="1035"/>
+        <pc:sldMkLst>
+          <pc:docMk/>
+          <pc:sldMk cId="469566384" sldId="277"/>
+        </pc:sldMkLst>
+        <pc:spChg chg="mod">
+          <ac:chgData name="Jimenez Martinez, Pablo" userId="713675c2-bab4-4c20-ae51-6cb24299fdbd" providerId="ADAL" clId="{CB2CE608-4B17-4114-A01E-68AB8ADD06B6}" dt="2022-03-23T15:30:55.260" v="778" actId="6549"/>
+          <ac:spMkLst>
+            <pc:docMk/>
+            <pc:sldMk cId="469566384" sldId="277"/>
+            <ac:spMk id="196" creationId="{00000000-0000-0000-0000-000000000000}"/>
+          </ac:spMkLst>
+        </pc:spChg>
+        <pc:picChg chg="mod">
+          <ac:chgData name="Jimenez Martinez, Pablo" userId="713675c2-bab4-4c20-ae51-6cb24299fdbd" providerId="ADAL" clId="{CB2CE608-4B17-4114-A01E-68AB8ADD06B6}" dt="2022-03-23T15:31:01.066" v="785" actId="1035"/>
+          <ac:picMkLst>
+            <pc:docMk/>
+            <pc:sldMk cId="469566384" sldId="277"/>
+            <ac:picMk id="2050" creationId="{00000000-0000-0000-0000-000000000000}"/>
+          </ac:picMkLst>
+        </pc:picChg>
+      </pc:sldChg>
+      <pc:sldChg chg="modSp add mod">
+        <pc:chgData name="Jimenez Martinez, Pablo" userId="713675c2-bab4-4c20-ae51-6cb24299fdbd" providerId="ADAL" clId="{CB2CE608-4B17-4114-A01E-68AB8ADD06B6}" dt="2022-03-23T11:58:35.728" v="461" actId="6549"/>
+        <pc:sldMkLst>
+          <pc:docMk/>
+          <pc:sldMk cId="223235735" sldId="278"/>
+        </pc:sldMkLst>
+        <pc:spChg chg="mod">
+          <ac:chgData name="Jimenez Martinez, Pablo" userId="713675c2-bab4-4c20-ae51-6cb24299fdbd" providerId="ADAL" clId="{CB2CE608-4B17-4114-A01E-68AB8ADD06B6}" dt="2022-03-23T11:58:35.728" v="461" actId="6549"/>
+          <ac:spMkLst>
+            <pc:docMk/>
+            <pc:sldMk cId="223235735" sldId="278"/>
+            <ac:spMk id="196" creationId="{00000000-0000-0000-0000-000000000000}"/>
+          </ac:spMkLst>
+        </pc:spChg>
+      </pc:sldChg>
+      <pc:sldChg chg="addSp modSp del mod">
+        <pc:chgData name="Jimenez Martinez, Pablo" userId="713675c2-bab4-4c20-ae51-6cb24299fdbd" providerId="ADAL" clId="{CB2CE608-4B17-4114-A01E-68AB8ADD06B6}" dt="2022-03-24T07:24:16.772" v="790" actId="47"/>
+        <pc:sldMkLst>
+          <pc:docMk/>
+          <pc:sldMk cId="3138233843" sldId="296"/>
+        </pc:sldMkLst>
+        <pc:spChg chg="add mod">
+          <ac:chgData name="Jimenez Martinez, Pablo" userId="713675c2-bab4-4c20-ae51-6cb24299fdbd" providerId="ADAL" clId="{CB2CE608-4B17-4114-A01E-68AB8ADD06B6}" dt="2022-03-23T12:02:43.024" v="767" actId="1076"/>
+          <ac:spMkLst>
+            <pc:docMk/>
+            <pc:sldMk cId="3138233843" sldId="296"/>
+            <ac:spMk id="3" creationId="{697D6FE8-8B49-4650-8D14-860460D492B4}"/>
+          </ac:spMkLst>
+        </pc:spChg>
+      </pc:sldChg>
+      <pc:sldChg chg="delSp modSp mod">
+        <pc:chgData name="Jimenez Martinez, Pablo" userId="713675c2-bab4-4c20-ae51-6cb24299fdbd" providerId="ADAL" clId="{CB2CE608-4B17-4114-A01E-68AB8ADD06B6}" dt="2022-03-23T11:48:20.895" v="52" actId="1038"/>
+        <pc:sldMkLst>
+          <pc:docMk/>
+          <pc:sldMk cId="1068206032" sldId="538"/>
+        </pc:sldMkLst>
+        <pc:spChg chg="mod">
+          <ac:chgData name="Jimenez Martinez, Pablo" userId="713675c2-bab4-4c20-ae51-6cb24299fdbd" providerId="ADAL" clId="{CB2CE608-4B17-4114-A01E-68AB8ADD06B6}" dt="2022-03-23T11:48:05.250" v="30" actId="20577"/>
+          <ac:spMkLst>
+            <pc:docMk/>
+            <pc:sldMk cId="1068206032" sldId="538"/>
+            <ac:spMk id="5" creationId="{CDAD4CD6-0D42-4B53-A553-167F9F359564}"/>
+          </ac:spMkLst>
+        </pc:spChg>
+        <pc:spChg chg="mod">
+          <ac:chgData name="Jimenez Martinez, Pablo" userId="713675c2-bab4-4c20-ae51-6cb24299fdbd" providerId="ADAL" clId="{CB2CE608-4B17-4114-A01E-68AB8ADD06B6}" dt="2022-03-23T11:48:20.895" v="52" actId="1038"/>
+          <ac:spMkLst>
+            <pc:docMk/>
+            <pc:sldMk cId="1068206032" sldId="538"/>
+            <ac:spMk id="6" creationId="{A7836B60-AE10-4694-B8D8-4190ECFD8ED2}"/>
+          </ac:spMkLst>
+        </pc:spChg>
+        <pc:spChg chg="del">
+          <ac:chgData name="Jimenez Martinez, Pablo" userId="713675c2-bab4-4c20-ae51-6cb24299fdbd" providerId="ADAL" clId="{CB2CE608-4B17-4114-A01E-68AB8ADD06B6}" dt="2022-03-23T11:48:13.913" v="42" actId="478"/>
+          <ac:spMkLst>
+            <pc:docMk/>
+            <pc:sldMk cId="1068206032" sldId="538"/>
+            <ac:spMk id="8" creationId="{80A9FC94-A316-4D8B-818F-7CDE09F8747C}"/>
+          </ac:spMkLst>
+        </pc:spChg>
+      </pc:sldChg>
+      <pc:sldChg chg="del">
+        <pc:chgData name="Jimenez Martinez, Pablo" userId="713675c2-bab4-4c20-ae51-6cb24299fdbd" providerId="ADAL" clId="{CB2CE608-4B17-4114-A01E-68AB8ADD06B6}" dt="2022-03-23T11:49:24.987" v="89" actId="47"/>
+        <pc:sldMkLst>
+          <pc:docMk/>
+          <pc:sldMk cId="3614825301" sldId="558"/>
+        </pc:sldMkLst>
+      </pc:sldChg>
+      <pc:sldChg chg="del">
+        <pc:chgData name="Jimenez Martinez, Pablo" userId="713675c2-bab4-4c20-ae51-6cb24299fdbd" providerId="ADAL" clId="{CB2CE608-4B17-4114-A01E-68AB8ADD06B6}" dt="2022-03-23T11:49:27.997" v="91" actId="47"/>
+        <pc:sldMkLst>
+          <pc:docMk/>
+          <pc:sldMk cId="223235735" sldId="559"/>
+        </pc:sldMkLst>
+      </pc:sldChg>
+      <pc:sldChg chg="modSp mod">
+        <pc:chgData name="Jimenez Martinez, Pablo" userId="713675c2-bab4-4c20-ae51-6cb24299fdbd" providerId="ADAL" clId="{CB2CE608-4B17-4114-A01E-68AB8ADD06B6}" dt="2022-03-23T11:48:47.066" v="65" actId="6549"/>
+        <pc:sldMkLst>
+          <pc:docMk/>
+          <pc:sldMk cId="2773007854" sldId="572"/>
+        </pc:sldMkLst>
+        <pc:spChg chg="mod">
+          <ac:chgData name="Jimenez Martinez, Pablo" userId="713675c2-bab4-4c20-ae51-6cb24299fdbd" providerId="ADAL" clId="{CB2CE608-4B17-4114-A01E-68AB8ADD06B6}" dt="2022-03-23T11:48:47.066" v="65" actId="6549"/>
+          <ac:spMkLst>
+            <pc:docMk/>
+            <pc:sldMk cId="2773007854" sldId="572"/>
+            <ac:spMk id="6" creationId="{0BB40221-4A4C-4967-A2D2-883873C2B121}"/>
+          </ac:spMkLst>
+        </pc:spChg>
+      </pc:sldChg>
+      <pc:sldChg chg="modSp mod">
+        <pc:chgData name="Jimenez Martinez, Pablo" userId="713675c2-bab4-4c20-ae51-6cb24299fdbd" providerId="ADAL" clId="{CB2CE608-4B17-4114-A01E-68AB8ADD06B6}" dt="2022-03-23T12:01:20.458" v="709" actId="6549"/>
+        <pc:sldMkLst>
+          <pc:docMk/>
+          <pc:sldMk cId="4068828634" sldId="573"/>
+        </pc:sldMkLst>
+        <pc:spChg chg="mod">
+          <ac:chgData name="Jimenez Martinez, Pablo" userId="713675c2-bab4-4c20-ae51-6cb24299fdbd" providerId="ADAL" clId="{CB2CE608-4B17-4114-A01E-68AB8ADD06B6}" dt="2022-03-23T12:01:20.458" v="709" actId="6549"/>
+          <ac:spMkLst>
+            <pc:docMk/>
+            <pc:sldMk cId="4068828634" sldId="573"/>
+            <ac:spMk id="170" creationId="{00000000-0000-0000-0000-000000000000}"/>
+          </ac:spMkLst>
+        </pc:spChg>
+      </pc:sldChg>
+      <pc:sldChg chg="del">
+        <pc:chgData name="Jimenez Martinez, Pablo" userId="713675c2-bab4-4c20-ae51-6cb24299fdbd" providerId="ADAL" clId="{CB2CE608-4B17-4114-A01E-68AB8ADD06B6}" dt="2022-03-23T11:49:26.789" v="90" actId="47"/>
+        <pc:sldMkLst>
+          <pc:docMk/>
+          <pc:sldMk cId="3070921349" sldId="578"/>
+        </pc:sldMkLst>
+      </pc:sldChg>
+      <pc:sldChg chg="addSp modSp del">
+        <pc:chgData name="Jimenez Martinez, Pablo" userId="713675c2-bab4-4c20-ae51-6cb24299fdbd" providerId="ADAL" clId="{CB2CE608-4B17-4114-A01E-68AB8ADD06B6}" dt="2022-03-24T07:24:15.652" v="789" actId="47"/>
+        <pc:sldMkLst>
+          <pc:docMk/>
+          <pc:sldMk cId="1943026793" sldId="581"/>
+        </pc:sldMkLst>
+        <pc:spChg chg="add mod">
+          <ac:chgData name="Jimenez Martinez, Pablo" userId="713675c2-bab4-4c20-ae51-6cb24299fdbd" providerId="ADAL" clId="{CB2CE608-4B17-4114-A01E-68AB8ADD06B6}" dt="2022-03-23T12:02:47.101" v="768"/>
+          <ac:spMkLst>
+            <pc:docMk/>
+            <pc:sldMk cId="1943026793" sldId="581"/>
+            <ac:spMk id="16" creationId="{0A1EC8A3-A9CF-43C2-B191-FEC0FC5CC2C8}"/>
+          </ac:spMkLst>
+        </pc:spChg>
+      </pc:sldChg>
+      <pc:sldChg chg="addSp modSp del">
+        <pc:chgData name="Jimenez Martinez, Pablo" userId="713675c2-bab4-4c20-ae51-6cb24299fdbd" providerId="ADAL" clId="{CB2CE608-4B17-4114-A01E-68AB8ADD06B6}" dt="2022-03-24T07:24:14.836" v="788" actId="47"/>
+        <pc:sldMkLst>
+          <pc:docMk/>
+          <pc:sldMk cId="2227367454" sldId="583"/>
+        </pc:sldMkLst>
+        <pc:spChg chg="add mod">
+          <ac:chgData name="Jimenez Martinez, Pablo" userId="713675c2-bab4-4c20-ae51-6cb24299fdbd" providerId="ADAL" clId="{CB2CE608-4B17-4114-A01E-68AB8ADD06B6}" dt="2022-03-23T12:02:53.465" v="769"/>
+          <ac:spMkLst>
+            <pc:docMk/>
+            <pc:sldMk cId="2227367454" sldId="583"/>
+            <ac:spMk id="15" creationId="{F0C24E1F-20DD-448D-A403-12D6BF573BB8}"/>
+          </ac:spMkLst>
+        </pc:spChg>
+      </pc:sldChg>
+      <pc:sldChg chg="addSp modSp del">
+        <pc:chgData name="Jimenez Martinez, Pablo" userId="713675c2-bab4-4c20-ae51-6cb24299fdbd" providerId="ADAL" clId="{CB2CE608-4B17-4114-A01E-68AB8ADD06B6}" dt="2022-03-24T07:24:13.438" v="787" actId="47"/>
+        <pc:sldMkLst>
+          <pc:docMk/>
+          <pc:sldMk cId="833658107" sldId="584"/>
+        </pc:sldMkLst>
+        <pc:spChg chg="add mod">
+          <ac:chgData name="Jimenez Martinez, Pablo" userId="713675c2-bab4-4c20-ae51-6cb24299fdbd" providerId="ADAL" clId="{CB2CE608-4B17-4114-A01E-68AB8ADD06B6}" dt="2022-03-23T12:03:08.692" v="770"/>
+          <ac:spMkLst>
+            <pc:docMk/>
+            <pc:sldMk cId="833658107" sldId="584"/>
+            <ac:spMk id="21" creationId="{CB71DEBF-3C4B-427D-9AC4-62AA3625412B}"/>
+          </ac:spMkLst>
+        </pc:spChg>
+      </pc:sldChg>
+      <pc:sldChg chg="addSp modSp del">
+        <pc:chgData name="Jimenez Martinez, Pablo" userId="713675c2-bab4-4c20-ae51-6cb24299fdbd" providerId="ADAL" clId="{CB2CE608-4B17-4114-A01E-68AB8ADD06B6}" dt="2022-03-24T07:24:12.524" v="786" actId="47"/>
+        <pc:sldMkLst>
+          <pc:docMk/>
+          <pc:sldMk cId="3454759851" sldId="585"/>
+        </pc:sldMkLst>
+        <pc:spChg chg="add mod">
+          <ac:chgData name="Jimenez Martinez, Pablo" userId="713675c2-bab4-4c20-ae51-6cb24299fdbd" providerId="ADAL" clId="{CB2CE608-4B17-4114-A01E-68AB8ADD06B6}" dt="2022-03-23T12:03:11.855" v="771"/>
+          <ac:spMkLst>
+            <pc:docMk/>
+            <pc:sldMk cId="3454759851" sldId="585"/>
+            <ac:spMk id="15" creationId="{D2E11DD3-BA8F-409C-B3CF-ABE1F7115330}"/>
+          </ac:spMkLst>
+        </pc:spChg>
+      </pc:sldChg>
+    </pc:docChg>
+  </pc:docChgLst>
 </pc:chgInfo>
 </file>
 
@@ -1011,7 +1012,7 @@
             <a:fld id="{86C988DC-9DE3-4390-97AB-D61B85DACE57}" type="datetimeFigureOut">
               <a:rPr lang="pt-PT" smtClean="0"/>
               <a:pPr/>
-              <a:t>27/05/2022</a:t>
+              <a:t>06/06/2022</a:t>
             </a:fld>
             <a:endParaRPr lang="pt-PT"/>
           </a:p>
@@ -1090,7 +1091,7 @@
             <a:fld id="{2F190BF9-40D8-49B5-87EF-599BB2C7EE93}" type="slidenum">
               <a:rPr lang="pt-PT" smtClean="0"/>
               <a:pPr/>
-              <a:t>‹#›</a:t>
+              <a:t>‹Nº›</a:t>
             </a:fld>
             <a:endParaRPr lang="pt-PT"/>
           </a:p>
@@ -1190,7 +1191,7 @@
             <a:fld id="{0835B8F7-DAC4-4931-8AED-4356A8B2FD64}" type="datetimeFigureOut">
               <a:rPr lang="pt-BR" smtClean="0"/>
               <a:pPr/>
-              <a:t>27/05/2022</a:t>
+              <a:t>06/06/2022</a:t>
             </a:fld>
             <a:endParaRPr lang="pt-BR" dirty="0"/>
           </a:p>
@@ -1350,7 +1351,7 @@
             <a:fld id="{C0696B5C-12A0-4042-B4D0-BD3B9A4F58C6}" type="slidenum">
               <a:rPr lang="pt-BR" smtClean="0"/>
               <a:pPr/>
-              <a:t>‹#›</a:t>
+              <a:t>‹Nº›</a:t>
             </a:fld>
             <a:endParaRPr lang="pt-BR" dirty="0"/>
           </a:p>
@@ -1644,6 +1645,116 @@
     </p:spTree>
     <p:extLst>
       <p:ext uri="{BB962C8B-B14F-4D97-AF65-F5344CB8AC3E}">
+        <p14:creationId xmlns:p14="http://schemas.microsoft.com/office/powerpoint/2010/main" val="2399380896"/>
+      </p:ext>
+    </p:extLst>
+  </p:cSld>
+  <p:clrMapOvr>
+    <a:masterClrMapping/>
+  </p:clrMapOvr>
+</p:notes>
+</file>
+
+<file path=ppt/notesSlides/notesSlide11.xml><?xml version="1.0" encoding="utf-8"?>
+<p:notes xmlns:a="http://schemas.openxmlformats.org/drawingml/2006/main" xmlns:r="http://schemas.openxmlformats.org/officeDocument/2006/relationships" xmlns:p="http://schemas.openxmlformats.org/presentationml/2006/main" showMasterSp="0" showMasterPhAnim="0">
+  <p:cSld>
+    <p:spTree>
+      <p:nvGrpSpPr>
+        <p:cNvPr id="1" name="Shape 191"/>
+        <p:cNvGrpSpPr/>
+        <p:nvPr/>
+      </p:nvGrpSpPr>
+      <p:grpSpPr>
+        <a:xfrm>
+          <a:off x="0" y="0"/>
+          <a:ext cx="0" cy="0"/>
+          <a:chOff x="0" y="0"/>
+          <a:chExt cx="0" cy="0"/>
+        </a:xfrm>
+      </p:grpSpPr>
+      <p:sp>
+        <p:nvSpPr>
+          <p:cNvPr id="192" name="Shape 192"/>
+          <p:cNvSpPr txBox="1">
+            <a:spLocks noGrp="1"/>
+          </p:cNvSpPr>
+          <p:nvPr>
+            <p:ph type="body" idx="1"/>
+          </p:nvPr>
+        </p:nvSpPr>
+        <p:spPr>
+          <a:xfrm>
+            <a:off x="686113" y="4400687"/>
+            <a:ext cx="5485800" cy="3600599"/>
+          </a:xfrm>
+          <a:prstGeom prst="rect">
+            <a:avLst/>
+          </a:prstGeom>
+          <a:noFill/>
+          <a:ln>
+            <a:noFill/>
+          </a:ln>
+        </p:spPr>
+        <p:txBody>
+          <a:bodyPr lIns="90325" tIns="90325" rIns="90325" bIns="90325" anchor="ctr" anchorCtr="0">
+            <a:noAutofit/>
+          </a:bodyPr>
+          <a:lstStyle/>
+          <a:p>
+            <a:pPr lvl="0" rtl="0">
+              <a:spcBef>
+                <a:spcPts val="0"/>
+              </a:spcBef>
+              <a:buNone/>
+            </a:pPr>
+            <a:endParaRPr dirty="0"/>
+          </a:p>
+        </p:txBody>
+      </p:sp>
+      <p:sp>
+        <p:nvSpPr>
+          <p:cNvPr id="193" name="Shape 193"/>
+          <p:cNvSpPr>
+            <a:spLocks noGrp="1" noRot="1" noChangeAspect="1"/>
+          </p:cNvSpPr>
+          <p:nvPr>
+            <p:ph type="sldImg" idx="2"/>
+          </p:nvPr>
+        </p:nvSpPr>
+        <p:spPr>
+          <a:xfrm>
+            <a:off x="685800" y="1143000"/>
+            <a:ext cx="5486400" cy="3086100"/>
+          </a:xfrm>
+          <a:custGeom>
+            <a:avLst/>
+            <a:gdLst/>
+            <a:ahLst/>
+            <a:cxnLst/>
+            <a:rect l="0" t="0" r="0" b="0"/>
+            <a:pathLst>
+              <a:path w="120000" h="120000" extrusionOk="0">
+                <a:moveTo>
+                  <a:pt x="0" y="0"/>
+                </a:moveTo>
+                <a:lnTo>
+                  <a:pt x="120000" y="0"/>
+                </a:lnTo>
+                <a:lnTo>
+                  <a:pt x="120000" y="120000"/>
+                </a:lnTo>
+                <a:lnTo>
+                  <a:pt x="0" y="120000"/>
+                </a:lnTo>
+                <a:close/>
+              </a:path>
+            </a:pathLst>
+          </a:custGeom>
+        </p:spPr>
+      </p:sp>
+    </p:spTree>
+    <p:extLst>
+      <p:ext uri="{BB962C8B-B14F-4D97-AF65-F5344CB8AC3E}">
         <p14:creationId xmlns:p14="http://schemas.microsoft.com/office/powerpoint/2010/main" val="2352904943"/>
       </p:ext>
     </p:extLst>
@@ -1921,6 +2032,124 @@
           <a:lstStyle/>
           <a:p>
             <a:pPr lvl="0" rtl="0">
+              <a:lnSpc>
+                <a:spcPct val="90000"/>
+              </a:lnSpc>
+              <a:spcBef>
+                <a:spcPts val="0"/>
+              </a:spcBef>
+              <a:buNone/>
+            </a:pPr>
+            <a:r>
+              <a:rPr lang="es" sz="1200" dirty="0">
+                <a:solidFill>
+                  <a:srgbClr val="000000"/>
+                </a:solidFill>
+                <a:latin typeface="Calibri"/>
+                <a:ea typeface="Calibri"/>
+                <a:cs typeface="Calibri"/>
+                <a:sym typeface="Calibri"/>
+              </a:rPr>
+              <a:t>El código fuente es el único legado que dejamos, incluso para uno mismo en un futuro.</a:t>
+            </a:r>
+          </a:p>
+          <a:p>
+            <a:pPr lvl="0" rtl="0">
+              <a:lnSpc>
+                <a:spcPct val="90000"/>
+              </a:lnSpc>
+              <a:spcBef>
+                <a:spcPts val="0"/>
+              </a:spcBef>
+              <a:buNone/>
+            </a:pPr>
+            <a:endParaRPr lang="es" sz="1200" dirty="0">
+              <a:solidFill>
+                <a:srgbClr val="000000"/>
+              </a:solidFill>
+              <a:latin typeface="Calibri"/>
+              <a:ea typeface="Calibri"/>
+              <a:cs typeface="Calibri"/>
+              <a:sym typeface="Calibri"/>
+            </a:endParaRPr>
+          </a:p>
+          <a:p>
+            <a:pPr lvl="0" rtl="0">
+              <a:lnSpc>
+                <a:spcPct val="90000"/>
+              </a:lnSpc>
+              <a:spcBef>
+                <a:spcPts val="0"/>
+              </a:spcBef>
+              <a:buNone/>
+            </a:pPr>
+            <a:r>
+              <a:rPr lang="es" sz="1200" dirty="0">
+                <a:solidFill>
+                  <a:srgbClr val="000000"/>
+                </a:solidFill>
+                <a:latin typeface="Calibri"/>
+                <a:ea typeface="Calibri"/>
+                <a:cs typeface="Calibri"/>
+                <a:sym typeface="Calibri"/>
+              </a:rPr>
+              <a:t>Hay que escribir código como si se tratara de un libro. </a:t>
+            </a:r>
+          </a:p>
+          <a:p>
+            <a:pPr lvl="0" rtl="0">
+              <a:lnSpc>
+                <a:spcPct val="90000"/>
+              </a:lnSpc>
+              <a:spcBef>
+                <a:spcPts val="0"/>
+              </a:spcBef>
+              <a:buNone/>
+            </a:pPr>
+            <a:endParaRPr lang="es" sz="1200" dirty="0">
+              <a:solidFill>
+                <a:srgbClr val="000000"/>
+              </a:solidFill>
+              <a:latin typeface="Calibri"/>
+              <a:ea typeface="Calibri"/>
+              <a:cs typeface="Calibri"/>
+              <a:sym typeface="Calibri"/>
+            </a:endParaRPr>
+          </a:p>
+          <a:p>
+            <a:pPr lvl="0" rtl="0">
+              <a:lnSpc>
+                <a:spcPct val="90000"/>
+              </a:lnSpc>
+              <a:spcBef>
+                <a:spcPts val="0"/>
+              </a:spcBef>
+              <a:buNone/>
+            </a:pPr>
+            <a:r>
+              <a:rPr lang="es" sz="1200" dirty="0">
+                <a:solidFill>
+                  <a:srgbClr val="000000"/>
+                </a:solidFill>
+                <a:latin typeface="Calibri"/>
+                <a:ea typeface="Calibri"/>
+                <a:cs typeface="Calibri"/>
+                <a:sym typeface="Calibri"/>
+              </a:rPr>
+              <a:t>Cuanto más fácil sea de leer, más fácil será de reescribir o corregir, menos tiempo costará y por tanto más barato será de mantener.</a:t>
+            </a:r>
+            <a:endParaRPr lang="es" sz="800" dirty="0">
+              <a:solidFill>
+                <a:schemeClr val="dk1"/>
+              </a:solidFill>
+              <a:latin typeface="Calibri"/>
+              <a:ea typeface="Calibri"/>
+              <a:cs typeface="Calibri"/>
+              <a:sym typeface="Calibri"/>
+            </a:endParaRPr>
+          </a:p>
+          <a:p>
+            <a:pPr lvl="0" rtl="0">
               <a:spcBef>
                 <a:spcPts val="0"/>
               </a:spcBef>
@@ -2036,6 +2265,18 @@
               </a:spcBef>
               <a:buNone/>
             </a:pPr>
+            <a:r>
+              <a:rPr lang="es-ES" dirty="0"/>
+              <a:t>Luego empezaremos a ver </a:t>
+            </a:r>
+            <a:r>
+              <a:rPr lang="es-ES" dirty="0" err="1"/>
+              <a:t>smells</a:t>
+            </a:r>
+            <a:r>
+              <a:rPr lang="es-ES" dirty="0"/>
+              <a:t> más complejos, más de diseño. Pero eso lo iremos viendo a medida que vamos practicando los sencillos.</a:t>
+            </a:r>
             <a:endParaRPr dirty="0"/>
           </a:p>
         </p:txBody>
@@ -2099,6 +2340,128 @@
   <p:cSld>
     <p:spTree>
       <p:nvGrpSpPr>
+        <p:cNvPr id="1" name="Shape 191"/>
+        <p:cNvGrpSpPr/>
+        <p:nvPr/>
+      </p:nvGrpSpPr>
+      <p:grpSpPr>
+        <a:xfrm>
+          <a:off x="0" y="0"/>
+          <a:ext cx="0" cy="0"/>
+          <a:chOff x="0" y="0"/>
+          <a:chExt cx="0" cy="0"/>
+        </a:xfrm>
+      </p:grpSpPr>
+      <p:sp>
+        <p:nvSpPr>
+          <p:cNvPr id="192" name="Shape 192"/>
+          <p:cNvSpPr txBox="1">
+            <a:spLocks noGrp="1"/>
+          </p:cNvSpPr>
+          <p:nvPr>
+            <p:ph type="body" idx="1"/>
+          </p:nvPr>
+        </p:nvSpPr>
+        <p:spPr>
+          <a:xfrm>
+            <a:off x="686113" y="4400687"/>
+            <a:ext cx="5485800" cy="3600599"/>
+          </a:xfrm>
+          <a:prstGeom prst="rect">
+            <a:avLst/>
+          </a:prstGeom>
+          <a:noFill/>
+          <a:ln>
+            <a:noFill/>
+          </a:ln>
+        </p:spPr>
+        <p:txBody>
+          <a:bodyPr lIns="90325" tIns="90325" rIns="90325" bIns="90325" anchor="ctr" anchorCtr="0">
+            <a:noAutofit/>
+          </a:bodyPr>
+          <a:lstStyle/>
+          <a:p>
+            <a:pPr lvl="0" rtl="0">
+              <a:spcBef>
+                <a:spcPts val="0"/>
+              </a:spcBef>
+              <a:buNone/>
+            </a:pPr>
+            <a:r>
+              <a:rPr lang="es-ES" dirty="0"/>
+              <a:t>No hay que volverse loco haciendo </a:t>
+            </a:r>
+            <a:r>
+              <a:rPr lang="es-ES" dirty="0" err="1"/>
+              <a:t>refactor</a:t>
+            </a:r>
+            <a:r>
+              <a:rPr lang="es-ES" dirty="0"/>
+              <a:t>. Es un proceso iterativo, cada vez que hagamos algún cambio lo mejoramos un poco, hasta que estemos cómodos.</a:t>
+            </a:r>
+            <a:endParaRPr dirty="0"/>
+          </a:p>
+        </p:txBody>
+      </p:sp>
+      <p:sp>
+        <p:nvSpPr>
+          <p:cNvPr id="193" name="Shape 193"/>
+          <p:cNvSpPr>
+            <a:spLocks noGrp="1" noRot="1" noChangeAspect="1"/>
+          </p:cNvSpPr>
+          <p:nvPr>
+            <p:ph type="sldImg" idx="2"/>
+          </p:nvPr>
+        </p:nvSpPr>
+        <p:spPr>
+          <a:xfrm>
+            <a:off x="685800" y="1143000"/>
+            <a:ext cx="5486400" cy="3086100"/>
+          </a:xfrm>
+          <a:custGeom>
+            <a:avLst/>
+            <a:gdLst/>
+            <a:ahLst/>
+            <a:cxnLst/>
+            <a:rect l="0" t="0" r="0" b="0"/>
+            <a:pathLst>
+              <a:path w="120000" h="120000" extrusionOk="0">
+                <a:moveTo>
+                  <a:pt x="0" y="0"/>
+                </a:moveTo>
+                <a:lnTo>
+                  <a:pt x="120000" y="0"/>
+                </a:lnTo>
+                <a:lnTo>
+                  <a:pt x="120000" y="120000"/>
+                </a:lnTo>
+                <a:lnTo>
+                  <a:pt x="0" y="120000"/>
+                </a:lnTo>
+                <a:close/>
+              </a:path>
+            </a:pathLst>
+          </a:custGeom>
+        </p:spPr>
+      </p:sp>
+    </p:spTree>
+    <p:extLst>
+      <p:ext uri="{BB962C8B-B14F-4D97-AF65-F5344CB8AC3E}">
+        <p14:creationId xmlns:p14="http://schemas.microsoft.com/office/powerpoint/2010/main" val="3518392953"/>
+      </p:ext>
+    </p:extLst>
+  </p:cSld>
+  <p:clrMapOvr>
+    <a:masterClrMapping/>
+  </p:clrMapOvr>
+</p:notes>
+</file>
+
+<file path=ppt/notesSlides/notesSlide7.xml><?xml version="1.0" encoding="utf-8"?>
+<p:notes xmlns:a="http://schemas.openxmlformats.org/drawingml/2006/main" xmlns:r="http://schemas.openxmlformats.org/officeDocument/2006/relationships" xmlns:p="http://schemas.openxmlformats.org/presentationml/2006/main" showMasterSp="0" showMasterPhAnim="0">
+  <p:cSld>
+    <p:spTree>
+      <p:nvGrpSpPr>
         <p:cNvPr id="1" name="Shape 165"/>
         <p:cNvGrpSpPr/>
         <p:nvPr/>
@@ -2204,7 +2567,7 @@
 </p:notes>
 </file>
 
-<file path=ppt/notesSlides/notesSlide7.xml><?xml version="1.0" encoding="utf-8"?>
+<file path=ppt/notesSlides/notesSlide8.xml><?xml version="1.0" encoding="utf-8"?>
 <p:notes xmlns:a="http://schemas.openxmlformats.org/drawingml/2006/main" xmlns:r="http://schemas.openxmlformats.org/officeDocument/2006/relationships" xmlns:p="http://schemas.openxmlformats.org/presentationml/2006/main" showMasterSp="0" showMasterPhAnim="0">
   <p:cSld>
     <p:spTree>
@@ -2314,7 +2677,7 @@
 </p:notes>
 </file>
 
-<file path=ppt/notesSlides/notesSlide8.xml><?xml version="1.0" encoding="utf-8"?>
+<file path=ppt/notesSlides/notesSlide9.xml><?xml version="1.0" encoding="utf-8"?>
 <p:notes xmlns:a="http://schemas.openxmlformats.org/drawingml/2006/main" xmlns:r="http://schemas.openxmlformats.org/officeDocument/2006/relationships" xmlns:p="http://schemas.openxmlformats.org/presentationml/2006/main" showMasterSp="0" showMasterPhAnim="0">
   <p:cSld>
     <p:spTree>
@@ -2415,116 +2778,6 @@
     <p:extLst>
       <p:ext uri="{BB962C8B-B14F-4D97-AF65-F5344CB8AC3E}">
         <p14:creationId xmlns:p14="http://schemas.microsoft.com/office/powerpoint/2010/main" val="4139830902"/>
-      </p:ext>
-    </p:extLst>
-  </p:cSld>
-  <p:clrMapOvr>
-    <a:masterClrMapping/>
-  </p:clrMapOvr>
-</p:notes>
-</file>
-
-<file path=ppt/notesSlides/notesSlide9.xml><?xml version="1.0" encoding="utf-8"?>
-<p:notes xmlns:a="http://schemas.openxmlformats.org/drawingml/2006/main" xmlns:r="http://schemas.openxmlformats.org/officeDocument/2006/relationships" xmlns:p="http://schemas.openxmlformats.org/presentationml/2006/main" showMasterSp="0" showMasterPhAnim="0">
-  <p:cSld>
-    <p:spTree>
-      <p:nvGrpSpPr>
-        <p:cNvPr id="1" name="Shape 191"/>
-        <p:cNvGrpSpPr/>
-        <p:nvPr/>
-      </p:nvGrpSpPr>
-      <p:grpSpPr>
-        <a:xfrm>
-          <a:off x="0" y="0"/>
-          <a:ext cx="0" cy="0"/>
-          <a:chOff x="0" y="0"/>
-          <a:chExt cx="0" cy="0"/>
-        </a:xfrm>
-      </p:grpSpPr>
-      <p:sp>
-        <p:nvSpPr>
-          <p:cNvPr id="192" name="Shape 192"/>
-          <p:cNvSpPr txBox="1">
-            <a:spLocks noGrp="1"/>
-          </p:cNvSpPr>
-          <p:nvPr>
-            <p:ph type="body" idx="1"/>
-          </p:nvPr>
-        </p:nvSpPr>
-        <p:spPr>
-          <a:xfrm>
-            <a:off x="686113" y="4400687"/>
-            <a:ext cx="5485800" cy="3600599"/>
-          </a:xfrm>
-          <a:prstGeom prst="rect">
-            <a:avLst/>
-          </a:prstGeom>
-          <a:noFill/>
-          <a:ln>
-            <a:noFill/>
-          </a:ln>
-        </p:spPr>
-        <p:txBody>
-          <a:bodyPr lIns="90325" tIns="90325" rIns="90325" bIns="90325" anchor="ctr" anchorCtr="0">
-            <a:noAutofit/>
-          </a:bodyPr>
-          <a:lstStyle/>
-          <a:p>
-            <a:pPr lvl="0" rtl="0">
-              <a:spcBef>
-                <a:spcPts val="0"/>
-              </a:spcBef>
-              <a:buNone/>
-            </a:pPr>
-            <a:endParaRPr dirty="0"/>
-          </a:p>
-        </p:txBody>
-      </p:sp>
-      <p:sp>
-        <p:nvSpPr>
-          <p:cNvPr id="193" name="Shape 193"/>
-          <p:cNvSpPr>
-            <a:spLocks noGrp="1" noRot="1" noChangeAspect="1"/>
-          </p:cNvSpPr>
-          <p:nvPr>
-            <p:ph type="sldImg" idx="2"/>
-          </p:nvPr>
-        </p:nvSpPr>
-        <p:spPr>
-          <a:xfrm>
-            <a:off x="685800" y="1143000"/>
-            <a:ext cx="5486400" cy="3086100"/>
-          </a:xfrm>
-          <a:custGeom>
-            <a:avLst/>
-            <a:gdLst/>
-            <a:ahLst/>
-            <a:cxnLst/>
-            <a:rect l="0" t="0" r="0" b="0"/>
-            <a:pathLst>
-              <a:path w="120000" h="120000" extrusionOk="0">
-                <a:moveTo>
-                  <a:pt x="0" y="0"/>
-                </a:moveTo>
-                <a:lnTo>
-                  <a:pt x="120000" y="0"/>
-                </a:lnTo>
-                <a:lnTo>
-                  <a:pt x="120000" y="120000"/>
-                </a:lnTo>
-                <a:lnTo>
-                  <a:pt x="0" y="120000"/>
-                </a:lnTo>
-                <a:close/>
-              </a:path>
-            </a:pathLst>
-          </a:custGeom>
-        </p:spPr>
-      </p:sp>
-    </p:spTree>
-    <p:extLst>
-      <p:ext uri="{BB962C8B-B14F-4D97-AF65-F5344CB8AC3E}">
-        <p14:creationId xmlns:p14="http://schemas.microsoft.com/office/powerpoint/2010/main" val="2399380896"/>
       </p:ext>
     </p:extLst>
   </p:cSld>
@@ -2618,7 +2871,7 @@
                 <a14:useLocalDpi xmlns:a14="http://schemas.microsoft.com/office/drawing/2010/main" val="0"/>
               </a:ext>
               <a:ext uri="{96DAC541-7B7A-43D3-8B79-37D633B846F1}">
-                <asvg:svgBlip xmlns:asvg="http://schemas.microsoft.com/office/drawing/2016/SVG/main" xmlns="" r:embed="rId3"/>
+                <asvg:svgBlip xmlns:asvg="http://schemas.microsoft.com/office/drawing/2016/SVG/main" r:embed="rId3"/>
               </a:ext>
             </a:extLst>
           </a:blip>
@@ -2656,7 +2909,7 @@
                 <a14:useLocalDpi xmlns:a14="http://schemas.microsoft.com/office/drawing/2010/main" val="0"/>
               </a:ext>
               <a:ext uri="{96DAC541-7B7A-43D3-8B79-37D633B846F1}">
-                <asvg:svgBlip xmlns:asvg="http://schemas.microsoft.com/office/drawing/2016/SVG/main" xmlns="" r:embed="rId5"/>
+                <asvg:svgBlip xmlns:asvg="http://schemas.microsoft.com/office/drawing/2016/SVG/main" r:embed="rId5"/>
               </a:ext>
             </a:extLst>
           </a:blip>
@@ -2837,7 +3090,7 @@
                 <a:cs typeface="Arial" panose="020B0604020202020204" pitchFamily="34" charset="0"/>
               </a:rPr>
               <a:pPr algn="r"/>
-              <a:t>‹#›</a:t>
+              <a:t>‹Nº›</a:t>
             </a:fld>
             <a:endParaRPr lang="en-US" sz="800" dirty="0">
               <a:solidFill>
@@ -4842,7 +5095,7 @@
               <a:pPr algn="r">
                 <a:buSzPct val="25000"/>
               </a:pPr>
-              <a:t>‹#›</a:t>
+              <a:t>‹Nº›</a:t>
             </a:fld>
             <a:endParaRPr lang="es" sz="1600">
               <a:solidFill>
@@ -5575,7 +5828,7 @@
               <a:pPr algn="r">
                 <a:buSzPct val="25000"/>
               </a:pPr>
-              <a:t>‹#›</a:t>
+              <a:t>‹Nº›</a:t>
             </a:fld>
             <a:endParaRPr lang="es" sz="1600">
               <a:solidFill>
@@ -8286,23 +8539,12 @@
               </a:lnSpc>
             </a:pPr>
             <a:r>
-              <a:rPr lang="en-US" sz="3600" dirty="0" smtClean="0">
+              <a:rPr lang="en-US" sz="3600" dirty="0">
                 <a:latin typeface="Calibri" panose="020F0502020204030204" pitchFamily="34" charset="0"/>
                 <a:cs typeface="Calibri" panose="020F0502020204030204" pitchFamily="34" charset="0"/>
               </a:rPr>
-              <a:t>Kata: </a:t>
-            </a:r>
-            <a:r>
-              <a:rPr lang="en-US" sz="3600" dirty="0" smtClean="0">
-                <a:latin typeface="Calibri" panose="020F0502020204030204" pitchFamily="34" charset="0"/>
-                <a:cs typeface="Calibri" panose="020F0502020204030204" pitchFamily="34" charset="0"/>
-              </a:rPr>
-              <a:t>Roman-Decimal</a:t>
-            </a:r>
-            <a:endParaRPr lang="en-US" sz="3600" dirty="0">
-              <a:latin typeface="Calibri" panose="020F0502020204030204" pitchFamily="34" charset="0"/>
-              <a:cs typeface="Calibri" panose="020F0502020204030204" pitchFamily="34" charset="0"/>
-            </a:endParaRPr>
+              <a:t>Kata: Roman-Decimal</a:t>
+            </a:r>
           </a:p>
         </p:txBody>
       </p:sp>
@@ -8436,7 +8678,7 @@
               </a:tabLst>
             </a:pPr>
             <a:r>
-              <a:rPr lang="es-ES" dirty="0" smtClean="0">
+              <a:rPr lang="es-ES" dirty="0">
                 <a:latin typeface="Calibri"/>
                 <a:ea typeface="Calibri"/>
                 <a:cs typeface="Calibri"/>
@@ -8444,12 +8686,6 @@
               </a:rPr>
               <a:t>TDD</a:t>
             </a:r>
-            <a:endParaRPr lang="es-ES" dirty="0">
-              <a:latin typeface="Calibri"/>
-              <a:ea typeface="Calibri"/>
-              <a:cs typeface="Calibri"/>
-              <a:sym typeface="Calibri"/>
-            </a:endParaRPr>
           </a:p>
         </p:txBody>
       </p:sp>
@@ -8497,6 +8733,718 @@
       </p:grpSpPr>
       <p:sp>
         <p:nvSpPr>
+          <p:cNvPr id="195" name="Shape 195"/>
+          <p:cNvSpPr txBox="1">
+            <a:spLocks noGrp="1"/>
+          </p:cNvSpPr>
+          <p:nvPr>
+            <p:ph type="title"/>
+          </p:nvPr>
+        </p:nvSpPr>
+        <p:spPr>
+          <a:xfrm>
+            <a:off x="609600" y="274635"/>
+            <a:ext cx="10972800" cy="686800"/>
+          </a:xfrm>
+          <a:prstGeom prst="rect">
+            <a:avLst/>
+          </a:prstGeom>
+          <a:noFill/>
+          <a:ln>
+            <a:noFill/>
+          </a:ln>
+        </p:spPr>
+        <p:txBody>
+          <a:bodyPr vert="horz" lIns="121900" tIns="60933" rIns="121900" bIns="60933" rtlCol="0" anchor="ctr" anchorCtr="0">
+            <a:noAutofit/>
+          </a:bodyPr>
+          <a:lstStyle/>
+          <a:p>
+            <a:pPr lvl="0" algn="l">
+              <a:buSzPct val="25000"/>
+            </a:pPr>
+            <a:r>
+              <a:rPr lang="es" sz="4267" b="1" dirty="0">
+                <a:solidFill>
+                  <a:srgbClr val="00B0F0"/>
+                </a:solidFill>
+                <a:latin typeface="Times New Roman" panose="02020603050405020304" pitchFamily="18" charset="0"/>
+                <a:cs typeface="Times New Roman" panose="02020603050405020304" pitchFamily="18" charset="0"/>
+              </a:rPr>
+              <a:t>Roman-Decimal </a:t>
+            </a:r>
+            <a:r>
+              <a:rPr lang="es" sz="2667" dirty="0">
+                <a:solidFill>
+                  <a:srgbClr val="00B0F0"/>
+                </a:solidFill>
+                <a:latin typeface="Times New Roman" panose="02020603050405020304" pitchFamily="18" charset="0"/>
+                <a:cs typeface="Times New Roman" panose="02020603050405020304" pitchFamily="18" charset="0"/>
+              </a:rPr>
+              <a:t>(Reglas)</a:t>
+            </a:r>
+            <a:endParaRPr lang="es" sz="1600" dirty="0">
+              <a:solidFill>
+                <a:srgbClr val="00B0F0"/>
+              </a:solidFill>
+              <a:latin typeface="Times New Roman" panose="02020603050405020304" pitchFamily="18" charset="0"/>
+              <a:cs typeface="Times New Roman" panose="02020603050405020304" pitchFamily="18" charset="0"/>
+            </a:endParaRPr>
+          </a:p>
+        </p:txBody>
+      </p:sp>
+      <p:sp>
+        <p:nvSpPr>
+          <p:cNvPr id="196" name="Shape 196"/>
+          <p:cNvSpPr txBox="1"/>
+          <p:nvPr/>
+        </p:nvSpPr>
+        <p:spPr>
+          <a:xfrm>
+            <a:off x="6121305" y="1124744"/>
+            <a:ext cx="5760640" cy="5040560"/>
+          </a:xfrm>
+          <a:prstGeom prst="rect">
+            <a:avLst/>
+          </a:prstGeom>
+          <a:noFill/>
+          <a:ln>
+            <a:noFill/>
+          </a:ln>
+        </p:spPr>
+        <p:txBody>
+          <a:bodyPr lIns="121900" tIns="60933" rIns="121900" bIns="60933" anchor="t" anchorCtr="0">
+            <a:noAutofit/>
+          </a:bodyPr>
+          <a:lstStyle/>
+          <a:p>
+            <a:pPr algn="just">
+              <a:spcBef>
+                <a:spcPts val="533"/>
+              </a:spcBef>
+              <a:tabLst>
+                <a:tab pos="480472" algn="l"/>
+              </a:tabLst>
+            </a:pPr>
+            <a:endParaRPr lang="es-ES" sz="1600" dirty="0">
+              <a:latin typeface="Calibri" panose="020F0502020204030204" pitchFamily="34" charset="0"/>
+              <a:ea typeface="Calibri"/>
+              <a:cs typeface="Calibri" panose="020F0502020204030204" pitchFamily="34" charset="0"/>
+              <a:sym typeface="Calibri"/>
+            </a:endParaRPr>
+          </a:p>
+          <a:p>
+            <a:pPr marL="342900" lvl="0" indent="-342900" algn="just">
+              <a:lnSpc>
+                <a:spcPct val="107000"/>
+              </a:lnSpc>
+              <a:spcAft>
+                <a:spcPts val="800"/>
+              </a:spcAft>
+              <a:buSzPts val="1000"/>
+              <a:buFont typeface="Symbol" panose="05050102010706020507" pitchFamily="18" charset="2"/>
+              <a:buChar char=""/>
+              <a:tabLst>
+                <a:tab pos="457200" algn="l"/>
+              </a:tabLst>
+            </a:pPr>
+            <a:r>
+              <a:rPr lang="es-ES" sz="1600" dirty="0">
+                <a:latin typeface="Times New Roman" panose="02020603050405020304" pitchFamily="18" charset="0"/>
+                <a:ea typeface="Calibri" panose="020F0502020204030204" pitchFamily="34" charset="0"/>
+                <a:cs typeface="Times New Roman" panose="02020603050405020304" pitchFamily="18" charset="0"/>
+              </a:rPr>
+              <a:t>Los números romanos siempre se escriben y leen de </a:t>
+            </a:r>
+            <a:r>
+              <a:rPr lang="es-ES" sz="1600" b="1" dirty="0">
+                <a:latin typeface="Times New Roman" panose="02020603050405020304" pitchFamily="18" charset="0"/>
+                <a:ea typeface="Calibri" panose="020F0502020204030204" pitchFamily="34" charset="0"/>
+                <a:cs typeface="Times New Roman" panose="02020603050405020304" pitchFamily="18" charset="0"/>
+              </a:rPr>
+              <a:t>izquierda a derecha</a:t>
+            </a:r>
+            <a:r>
+              <a:rPr lang="es-ES" sz="1600" dirty="0">
+                <a:latin typeface="Times New Roman" panose="02020603050405020304" pitchFamily="18" charset="0"/>
+                <a:ea typeface="Calibri" panose="020F0502020204030204" pitchFamily="34" charset="0"/>
+                <a:cs typeface="Times New Roman" panose="02020603050405020304" pitchFamily="18" charset="0"/>
+              </a:rPr>
+              <a:t>, es decir, empezando por los números de mayor valor, y de </a:t>
+            </a:r>
+            <a:r>
+              <a:rPr lang="es-ES" sz="1600" b="1" dirty="0">
+                <a:latin typeface="Times New Roman" panose="02020603050405020304" pitchFamily="18" charset="0"/>
+                <a:ea typeface="Calibri" panose="020F0502020204030204" pitchFamily="34" charset="0"/>
+                <a:cs typeface="Times New Roman" panose="02020603050405020304" pitchFamily="18" charset="0"/>
+              </a:rPr>
+              <a:t>dígito en dígito</a:t>
+            </a:r>
+            <a:r>
+              <a:rPr lang="es-ES" sz="1600" dirty="0">
+                <a:latin typeface="Times New Roman" panose="02020603050405020304" pitchFamily="18" charset="0"/>
+                <a:ea typeface="Calibri" panose="020F0502020204030204" pitchFamily="34" charset="0"/>
+                <a:cs typeface="Times New Roman" panose="02020603050405020304" pitchFamily="18" charset="0"/>
+              </a:rPr>
+              <a:t>.</a:t>
+            </a:r>
+          </a:p>
+          <a:p>
+            <a:pPr marL="342900" lvl="0" indent="-342900" algn="just">
+              <a:lnSpc>
+                <a:spcPct val="107000"/>
+              </a:lnSpc>
+              <a:spcAft>
+                <a:spcPts val="800"/>
+              </a:spcAft>
+              <a:buSzPts val="1000"/>
+              <a:buFont typeface="Symbol" panose="05050102010706020507" pitchFamily="18" charset="2"/>
+              <a:buChar char=""/>
+              <a:tabLst>
+                <a:tab pos="457200" algn="l"/>
+              </a:tabLst>
+            </a:pPr>
+            <a:r>
+              <a:rPr lang="es-ES" sz="1600" dirty="0">
+                <a:latin typeface="Times New Roman" panose="02020603050405020304" pitchFamily="18" charset="0"/>
+                <a:ea typeface="Calibri" panose="020F0502020204030204" pitchFamily="34" charset="0"/>
+                <a:cs typeface="Times New Roman" panose="02020603050405020304" pitchFamily="18" charset="0"/>
+              </a:rPr>
+              <a:t>Los números </a:t>
+            </a:r>
+            <a:r>
+              <a:rPr lang="es-ES" sz="1600" b="1" dirty="0">
+                <a:latin typeface="Times New Roman" panose="02020603050405020304" pitchFamily="18" charset="0"/>
+                <a:ea typeface="Calibri" panose="020F0502020204030204" pitchFamily="34" charset="0"/>
+                <a:cs typeface="Times New Roman" panose="02020603050405020304" pitchFamily="18" charset="0"/>
+              </a:rPr>
+              <a:t>seguidos</a:t>
+            </a:r>
+            <a:r>
+              <a:rPr lang="es-ES" sz="1600" dirty="0">
+                <a:latin typeface="Times New Roman" panose="02020603050405020304" pitchFamily="18" charset="0"/>
+                <a:ea typeface="Calibri" panose="020F0502020204030204" pitchFamily="34" charset="0"/>
+                <a:cs typeface="Times New Roman" panose="02020603050405020304" pitchFamily="18" charset="0"/>
+              </a:rPr>
+              <a:t> de otro de valor </a:t>
+            </a:r>
+            <a:r>
+              <a:rPr lang="es-ES" sz="1600" b="1" dirty="0">
+                <a:latin typeface="Times New Roman" panose="02020603050405020304" pitchFamily="18" charset="0"/>
+                <a:ea typeface="Calibri" panose="020F0502020204030204" pitchFamily="34" charset="0"/>
+                <a:cs typeface="Times New Roman" panose="02020603050405020304" pitchFamily="18" charset="0"/>
+              </a:rPr>
+              <a:t>igual o menor se suman </a:t>
+            </a:r>
+            <a:r>
+              <a:rPr lang="es-ES" sz="1600" dirty="0">
+                <a:latin typeface="Times New Roman" panose="02020603050405020304" pitchFamily="18" charset="0"/>
+                <a:ea typeface="Calibri" panose="020F0502020204030204" pitchFamily="34" charset="0"/>
+                <a:cs typeface="Times New Roman" panose="02020603050405020304" pitchFamily="18" charset="0"/>
+              </a:rPr>
+              <a:t>siempre, como, por ejemplo, XXII que sería 10 + 10 + 1 + 1= 22.</a:t>
+            </a:r>
+          </a:p>
+          <a:p>
+            <a:pPr marL="342900" lvl="0" indent="-342900" algn="just">
+              <a:lnSpc>
+                <a:spcPct val="107000"/>
+              </a:lnSpc>
+              <a:spcAft>
+                <a:spcPts val="800"/>
+              </a:spcAft>
+              <a:buSzPts val="1000"/>
+              <a:buFont typeface="Symbol" panose="05050102010706020507" pitchFamily="18" charset="2"/>
+              <a:buChar char=""/>
+              <a:tabLst>
+                <a:tab pos="457200" algn="l"/>
+              </a:tabLst>
+            </a:pPr>
+            <a:r>
+              <a:rPr lang="es-ES" sz="1600" dirty="0">
+                <a:latin typeface="Times New Roman" panose="02020603050405020304" pitchFamily="18" charset="0"/>
+                <a:ea typeface="Calibri" panose="020F0502020204030204" pitchFamily="34" charset="0"/>
+                <a:cs typeface="Times New Roman" panose="02020603050405020304" pitchFamily="18" charset="0"/>
+              </a:rPr>
+              <a:t>Los números </a:t>
+            </a:r>
+            <a:r>
+              <a:rPr lang="es-ES" sz="1600" b="1" dirty="0">
+                <a:latin typeface="Times New Roman" panose="02020603050405020304" pitchFamily="18" charset="0"/>
+                <a:ea typeface="Calibri" panose="020F0502020204030204" pitchFamily="34" charset="0"/>
+                <a:cs typeface="Times New Roman" panose="02020603050405020304" pitchFamily="18" charset="0"/>
+              </a:rPr>
+              <a:t>seguidos</a:t>
+            </a:r>
+            <a:r>
+              <a:rPr lang="es-ES" sz="1600" dirty="0">
+                <a:latin typeface="Times New Roman" panose="02020603050405020304" pitchFamily="18" charset="0"/>
+                <a:ea typeface="Calibri" panose="020F0502020204030204" pitchFamily="34" charset="0"/>
+                <a:cs typeface="Times New Roman" panose="02020603050405020304" pitchFamily="18" charset="0"/>
+              </a:rPr>
+              <a:t> de otro de valor </a:t>
+            </a:r>
+            <a:r>
+              <a:rPr lang="es-ES" sz="1600" b="1" dirty="0">
+                <a:latin typeface="Times New Roman" panose="02020603050405020304" pitchFamily="18" charset="0"/>
+                <a:ea typeface="Calibri" panose="020F0502020204030204" pitchFamily="34" charset="0"/>
+                <a:cs typeface="Times New Roman" panose="02020603050405020304" pitchFamily="18" charset="0"/>
+              </a:rPr>
+              <a:t>mayor se restan </a:t>
+            </a:r>
+            <a:r>
+              <a:rPr lang="es-ES" sz="1600" dirty="0">
+                <a:latin typeface="Times New Roman" panose="02020603050405020304" pitchFamily="18" charset="0"/>
+                <a:ea typeface="Calibri" panose="020F0502020204030204" pitchFamily="34" charset="0"/>
+                <a:cs typeface="Times New Roman" panose="02020603050405020304" pitchFamily="18" charset="0"/>
+              </a:rPr>
+              <a:t>siempre, como, por ejemplo, XIX que sería 10 + (1 – 10) = 19.</a:t>
+            </a:r>
+          </a:p>
+          <a:p>
+            <a:pPr marL="342900" lvl="0" indent="-342900" algn="just">
+              <a:lnSpc>
+                <a:spcPct val="107000"/>
+              </a:lnSpc>
+              <a:spcAft>
+                <a:spcPts val="800"/>
+              </a:spcAft>
+              <a:buSzPts val="1000"/>
+              <a:buFont typeface="Symbol" panose="05050102010706020507" pitchFamily="18" charset="2"/>
+              <a:buChar char=""/>
+              <a:tabLst>
+                <a:tab pos="457200" algn="l"/>
+              </a:tabLst>
+            </a:pPr>
+            <a:r>
+              <a:rPr lang="es-ES" sz="1600" dirty="0">
+                <a:latin typeface="Times New Roman" panose="02020603050405020304" pitchFamily="18" charset="0"/>
+                <a:ea typeface="Calibri" panose="020F0502020204030204" pitchFamily="34" charset="0"/>
+                <a:cs typeface="Times New Roman" panose="02020603050405020304" pitchFamily="18" charset="0"/>
+              </a:rPr>
+              <a:t>El número I y sus múltiplos X y C, pueden colocarse delante de un número mayor para restar valor, pero sin repetirse. Además, solo pueden restar valor a números inmediatamente superior, pero no a valores mucho más elevados. Es decir, I solo puede restar a V y X, X a L y C, y C a D y M.</a:t>
+            </a:r>
+          </a:p>
+          <a:p>
+            <a:pPr marL="342900" lvl="0" indent="-342900" algn="just">
+              <a:lnSpc>
+                <a:spcPct val="107000"/>
+              </a:lnSpc>
+              <a:spcAft>
+                <a:spcPts val="800"/>
+              </a:spcAft>
+              <a:buSzPts val="1000"/>
+              <a:buFont typeface="Symbol" panose="05050102010706020507" pitchFamily="18" charset="2"/>
+              <a:buChar char=""/>
+              <a:tabLst>
+                <a:tab pos="457200" algn="l"/>
+              </a:tabLst>
+            </a:pPr>
+            <a:r>
+              <a:rPr lang="es-ES" sz="1600" dirty="0">
+                <a:latin typeface="Times New Roman" panose="02020603050405020304" pitchFamily="18" charset="0"/>
+                <a:ea typeface="Calibri" panose="020F0502020204030204" pitchFamily="34" charset="0"/>
+                <a:cs typeface="Times New Roman" panose="02020603050405020304" pitchFamily="18" charset="0"/>
+              </a:rPr>
+              <a:t>El número V y sus múltiplos de 10, como L y D no se pueden usar para restar en ningún caso. Por ejemplo, el número cuarenta y cinco se escribe XLV y no VL.</a:t>
+            </a:r>
+          </a:p>
+          <a:p>
+            <a:pPr lvl="0" algn="just">
+              <a:lnSpc>
+                <a:spcPct val="107000"/>
+              </a:lnSpc>
+              <a:spcAft>
+                <a:spcPts val="800"/>
+              </a:spcAft>
+              <a:buSzPts val="1000"/>
+              <a:tabLst>
+                <a:tab pos="457200" algn="l"/>
+              </a:tabLst>
+            </a:pPr>
+            <a:endParaRPr lang="es-ES" sz="1600" dirty="0">
+              <a:latin typeface="Calibri" panose="020F0502020204030204" pitchFamily="34" charset="0"/>
+              <a:ea typeface="Calibri" panose="020F0502020204030204" pitchFamily="34" charset="0"/>
+              <a:cs typeface="Times New Roman" panose="02020603050405020304" pitchFamily="18" charset="0"/>
+            </a:endParaRPr>
+          </a:p>
+          <a:p>
+            <a:pPr marL="342900" lvl="0" indent="-342900" algn="just">
+              <a:lnSpc>
+                <a:spcPct val="107000"/>
+              </a:lnSpc>
+              <a:spcAft>
+                <a:spcPts val="800"/>
+              </a:spcAft>
+              <a:buSzPts val="1000"/>
+              <a:buFont typeface="Symbol" panose="05050102010706020507" pitchFamily="18" charset="2"/>
+              <a:buChar char=""/>
+              <a:tabLst>
+                <a:tab pos="457200" algn="l"/>
+              </a:tabLst>
+            </a:pPr>
+            <a:endParaRPr lang="es-ES" sz="1200" dirty="0">
+              <a:latin typeface="Calibri" panose="020F0502020204030204" pitchFamily="34" charset="0"/>
+              <a:ea typeface="Calibri" panose="020F0502020204030204" pitchFamily="34" charset="0"/>
+              <a:cs typeface="Calibri" panose="020F0502020204030204" pitchFamily="34" charset="0"/>
+            </a:endParaRPr>
+          </a:p>
+          <a:p>
+            <a:pPr lvl="0" algn="just">
+              <a:lnSpc>
+                <a:spcPct val="107000"/>
+              </a:lnSpc>
+              <a:spcAft>
+                <a:spcPts val="800"/>
+              </a:spcAft>
+              <a:buSzPts val="1000"/>
+              <a:tabLst>
+                <a:tab pos="457200" algn="l"/>
+              </a:tabLst>
+            </a:pPr>
+            <a:endParaRPr lang="es-ES" sz="1600" dirty="0">
+              <a:latin typeface="Calibri" panose="020F0502020204030204" pitchFamily="34" charset="0"/>
+              <a:ea typeface="Calibri" panose="020F0502020204030204" pitchFamily="34" charset="0"/>
+              <a:cs typeface="Calibri" panose="020F0502020204030204" pitchFamily="34" charset="0"/>
+            </a:endParaRPr>
+          </a:p>
+          <a:p>
+            <a:pPr algn="just">
+              <a:spcBef>
+                <a:spcPts val="533"/>
+              </a:spcBef>
+              <a:tabLst>
+                <a:tab pos="480472" algn="l"/>
+              </a:tabLst>
+            </a:pPr>
+            <a:endParaRPr lang="es-ES" sz="1200" dirty="0">
+              <a:latin typeface="Calibri"/>
+              <a:ea typeface="Calibri"/>
+              <a:cs typeface="Calibri"/>
+              <a:sym typeface="Calibri"/>
+            </a:endParaRPr>
+          </a:p>
+        </p:txBody>
+      </p:sp>
+      <p:sp>
+        <p:nvSpPr>
+          <p:cNvPr id="3" name="TextBox 2"/>
+          <p:cNvSpPr txBox="1"/>
+          <p:nvPr/>
+        </p:nvSpPr>
+        <p:spPr>
+          <a:xfrm>
+            <a:off x="4295800" y="1336700"/>
+            <a:ext cx="2088232" cy="4616648"/>
+          </a:xfrm>
+          <a:prstGeom prst="rect">
+            <a:avLst/>
+          </a:prstGeom>
+          <a:noFill/>
+        </p:spPr>
+        <p:txBody>
+          <a:bodyPr wrap="square" rtlCol="0">
+            <a:spAutoFit/>
+          </a:bodyPr>
+          <a:lstStyle/>
+          <a:p>
+            <a:pPr>
+              <a:lnSpc>
+                <a:spcPct val="150000"/>
+              </a:lnSpc>
+            </a:pPr>
+            <a:r>
+              <a:rPr lang="es-ES" sz="2800" b="1" dirty="0">
+                <a:solidFill>
+                  <a:schemeClr val="accent4">
+                    <a:lumMod val="75000"/>
+                  </a:schemeClr>
+                </a:solidFill>
+                <a:latin typeface="Times New Roman" panose="02020603050405020304" pitchFamily="18" charset="0"/>
+                <a:cs typeface="Times New Roman" panose="02020603050405020304" pitchFamily="18" charset="0"/>
+              </a:rPr>
+              <a:t>I</a:t>
+            </a:r>
+            <a:r>
+              <a:rPr lang="es-ES" sz="2800" b="1" dirty="0">
+                <a:latin typeface="Times New Roman" panose="02020603050405020304" pitchFamily="18" charset="0"/>
+                <a:cs typeface="Times New Roman" panose="02020603050405020304" pitchFamily="18" charset="0"/>
+              </a:rPr>
+              <a:t> </a:t>
+            </a:r>
+            <a:r>
+              <a:rPr lang="es-ES" sz="2800" dirty="0">
+                <a:latin typeface="Times New Roman" panose="02020603050405020304" pitchFamily="18" charset="0"/>
+                <a:cs typeface="Times New Roman" panose="02020603050405020304" pitchFamily="18" charset="0"/>
+              </a:rPr>
+              <a:t>=</a:t>
+            </a:r>
+            <a:r>
+              <a:rPr lang="es-ES" sz="2800" b="1" dirty="0">
+                <a:latin typeface="Times New Roman" panose="02020603050405020304" pitchFamily="18" charset="0"/>
+                <a:cs typeface="Times New Roman" panose="02020603050405020304" pitchFamily="18" charset="0"/>
+              </a:rPr>
+              <a:t> </a:t>
+            </a:r>
+            <a:r>
+              <a:rPr lang="es-ES" sz="2800" dirty="0">
+                <a:latin typeface="Times New Roman" panose="02020603050405020304" pitchFamily="18" charset="0"/>
+                <a:cs typeface="Times New Roman" panose="02020603050405020304" pitchFamily="18" charset="0"/>
+              </a:rPr>
+              <a:t>1</a:t>
+            </a:r>
+          </a:p>
+          <a:p>
+            <a:pPr>
+              <a:lnSpc>
+                <a:spcPct val="150000"/>
+              </a:lnSpc>
+            </a:pPr>
+            <a:r>
+              <a:rPr lang="es-ES" sz="2800" b="1" dirty="0">
+                <a:solidFill>
+                  <a:schemeClr val="accent4">
+                    <a:lumMod val="75000"/>
+                  </a:schemeClr>
+                </a:solidFill>
+                <a:latin typeface="Times New Roman" panose="02020603050405020304" pitchFamily="18" charset="0"/>
+                <a:cs typeface="Times New Roman" panose="02020603050405020304" pitchFamily="18" charset="0"/>
+              </a:rPr>
+              <a:t>V</a:t>
+            </a:r>
+            <a:r>
+              <a:rPr lang="es-ES" sz="2800" b="1" dirty="0">
+                <a:latin typeface="Times New Roman" panose="02020603050405020304" pitchFamily="18" charset="0"/>
+                <a:cs typeface="Times New Roman" panose="02020603050405020304" pitchFamily="18" charset="0"/>
+              </a:rPr>
+              <a:t> </a:t>
+            </a:r>
+            <a:r>
+              <a:rPr lang="es-ES" sz="2800" dirty="0">
+                <a:latin typeface="Times New Roman" panose="02020603050405020304" pitchFamily="18" charset="0"/>
+                <a:cs typeface="Times New Roman" panose="02020603050405020304" pitchFamily="18" charset="0"/>
+              </a:rPr>
+              <a:t>= 5</a:t>
+            </a:r>
+          </a:p>
+          <a:p>
+            <a:pPr>
+              <a:lnSpc>
+                <a:spcPct val="150000"/>
+              </a:lnSpc>
+            </a:pPr>
+            <a:r>
+              <a:rPr lang="es-ES" sz="2800" b="1" dirty="0">
+                <a:solidFill>
+                  <a:schemeClr val="accent4">
+                    <a:lumMod val="75000"/>
+                  </a:schemeClr>
+                </a:solidFill>
+                <a:latin typeface="Times New Roman" panose="02020603050405020304" pitchFamily="18" charset="0"/>
+                <a:cs typeface="Times New Roman" panose="02020603050405020304" pitchFamily="18" charset="0"/>
+              </a:rPr>
+              <a:t>X</a:t>
+            </a:r>
+            <a:r>
+              <a:rPr lang="es-ES" sz="2800" b="1" dirty="0">
+                <a:latin typeface="Times New Roman" panose="02020603050405020304" pitchFamily="18" charset="0"/>
+                <a:cs typeface="Times New Roman" panose="02020603050405020304" pitchFamily="18" charset="0"/>
+              </a:rPr>
+              <a:t> </a:t>
+            </a:r>
+            <a:r>
+              <a:rPr lang="es-ES" sz="2800" dirty="0">
+                <a:latin typeface="Times New Roman" panose="02020603050405020304" pitchFamily="18" charset="0"/>
+                <a:cs typeface="Times New Roman" panose="02020603050405020304" pitchFamily="18" charset="0"/>
+              </a:rPr>
+              <a:t>= 10</a:t>
+            </a:r>
+          </a:p>
+          <a:p>
+            <a:pPr>
+              <a:lnSpc>
+                <a:spcPct val="150000"/>
+              </a:lnSpc>
+            </a:pPr>
+            <a:r>
+              <a:rPr lang="es-ES" sz="2800" b="1" dirty="0">
+                <a:solidFill>
+                  <a:schemeClr val="accent4">
+                    <a:lumMod val="75000"/>
+                  </a:schemeClr>
+                </a:solidFill>
+                <a:latin typeface="Times New Roman" panose="02020603050405020304" pitchFamily="18" charset="0"/>
+                <a:cs typeface="Times New Roman" panose="02020603050405020304" pitchFamily="18" charset="0"/>
+              </a:rPr>
+              <a:t>L</a:t>
+            </a:r>
+            <a:r>
+              <a:rPr lang="es-ES" sz="2800" b="1" dirty="0">
+                <a:latin typeface="Times New Roman" panose="02020603050405020304" pitchFamily="18" charset="0"/>
+                <a:cs typeface="Times New Roman" panose="02020603050405020304" pitchFamily="18" charset="0"/>
+              </a:rPr>
+              <a:t> </a:t>
+            </a:r>
+            <a:r>
+              <a:rPr lang="es-ES" sz="2800" dirty="0">
+                <a:latin typeface="Times New Roman" panose="02020603050405020304" pitchFamily="18" charset="0"/>
+                <a:cs typeface="Times New Roman" panose="02020603050405020304" pitchFamily="18" charset="0"/>
+              </a:rPr>
+              <a:t>= 50</a:t>
+            </a:r>
+          </a:p>
+          <a:p>
+            <a:pPr>
+              <a:lnSpc>
+                <a:spcPct val="150000"/>
+              </a:lnSpc>
+            </a:pPr>
+            <a:r>
+              <a:rPr lang="es-ES" sz="2800" b="1" dirty="0">
+                <a:solidFill>
+                  <a:schemeClr val="accent4">
+                    <a:lumMod val="75000"/>
+                  </a:schemeClr>
+                </a:solidFill>
+                <a:latin typeface="Times New Roman" panose="02020603050405020304" pitchFamily="18" charset="0"/>
+                <a:cs typeface="Times New Roman" panose="02020603050405020304" pitchFamily="18" charset="0"/>
+              </a:rPr>
+              <a:t>C</a:t>
+            </a:r>
+            <a:r>
+              <a:rPr lang="es-ES" sz="2800" b="1" dirty="0">
+                <a:latin typeface="Times New Roman" panose="02020603050405020304" pitchFamily="18" charset="0"/>
+                <a:cs typeface="Times New Roman" panose="02020603050405020304" pitchFamily="18" charset="0"/>
+              </a:rPr>
+              <a:t> </a:t>
+            </a:r>
+            <a:r>
+              <a:rPr lang="es-ES" sz="2800" dirty="0">
+                <a:latin typeface="Times New Roman" panose="02020603050405020304" pitchFamily="18" charset="0"/>
+                <a:cs typeface="Times New Roman" panose="02020603050405020304" pitchFamily="18" charset="0"/>
+              </a:rPr>
+              <a:t>= 100</a:t>
+            </a:r>
+          </a:p>
+          <a:p>
+            <a:pPr>
+              <a:lnSpc>
+                <a:spcPct val="150000"/>
+              </a:lnSpc>
+            </a:pPr>
+            <a:r>
+              <a:rPr lang="es-ES" sz="2800" b="1" dirty="0">
+                <a:solidFill>
+                  <a:schemeClr val="accent4">
+                    <a:lumMod val="75000"/>
+                  </a:schemeClr>
+                </a:solidFill>
+                <a:latin typeface="Times New Roman" panose="02020603050405020304" pitchFamily="18" charset="0"/>
+                <a:cs typeface="Times New Roman" panose="02020603050405020304" pitchFamily="18" charset="0"/>
+              </a:rPr>
+              <a:t>D</a:t>
+            </a:r>
+            <a:r>
+              <a:rPr lang="es-ES" sz="2800" b="1" dirty="0">
+                <a:latin typeface="Times New Roman" panose="02020603050405020304" pitchFamily="18" charset="0"/>
+                <a:cs typeface="Times New Roman" panose="02020603050405020304" pitchFamily="18" charset="0"/>
+              </a:rPr>
+              <a:t> </a:t>
+            </a:r>
+            <a:r>
+              <a:rPr lang="es-ES" sz="2800" dirty="0">
+                <a:latin typeface="Times New Roman" panose="02020603050405020304" pitchFamily="18" charset="0"/>
+                <a:cs typeface="Times New Roman" panose="02020603050405020304" pitchFamily="18" charset="0"/>
+              </a:rPr>
+              <a:t>= 500</a:t>
+            </a:r>
+          </a:p>
+          <a:p>
+            <a:pPr>
+              <a:lnSpc>
+                <a:spcPct val="150000"/>
+              </a:lnSpc>
+            </a:pPr>
+            <a:r>
+              <a:rPr lang="es-ES" sz="2800" b="1" dirty="0">
+                <a:solidFill>
+                  <a:schemeClr val="accent4">
+                    <a:lumMod val="75000"/>
+                  </a:schemeClr>
+                </a:solidFill>
+                <a:latin typeface="Times New Roman" panose="02020603050405020304" pitchFamily="18" charset="0"/>
+                <a:cs typeface="Times New Roman" panose="02020603050405020304" pitchFamily="18" charset="0"/>
+              </a:rPr>
+              <a:t>M</a:t>
+            </a:r>
+            <a:r>
+              <a:rPr lang="es-ES" sz="2800" b="1" dirty="0">
+                <a:latin typeface="Times New Roman" panose="02020603050405020304" pitchFamily="18" charset="0"/>
+                <a:cs typeface="Times New Roman" panose="02020603050405020304" pitchFamily="18" charset="0"/>
+              </a:rPr>
+              <a:t> </a:t>
+            </a:r>
+            <a:r>
+              <a:rPr lang="es-ES" sz="2800" dirty="0">
+                <a:latin typeface="Times New Roman" panose="02020603050405020304" pitchFamily="18" charset="0"/>
+                <a:cs typeface="Times New Roman" panose="02020603050405020304" pitchFamily="18" charset="0"/>
+              </a:rPr>
+              <a:t>= 1000</a:t>
+            </a:r>
+          </a:p>
+        </p:txBody>
+      </p:sp>
+      <p:pic>
+        <p:nvPicPr>
+          <p:cNvPr id="6" name="Picture 5"/>
+          <p:cNvPicPr>
+            <a:picLocks noChangeAspect="1"/>
+          </p:cNvPicPr>
+          <p:nvPr/>
+        </p:nvPicPr>
+        <p:blipFill>
+          <a:blip r:embed="rId3"/>
+          <a:stretch>
+            <a:fillRect/>
+          </a:stretch>
+        </p:blipFill>
+        <p:spPr>
+          <a:xfrm>
+            <a:off x="609600" y="1916832"/>
+            <a:ext cx="3456384" cy="3456384"/>
+          </a:xfrm>
+          <a:prstGeom prst="rect">
+            <a:avLst/>
+          </a:prstGeom>
+        </p:spPr>
+      </p:pic>
+    </p:spTree>
+  </p:cSld>
+  <p:clrMapOvr>
+    <a:masterClrMapping/>
+  </p:clrMapOvr>
+</p:sld>
+</file>
+
+<file path=ppt/slides/slide11.xml><?xml version="1.0" encoding="utf-8"?>
+<p:sld xmlns:a="http://schemas.openxmlformats.org/drawingml/2006/main" xmlns:r="http://schemas.openxmlformats.org/officeDocument/2006/relationships" xmlns:p="http://schemas.openxmlformats.org/presentationml/2006/main">
+  <p:cSld>
+    <p:spTree>
+      <p:nvGrpSpPr>
+        <p:cNvPr id="1" name="Shape 194"/>
+        <p:cNvGrpSpPr/>
+        <p:nvPr/>
+      </p:nvGrpSpPr>
+      <p:grpSpPr>
+        <a:xfrm>
+          <a:off x="0" y="0"/>
+          <a:ext cx="0" cy="0"/>
+          <a:chOff x="0" y="0"/>
+          <a:chExt cx="0" cy="0"/>
+        </a:xfrm>
+      </p:grpSpPr>
+      <p:sp>
+        <p:nvSpPr>
           <p:cNvPr id="196" name="Shape 196"/>
           <p:cNvSpPr txBox="1"/>
           <p:nvPr/>
@@ -8531,7 +9479,7 @@
               </a:tabLst>
             </a:pPr>
             <a:r>
-              <a:rPr lang="es-ES_tradnl" sz="2400" dirty="0" smtClean="0">
+              <a:rPr lang="es-ES_tradnl" sz="2400" dirty="0">
                 <a:latin typeface="Times New Roman" panose="02020603050405020304" pitchFamily="18" charset="0"/>
                 <a:ea typeface="Calibri"/>
                 <a:cs typeface="Times New Roman" panose="02020603050405020304" pitchFamily="18" charset="0"/>
@@ -8552,7 +9500,7 @@
               </a:tabLst>
             </a:pPr>
             <a:r>
-              <a:rPr lang="es-ES_tradnl" sz="2000" dirty="0" smtClean="0">
+              <a:rPr lang="es-ES_tradnl" sz="2000" dirty="0">
                 <a:latin typeface="Times New Roman" panose="02020603050405020304" pitchFamily="18" charset="0"/>
                 <a:ea typeface="Calibri"/>
                 <a:cs typeface="Times New Roman" panose="02020603050405020304" pitchFamily="18" charset="0"/>
@@ -8576,7 +9524,7 @@
               </a:tabLst>
             </a:pPr>
             <a:r>
-              <a:rPr lang="es-ES_tradnl" sz="2400" dirty="0" smtClean="0">
+              <a:rPr lang="es-ES_tradnl" sz="2400" dirty="0">
                 <a:latin typeface="Times New Roman" panose="02020603050405020304" pitchFamily="18" charset="0"/>
                 <a:ea typeface="Calibri"/>
                 <a:cs typeface="Times New Roman" panose="02020603050405020304" pitchFamily="18" charset="0"/>
@@ -8597,7 +9545,7 @@
               </a:tabLst>
             </a:pPr>
             <a:r>
-              <a:rPr lang="es-ES_tradnl" sz="2000" dirty="0" smtClean="0">
+              <a:rPr lang="es-ES_tradnl" sz="2000" dirty="0">
                 <a:latin typeface="Times New Roman" panose="02020603050405020304" pitchFamily="18" charset="0"/>
                 <a:ea typeface="Calibri"/>
                 <a:cs typeface="Times New Roman" panose="02020603050405020304" pitchFamily="18" charset="0"/>
@@ -8606,7 +9554,7 @@
               <a:t>Aunque se conozca el problema completo, hay que evitar el “</a:t>
             </a:r>
             <a:r>
-              <a:rPr lang="es-ES_tradnl" sz="2000" i="1" dirty="0" smtClean="0">
+              <a:rPr lang="es-ES_tradnl" sz="2000" i="1" dirty="0">
                 <a:latin typeface="Times New Roman" panose="02020603050405020304" pitchFamily="18" charset="0"/>
                 <a:ea typeface="Calibri"/>
                 <a:cs typeface="Times New Roman" panose="02020603050405020304" pitchFamily="18" charset="0"/>
@@ -8615,7 +9563,7 @@
               <a:t>Speculative generalization</a:t>
             </a:r>
             <a:r>
-              <a:rPr lang="es-ES_tradnl" sz="2000" dirty="0" smtClean="0">
+              <a:rPr lang="es-ES_tradnl" sz="2000" dirty="0">
                 <a:latin typeface="Times New Roman" panose="02020603050405020304" pitchFamily="18" charset="0"/>
                 <a:ea typeface="Calibri"/>
                 <a:cs typeface="Times New Roman" panose="02020603050405020304" pitchFamily="18" charset="0"/>
@@ -8639,7 +9587,7 @@
               </a:tabLst>
             </a:pPr>
             <a:r>
-              <a:rPr lang="es-ES_tradnl" sz="2400" dirty="0" smtClean="0">
+              <a:rPr lang="es-ES_tradnl" sz="2400" dirty="0">
                 <a:latin typeface="Times New Roman" panose="02020603050405020304" pitchFamily="18" charset="0"/>
                 <a:ea typeface="Calibri"/>
                 <a:cs typeface="Times New Roman" panose="02020603050405020304" pitchFamily="18" charset="0"/>
@@ -8660,7 +9608,7 @@
               </a:tabLst>
             </a:pPr>
             <a:r>
-              <a:rPr lang="es-ES_tradnl" sz="2000" dirty="0" smtClean="0">
+              <a:rPr lang="es-ES_tradnl" sz="2000" dirty="0">
                 <a:latin typeface="Times New Roman" panose="02020603050405020304" pitchFamily="18" charset="0"/>
                 <a:ea typeface="Calibri"/>
                 <a:cs typeface="Times New Roman" panose="02020603050405020304" pitchFamily="18" charset="0"/>
@@ -8669,7 +9617,7 @@
               <a:t>¿</a:t>
             </a:r>
             <a:r>
-              <a:rPr lang="es-ES_tradnl" sz="2000" i="1" dirty="0" smtClean="0">
+              <a:rPr lang="es-ES_tradnl" sz="2000" i="1" dirty="0">
                 <a:latin typeface="Times New Roman" panose="02020603050405020304" pitchFamily="18" charset="0"/>
                 <a:ea typeface="Calibri"/>
                 <a:cs typeface="Times New Roman" panose="02020603050405020304" pitchFamily="18" charset="0"/>
@@ -8678,7 +9626,7 @@
               <a:t>me siento cómodo con este código</a:t>
             </a:r>
             <a:r>
-              <a:rPr lang="es-ES_tradnl" sz="2000" dirty="0" smtClean="0">
+              <a:rPr lang="es-ES_tradnl" sz="2000" dirty="0">
                 <a:latin typeface="Times New Roman" panose="02020603050405020304" pitchFamily="18" charset="0"/>
                 <a:ea typeface="Calibri"/>
                 <a:cs typeface="Times New Roman" panose="02020603050405020304" pitchFamily="18" charset="0"/>
@@ -8699,7 +9647,7 @@
               </a:tabLst>
             </a:pPr>
             <a:r>
-              <a:rPr lang="es-ES_tradnl" sz="2000" dirty="0" smtClean="0">
+              <a:rPr lang="es-ES_tradnl" sz="2000" dirty="0">
                 <a:latin typeface="Times New Roman" panose="02020603050405020304" pitchFamily="18" charset="0"/>
                 <a:ea typeface="Calibri"/>
                 <a:cs typeface="Times New Roman" panose="02020603050405020304" pitchFamily="18" charset="0"/>
@@ -8708,7 +9656,7 @@
               <a:t>¿</a:t>
             </a:r>
             <a:r>
-              <a:rPr lang="es-ES_tradnl" sz="2000" i="1" dirty="0" smtClean="0">
+              <a:rPr lang="es-ES_tradnl" sz="2000" i="1" dirty="0">
                 <a:latin typeface="Times New Roman" panose="02020603050405020304" pitchFamily="18" charset="0"/>
                 <a:ea typeface="Calibri"/>
                 <a:cs typeface="Times New Roman" panose="02020603050405020304" pitchFamily="18" charset="0"/>
@@ -8717,7 +9665,7 @@
               <a:t>cambiaría la implementación a objetos</a:t>
             </a:r>
             <a:r>
-              <a:rPr lang="es-ES_tradnl" sz="2000" dirty="0" smtClean="0">
+              <a:rPr lang="es-ES_tradnl" sz="2000" dirty="0">
                 <a:latin typeface="Times New Roman" panose="02020603050405020304" pitchFamily="18" charset="0"/>
                 <a:ea typeface="Calibri"/>
                 <a:cs typeface="Times New Roman" panose="02020603050405020304" pitchFamily="18" charset="0"/>
@@ -8738,7 +9686,7 @@
               </a:tabLst>
             </a:pPr>
             <a:r>
-              <a:rPr lang="es-ES_tradnl" sz="2000" dirty="0" smtClean="0">
+              <a:rPr lang="es-ES_tradnl" sz="2000" dirty="0">
                 <a:latin typeface="Times New Roman" panose="02020603050405020304" pitchFamily="18" charset="0"/>
                 <a:ea typeface="Calibri"/>
                 <a:cs typeface="Times New Roman" panose="02020603050405020304" pitchFamily="18" charset="0"/>
@@ -8747,7 +9695,7 @@
               <a:t>¿</a:t>
             </a:r>
             <a:r>
-              <a:rPr lang="es-ES_tradnl" sz="2000" i="1" dirty="0" smtClean="0">
+              <a:rPr lang="es-ES_tradnl" sz="2000" i="1" dirty="0">
                 <a:latin typeface="Times New Roman" panose="02020603050405020304" pitchFamily="18" charset="0"/>
                 <a:ea typeface="Calibri"/>
                 <a:cs typeface="Times New Roman" panose="02020603050405020304" pitchFamily="18" charset="0"/>
@@ -8756,7 +9704,7 @@
               <a:t>cambiaría la implementación con herencia</a:t>
             </a:r>
             <a:r>
-              <a:rPr lang="es-ES_tradnl" sz="2000" dirty="0" smtClean="0">
+              <a:rPr lang="es-ES_tradnl" sz="2000" dirty="0">
                 <a:latin typeface="Times New Roman" panose="02020603050405020304" pitchFamily="18" charset="0"/>
                 <a:ea typeface="Calibri"/>
                 <a:cs typeface="Times New Roman" panose="02020603050405020304" pitchFamily="18" charset="0"/>
@@ -8777,7 +9725,7 @@
               </a:tabLst>
             </a:pPr>
             <a:r>
-              <a:rPr lang="es-ES_tradnl" sz="2000" dirty="0" smtClean="0">
+              <a:rPr lang="es-ES_tradnl" sz="2000" dirty="0">
                 <a:latin typeface="Times New Roman" panose="02020603050405020304" pitchFamily="18" charset="0"/>
                 <a:ea typeface="Calibri"/>
                 <a:cs typeface="Times New Roman" panose="02020603050405020304" pitchFamily="18" charset="0"/>
@@ -8786,7 +9734,7 @@
               <a:t>¿</a:t>
             </a:r>
             <a:r>
-              <a:rPr lang="es-ES_tradnl" sz="2000" i="1" dirty="0" smtClean="0">
+              <a:rPr lang="es-ES_tradnl" sz="2000" i="1" dirty="0">
                 <a:latin typeface="Times New Roman" panose="02020603050405020304" pitchFamily="18" charset="0"/>
                 <a:ea typeface="Calibri"/>
                 <a:cs typeface="Times New Roman" panose="02020603050405020304" pitchFamily="18" charset="0"/>
@@ -8795,7 +9743,7 @@
               <a:t>es la mejor estructura de datos que se podría utilizar</a:t>
             </a:r>
             <a:r>
-              <a:rPr lang="es-ES_tradnl" sz="2000" dirty="0" smtClean="0">
+              <a:rPr lang="es-ES_tradnl" sz="2000" dirty="0">
                 <a:latin typeface="Times New Roman" panose="02020603050405020304" pitchFamily="18" charset="0"/>
                 <a:ea typeface="Calibri"/>
                 <a:cs typeface="Times New Roman" panose="02020603050405020304" pitchFamily="18" charset="0"/>
@@ -8819,7 +9767,7 @@
               </a:tabLst>
             </a:pPr>
             <a:r>
-              <a:rPr lang="es-ES_tradnl" sz="2400" dirty="0" smtClean="0">
+              <a:rPr lang="es-ES_tradnl" sz="2400" dirty="0">
                 <a:latin typeface="Times New Roman" panose="02020603050405020304" pitchFamily="18" charset="0"/>
                 <a:ea typeface="Calibri"/>
                 <a:cs typeface="Times New Roman" panose="02020603050405020304" pitchFamily="18" charset="0"/>
@@ -8840,47 +9788,14 @@
               </a:tabLst>
             </a:pPr>
             <a:r>
-              <a:rPr lang="es-ES_tradnl" sz="2000" dirty="0" smtClean="0">
+              <a:rPr lang="es-ES_tradnl" sz="2000" dirty="0">
                 <a:latin typeface="Times New Roman" panose="02020603050405020304" pitchFamily="18" charset="0"/>
                 <a:ea typeface="Calibri"/>
                 <a:cs typeface="Times New Roman" panose="02020603050405020304" pitchFamily="18" charset="0"/>
                 <a:sym typeface="Calibri"/>
               </a:rPr>
-              <a:t>Una función que dado un número </a:t>
-            </a:r>
-            <a:r>
-              <a:rPr lang="es-ES_tradnl" sz="2000" dirty="0" smtClean="0">
-                <a:latin typeface="Times New Roman" panose="02020603050405020304" pitchFamily="18" charset="0"/>
-                <a:ea typeface="Calibri"/>
-                <a:cs typeface="Times New Roman" panose="02020603050405020304" pitchFamily="18" charset="0"/>
-                <a:sym typeface="Calibri"/>
-              </a:rPr>
-              <a:t>normal </a:t>
-            </a:r>
-            <a:r>
-              <a:rPr lang="es-ES_tradnl" sz="2000" dirty="0" smtClean="0">
-                <a:latin typeface="Times New Roman" panose="02020603050405020304" pitchFamily="18" charset="0"/>
-                <a:ea typeface="Calibri"/>
-                <a:cs typeface="Times New Roman" panose="02020603050405020304" pitchFamily="18" charset="0"/>
-                <a:sym typeface="Calibri"/>
-              </a:rPr>
-              <a:t>lo convierta a un número </a:t>
-            </a:r>
-            <a:r>
-              <a:rPr lang="es-ES_tradnl" sz="2000" dirty="0" smtClean="0">
-                <a:latin typeface="Times New Roman" panose="02020603050405020304" pitchFamily="18" charset="0"/>
-                <a:ea typeface="Calibri"/>
-                <a:cs typeface="Times New Roman" panose="02020603050405020304" pitchFamily="18" charset="0"/>
-                <a:sym typeface="Calibri"/>
-              </a:rPr>
-              <a:t>romano.</a:t>
-            </a:r>
-            <a:endParaRPr lang="es-ES_tradnl" sz="2000" dirty="0" smtClean="0">
-              <a:latin typeface="Times New Roman" panose="02020603050405020304" pitchFamily="18" charset="0"/>
-              <a:ea typeface="Calibri"/>
-              <a:cs typeface="Times New Roman" panose="02020603050405020304" pitchFamily="18" charset="0"/>
-              <a:sym typeface="Calibri"/>
-            </a:endParaRPr>
+              <a:t>Una función que dado un número normal lo convierta a un número romano.</a:t>
+            </a:r>
           </a:p>
           <a:p>
             <a:pPr marL="380990" indent="-380990" algn="just">
@@ -8893,7 +9808,7 @@
                 <a:tab pos="480472" algn="l"/>
               </a:tabLst>
             </a:pPr>
-            <a:endParaRPr lang="es-ES_tradnl" sz="2000" dirty="0" smtClean="0">
+            <a:endParaRPr lang="es-ES_tradnl" sz="2000" dirty="0">
               <a:latin typeface="Calibri"/>
               <a:ea typeface="Calibri"/>
               <a:cs typeface="Calibri"/>
@@ -8951,7 +9866,7 @@
               <a:buSzPct val="25000"/>
             </a:pPr>
             <a:r>
-              <a:rPr lang="es" sz="4267" b="1" dirty="0" smtClean="0">
+              <a:rPr lang="es" sz="4267" b="1" dirty="0">
                 <a:solidFill>
                   <a:srgbClr val="00B0F0"/>
                 </a:solidFill>
@@ -8961,24 +9876,14 @@
               <a:t>Roman-Decimal </a:t>
             </a:r>
             <a:r>
-              <a:rPr lang="es" sz="2667" dirty="0" smtClean="0">
+              <a:rPr lang="es" sz="2667" dirty="0">
                 <a:solidFill>
                   <a:srgbClr val="00B0F0"/>
                 </a:solidFill>
                 <a:latin typeface="Times New Roman" panose="02020603050405020304" pitchFamily="18" charset="0"/>
                 <a:cs typeface="Times New Roman" panose="02020603050405020304" pitchFamily="18" charset="0"/>
               </a:rPr>
-              <a:t>(Consejos</a:t>
-            </a:r>
-            <a:r>
-              <a:rPr lang="es" sz="2667" dirty="0" smtClean="0">
-                <a:solidFill>
-                  <a:srgbClr val="00B0F0"/>
-                </a:solidFill>
-                <a:latin typeface="Times New Roman" panose="02020603050405020304" pitchFamily="18" charset="0"/>
-                <a:cs typeface="Times New Roman" panose="02020603050405020304" pitchFamily="18" charset="0"/>
-              </a:rPr>
-              <a:t>)</a:t>
+              <a:t>(Consejos)</a:t>
             </a:r>
             <a:endParaRPr lang="es" sz="1600" dirty="0">
               <a:solidFill>
@@ -9003,7 +9908,7 @@
 </p:sld>
 </file>
 
-<file path=ppt/slides/slide11.xml><?xml version="1.0" encoding="utf-8"?>
+<file path=ppt/slides/slide12.xml><?xml version="1.0" encoding="utf-8"?>
 <p:sld xmlns:a="http://schemas.openxmlformats.org/drawingml/2006/main" xmlns:r="http://schemas.openxmlformats.org/officeDocument/2006/relationships" xmlns:p="http://schemas.openxmlformats.org/presentationml/2006/main">
   <p:cSld>
     <p:spTree>
@@ -10572,6 +11477,404 @@
 <file path=ppt/slides/slide6.xml><?xml version="1.0" encoding="utf-8"?>
 <p:sld xmlns:a="http://schemas.openxmlformats.org/drawingml/2006/main" xmlns:r="http://schemas.openxmlformats.org/officeDocument/2006/relationships" xmlns:p="http://schemas.openxmlformats.org/presentationml/2006/main">
   <p:cSld>
+    <p:spTree>
+      <p:nvGrpSpPr>
+        <p:cNvPr id="1" name="Shape 194"/>
+        <p:cNvGrpSpPr/>
+        <p:nvPr/>
+      </p:nvGrpSpPr>
+      <p:grpSpPr>
+        <a:xfrm>
+          <a:off x="0" y="0"/>
+          <a:ext cx="0" cy="0"/>
+          <a:chOff x="0" y="0"/>
+          <a:chExt cx="0" cy="0"/>
+        </a:xfrm>
+      </p:grpSpPr>
+      <p:sp>
+        <p:nvSpPr>
+          <p:cNvPr id="5" name="Shape 195"/>
+          <p:cNvSpPr txBox="1">
+            <a:spLocks/>
+          </p:cNvSpPr>
+          <p:nvPr/>
+        </p:nvSpPr>
+        <p:spPr>
+          <a:xfrm>
+            <a:off x="609600" y="274635"/>
+            <a:ext cx="10972800" cy="686800"/>
+          </a:xfrm>
+          <a:prstGeom prst="rect">
+            <a:avLst/>
+          </a:prstGeom>
+          <a:noFill/>
+          <a:ln>
+            <a:noFill/>
+          </a:ln>
+        </p:spPr>
+        <p:txBody>
+          <a:bodyPr vert="horz" lIns="121900" tIns="60933" rIns="121900" bIns="60933" rtlCol="0" anchor="ctr" anchorCtr="0">
+            <a:noAutofit/>
+          </a:bodyPr>
+          <a:lstStyle>
+            <a:lvl1pPr algn="l" defTabSz="914400" rtl="0" eaLnBrk="1" latinLnBrk="0" hangingPunct="1">
+              <a:lnSpc>
+                <a:spcPct val="90000"/>
+              </a:lnSpc>
+              <a:spcBef>
+                <a:spcPct val="0"/>
+              </a:spcBef>
+              <a:buNone/>
+              <a:defRPr lang="pt-PT" sz="2600" kern="1200">
+                <a:solidFill>
+                  <a:schemeClr val="tx2"/>
+                </a:solidFill>
+                <a:latin typeface="Verdana" panose="020B0604030504040204" pitchFamily="34" charset="0"/>
+                <a:ea typeface="Verdana" panose="020B0604030504040204" pitchFamily="34" charset="0"/>
+                <a:cs typeface="Verdana" panose="020B0604030504040204" pitchFamily="34" charset="0"/>
+              </a:defRPr>
+            </a:lvl1pPr>
+          </a:lstStyle>
+          <a:p>
+            <a:pPr>
+              <a:buSzPct val="25000"/>
+            </a:pPr>
+            <a:r>
+              <a:rPr lang="es" sz="4267" b="1" dirty="0">
+                <a:solidFill>
+                  <a:srgbClr val="00B0F0"/>
+                </a:solidFill>
+                <a:latin typeface="Calibri" panose="020F0502020204030204" pitchFamily="34" charset="0"/>
+                <a:cs typeface="Calibri" panose="020F0502020204030204" pitchFamily="34" charset="0"/>
+              </a:rPr>
+              <a:t>Antes de empezar </a:t>
+            </a:r>
+            <a:r>
+              <a:rPr lang="es" sz="2667" dirty="0">
+                <a:solidFill>
+                  <a:srgbClr val="00B0F0"/>
+                </a:solidFill>
+                <a:latin typeface="Calibri" panose="020F0502020204030204" pitchFamily="34" charset="0"/>
+                <a:cs typeface="Calibri" panose="020F0502020204030204" pitchFamily="34" charset="0"/>
+              </a:rPr>
+              <a:t>(¿Cu</a:t>
+            </a:r>
+            <a:r>
+              <a:rPr lang="es-ES" sz="2667" dirty="0">
+                <a:solidFill>
+                  <a:srgbClr val="00B0F0"/>
+                </a:solidFill>
+                <a:latin typeface="Calibri" panose="020F0502020204030204" pitchFamily="34" charset="0"/>
+                <a:cs typeface="Calibri" panose="020F0502020204030204" pitchFamily="34" charset="0"/>
+              </a:rPr>
+              <a:t>á</a:t>
+            </a:r>
+            <a:r>
+              <a:rPr lang="es" sz="2667" dirty="0">
+                <a:solidFill>
+                  <a:srgbClr val="00B0F0"/>
+                </a:solidFill>
+                <a:latin typeface="Calibri" panose="020F0502020204030204" pitchFamily="34" charset="0"/>
+                <a:cs typeface="Calibri" panose="020F0502020204030204" pitchFamily="34" charset="0"/>
+              </a:rPr>
+              <a:t>ndo refactorizamos?)</a:t>
+            </a:r>
+            <a:endParaRPr lang="es" sz="1600" dirty="0">
+              <a:solidFill>
+                <a:srgbClr val="00B0F0"/>
+              </a:solidFill>
+              <a:latin typeface="Calibri" panose="020F0502020204030204" pitchFamily="34" charset="0"/>
+              <a:cs typeface="Calibri" panose="020F0502020204030204" pitchFamily="34" charset="0"/>
+            </a:endParaRPr>
+          </a:p>
+        </p:txBody>
+      </p:sp>
+      <p:sp>
+        <p:nvSpPr>
+          <p:cNvPr id="8" name="Rectangle 7"/>
+          <p:cNvSpPr/>
+          <p:nvPr/>
+        </p:nvSpPr>
+        <p:spPr>
+          <a:xfrm>
+            <a:off x="7465569" y="6021288"/>
+            <a:ext cx="4616970" cy="338554"/>
+          </a:xfrm>
+          <a:prstGeom prst="rect">
+            <a:avLst/>
+          </a:prstGeom>
+        </p:spPr>
+        <p:txBody>
+          <a:bodyPr wrap="none">
+            <a:spAutoFit/>
+          </a:bodyPr>
+          <a:lstStyle/>
+          <a:p>
+            <a:r>
+              <a:rPr lang="es-ES_tradnl" sz="1600" u="sng" dirty="0">
+                <a:solidFill>
+                  <a:srgbClr val="FF0000"/>
+                </a:solidFill>
+              </a:rPr>
+              <a:t>https://refactoring.guru/refactoring/smells</a:t>
+            </a:r>
+          </a:p>
+        </p:txBody>
+      </p:sp>
+      <p:pic>
+        <p:nvPicPr>
+          <p:cNvPr id="6" name="Picture 5">
+            <a:extLst>
+              <a:ext uri="{FF2B5EF4-FFF2-40B4-BE49-F238E27FC236}">
+                <a16:creationId xmlns:a16="http://schemas.microsoft.com/office/drawing/2014/main" id="{1A22E21F-E179-4A05-9084-0C17F6809DC6}"/>
+              </a:ext>
+            </a:extLst>
+          </p:cNvPr>
+          <p:cNvPicPr>
+            <a:picLocks noChangeAspect="1"/>
+          </p:cNvPicPr>
+          <p:nvPr/>
+        </p:nvPicPr>
+        <p:blipFill>
+          <a:blip r:embed="rId3">
+            <a:duotone>
+              <a:schemeClr val="accent3">
+                <a:shade val="45000"/>
+                <a:satMod val="135000"/>
+              </a:schemeClr>
+              <a:prstClr val="white"/>
+            </a:duotone>
+          </a:blip>
+          <a:stretch>
+            <a:fillRect/>
+          </a:stretch>
+        </p:blipFill>
+        <p:spPr>
+          <a:xfrm>
+            <a:off x="5104612" y="1016944"/>
+            <a:ext cx="1908000" cy="1908000"/>
+          </a:xfrm>
+          <a:prstGeom prst="rect">
+            <a:avLst/>
+          </a:prstGeom>
+        </p:spPr>
+      </p:pic>
+      <p:pic>
+        <p:nvPicPr>
+          <p:cNvPr id="9" name="Picture 8">
+            <a:extLst>
+              <a:ext uri="{FF2B5EF4-FFF2-40B4-BE49-F238E27FC236}">
+                <a16:creationId xmlns:a16="http://schemas.microsoft.com/office/drawing/2014/main" id="{C521F2A1-3C9D-4961-9B1D-E55E5FA6A758}"/>
+              </a:ext>
+            </a:extLst>
+          </p:cNvPr>
+          <p:cNvPicPr>
+            <a:picLocks noChangeAspect="1"/>
+          </p:cNvPicPr>
+          <p:nvPr/>
+        </p:nvPicPr>
+        <p:blipFill>
+          <a:blip r:embed="rId4">
+            <a:duotone>
+              <a:schemeClr val="accent3">
+                <a:shade val="45000"/>
+                <a:satMod val="135000"/>
+              </a:schemeClr>
+              <a:prstClr val="white"/>
+            </a:duotone>
+          </a:blip>
+          <a:stretch>
+            <a:fillRect/>
+          </a:stretch>
+        </p:blipFill>
+        <p:spPr>
+          <a:xfrm>
+            <a:off x="9287590" y="2708920"/>
+            <a:ext cx="1876199" cy="1908000"/>
+          </a:xfrm>
+          <a:prstGeom prst="rect">
+            <a:avLst/>
+          </a:prstGeom>
+        </p:spPr>
+      </p:pic>
+      <p:pic>
+        <p:nvPicPr>
+          <p:cNvPr id="11" name="Picture 10">
+            <a:extLst>
+              <a:ext uri="{FF2B5EF4-FFF2-40B4-BE49-F238E27FC236}">
+                <a16:creationId xmlns:a16="http://schemas.microsoft.com/office/drawing/2014/main" id="{5DB18E9F-AC61-43F3-A5E4-F8B63845F31A}"/>
+              </a:ext>
+            </a:extLst>
+          </p:cNvPr>
+          <p:cNvPicPr>
+            <a:picLocks noChangeAspect="1"/>
+          </p:cNvPicPr>
+          <p:nvPr/>
+        </p:nvPicPr>
+        <p:blipFill>
+          <a:blip r:embed="rId5">
+            <a:duotone>
+              <a:schemeClr val="accent3">
+                <a:shade val="45000"/>
+                <a:satMod val="135000"/>
+              </a:schemeClr>
+              <a:prstClr val="white"/>
+            </a:duotone>
+          </a:blip>
+          <a:stretch>
+            <a:fillRect/>
+          </a:stretch>
+        </p:blipFill>
+        <p:spPr>
+          <a:xfrm>
+            <a:off x="4945281" y="2750070"/>
+            <a:ext cx="2194201" cy="1908000"/>
+          </a:xfrm>
+          <a:prstGeom prst="rect">
+            <a:avLst/>
+          </a:prstGeom>
+        </p:spPr>
+      </p:pic>
+      <p:pic>
+        <p:nvPicPr>
+          <p:cNvPr id="12" name="Picture 11">
+            <a:extLst>
+              <a:ext uri="{FF2B5EF4-FFF2-40B4-BE49-F238E27FC236}">
+                <a16:creationId xmlns:a16="http://schemas.microsoft.com/office/drawing/2014/main" id="{B0449C82-2227-456E-AC33-73FB5A4D7B34}"/>
+              </a:ext>
+            </a:extLst>
+          </p:cNvPr>
+          <p:cNvPicPr>
+            <a:picLocks noChangeAspect="1"/>
+          </p:cNvPicPr>
+          <p:nvPr/>
+        </p:nvPicPr>
+        <p:blipFill>
+          <a:blip r:embed="rId6">
+            <a:duotone>
+              <a:schemeClr val="accent3">
+                <a:shade val="45000"/>
+                <a:satMod val="135000"/>
+              </a:schemeClr>
+              <a:prstClr val="white"/>
+            </a:duotone>
+          </a:blip>
+          <a:stretch>
+            <a:fillRect/>
+          </a:stretch>
+        </p:blipFill>
+        <p:spPr>
+          <a:xfrm>
+            <a:off x="815413" y="2708920"/>
+            <a:ext cx="2003402" cy="1908000"/>
+          </a:xfrm>
+          <a:prstGeom prst="rect">
+            <a:avLst/>
+          </a:prstGeom>
+        </p:spPr>
+      </p:pic>
+      <p:sp>
+        <p:nvSpPr>
+          <p:cNvPr id="13" name="Shape 196">
+            <a:extLst>
+              <a:ext uri="{FF2B5EF4-FFF2-40B4-BE49-F238E27FC236}">
+                <a16:creationId xmlns:a16="http://schemas.microsoft.com/office/drawing/2014/main" id="{B0DD7B45-6F7F-4005-B2BE-16B5E8C35C23}"/>
+              </a:ext>
+            </a:extLst>
+          </p:cNvPr>
+          <p:cNvSpPr txBox="1"/>
+          <p:nvPr/>
+        </p:nvSpPr>
+        <p:spPr>
+          <a:xfrm>
+            <a:off x="1271464" y="4935159"/>
+            <a:ext cx="9649072" cy="582073"/>
+          </a:xfrm>
+          <a:prstGeom prst="roundRect">
+            <a:avLst>
+              <a:gd name="adj" fmla="val 50000"/>
+            </a:avLst>
+          </a:prstGeom>
+          <a:ln>
+            <a:noFill/>
+          </a:ln>
+        </p:spPr>
+        <p:style>
+          <a:lnRef idx="2">
+            <a:schemeClr val="accent2">
+              <a:shade val="50000"/>
+            </a:schemeClr>
+          </a:lnRef>
+          <a:fillRef idx="1">
+            <a:schemeClr val="accent2"/>
+          </a:fillRef>
+          <a:effectRef idx="0">
+            <a:schemeClr val="accent2"/>
+          </a:effectRef>
+          <a:fontRef idx="minor">
+            <a:schemeClr val="lt1"/>
+          </a:fontRef>
+        </p:style>
+        <p:txBody>
+          <a:bodyPr lIns="121900" tIns="60933" rIns="121900" bIns="60933" anchor="t" anchorCtr="0">
+            <a:noAutofit/>
+          </a:bodyPr>
+          <a:lstStyle/>
+          <a:p>
+            <a:pPr algn="ctr">
+              <a:spcBef>
+                <a:spcPts val="533"/>
+              </a:spcBef>
+              <a:tabLst>
+                <a:tab pos="480472" algn="l"/>
+              </a:tabLst>
+            </a:pPr>
+            <a:r>
+              <a:rPr lang="es-ES" dirty="0">
+                <a:latin typeface="Calibri"/>
+                <a:ea typeface="Calibri"/>
+                <a:cs typeface="Calibri"/>
+                <a:sym typeface="Calibri"/>
+              </a:rPr>
+              <a:t>La regla del </a:t>
+            </a:r>
+            <a:r>
+              <a:rPr lang="es-ES" dirty="0" err="1">
+                <a:latin typeface="Calibri"/>
+                <a:ea typeface="Calibri"/>
+                <a:cs typeface="Calibri"/>
+                <a:sym typeface="Calibri"/>
+              </a:rPr>
+              <a:t>Boy</a:t>
+            </a:r>
+            <a:r>
+              <a:rPr lang="es-ES" dirty="0">
+                <a:latin typeface="Calibri"/>
+                <a:ea typeface="Calibri"/>
+                <a:cs typeface="Calibri"/>
+                <a:sym typeface="Calibri"/>
+              </a:rPr>
+              <a:t> Scout: “Siempre deja el lugar de acampada más limpio que como lo encontraste”.</a:t>
+            </a:r>
+          </a:p>
+        </p:txBody>
+      </p:sp>
+    </p:spTree>
+    <p:extLst>
+      <p:ext uri="{BB962C8B-B14F-4D97-AF65-F5344CB8AC3E}">
+        <p14:creationId xmlns:p14="http://schemas.microsoft.com/office/powerpoint/2010/main" val="2352976099"/>
+      </p:ext>
+    </p:extLst>
+  </p:cSld>
+  <p:clrMapOvr>
+    <a:masterClrMapping/>
+  </p:clrMapOvr>
+</p:sld>
+</file>
+
+<file path=ppt/slides/slide7.xml><?xml version="1.0" encoding="utf-8"?>
+<p:sld xmlns:a="http://schemas.openxmlformats.org/drawingml/2006/main" xmlns:r="http://schemas.openxmlformats.org/officeDocument/2006/relationships" xmlns:p="http://schemas.openxmlformats.org/presentationml/2006/main">
+  <p:cSld>
     <p:bg>
       <p:bgPr>
         <a:solidFill>
@@ -10899,7 +12202,7 @@
               <a:buSzPct val="25000"/>
             </a:pPr>
             <a:r>
-              <a:rPr lang="es" sz="6000" dirty="0" smtClean="0">
+              <a:rPr lang="es" sz="6000" dirty="0">
                 <a:solidFill>
                   <a:srgbClr val="002060"/>
                 </a:solidFill>
@@ -10909,7 +12212,7 @@
               <a:t>Kata: </a:t>
             </a:r>
             <a:r>
-              <a:rPr lang="en-US" sz="6000" dirty="0" smtClean="0">
+              <a:rPr lang="en-US" sz="6000" dirty="0">
                 <a:solidFill>
                   <a:srgbClr val="002060"/>
                 </a:solidFill>
@@ -10941,7 +12244,7 @@
 </p:sld>
 </file>
 
-<file path=ppt/slides/slide7.xml><?xml version="1.0" encoding="utf-8"?>
+<file path=ppt/slides/slide8.xml><?xml version="1.0" encoding="utf-8"?>
 <p:sld xmlns:a="http://schemas.openxmlformats.org/drawingml/2006/main" xmlns:r="http://schemas.openxmlformats.org/officeDocument/2006/relationships" xmlns:p="http://schemas.openxmlformats.org/presentationml/2006/main">
   <p:cSld>
     <p:spTree>
@@ -10992,7 +12295,7 @@
               </a:tabLst>
             </a:pPr>
             <a:r>
-              <a:rPr lang="es-ES" sz="2000" dirty="0" smtClean="0">
+              <a:rPr lang="es-ES" sz="2000" dirty="0">
                 <a:latin typeface="Times New Roman" panose="02020603050405020304" pitchFamily="18" charset="0"/>
                 <a:ea typeface="Calibri"/>
                 <a:cs typeface="Times New Roman" panose="02020603050405020304" pitchFamily="18" charset="0"/>
@@ -11011,7 +12314,7 @@
               </a:tabLst>
             </a:pPr>
             <a:r>
-              <a:rPr lang="es-ES" sz="2000" dirty="0" smtClean="0">
+              <a:rPr lang="es-ES" sz="2000" dirty="0">
                 <a:latin typeface="Times New Roman" panose="02020603050405020304" pitchFamily="18" charset="0"/>
                 <a:ea typeface="Calibri"/>
                 <a:cs typeface="Times New Roman" panose="02020603050405020304" pitchFamily="18" charset="0"/>
@@ -11030,7 +12333,7 @@
               </a:tabLst>
             </a:pPr>
             <a:r>
-              <a:rPr lang="es-ES" sz="2000" dirty="0" smtClean="0">
+              <a:rPr lang="es-ES" sz="2000" dirty="0">
                 <a:latin typeface="Times New Roman" panose="02020603050405020304" pitchFamily="18" charset="0"/>
                 <a:ea typeface="Calibri"/>
                 <a:cs typeface="Times New Roman" panose="02020603050405020304" pitchFamily="18" charset="0"/>
@@ -11106,7 +12409,7 @@
               <a:buSzPct val="25000"/>
             </a:pPr>
             <a:r>
-              <a:rPr lang="es" sz="4267" b="1" dirty="0" smtClean="0">
+              <a:rPr lang="es" sz="4267" b="1" dirty="0">
                 <a:solidFill>
                   <a:srgbClr val="00B0F0"/>
                 </a:solidFill>
@@ -11116,24 +12419,14 @@
               <a:t>Roman-Decimal </a:t>
             </a:r>
             <a:r>
-              <a:rPr lang="es" sz="2667" dirty="0" smtClean="0">
+              <a:rPr lang="es" sz="2667" dirty="0">
                 <a:solidFill>
                   <a:srgbClr val="00B0F0"/>
                 </a:solidFill>
                 <a:latin typeface="Times New Roman" panose="02020603050405020304" pitchFamily="18" charset="0"/>
                 <a:cs typeface="Times New Roman" panose="02020603050405020304" pitchFamily="18" charset="0"/>
               </a:rPr>
-              <a:t>(Enunciado</a:t>
-            </a:r>
-            <a:r>
-              <a:rPr lang="es" sz="2667" dirty="0">
-                <a:solidFill>
-                  <a:srgbClr val="00B0F0"/>
-                </a:solidFill>
-                <a:latin typeface="Times New Roman" panose="02020603050405020304" pitchFamily="18" charset="0"/>
-                <a:cs typeface="Times New Roman" panose="02020603050405020304" pitchFamily="18" charset="0"/>
-              </a:rPr>
-              <a:t>)</a:t>
+              <a:t>(Enunciado)</a:t>
             </a:r>
             <a:endParaRPr lang="es" sz="1600" dirty="0">
               <a:solidFill>
@@ -11195,7 +12488,7 @@
           <a:p>
             <a:pPr algn="r"/>
             <a:r>
-              <a:rPr lang="es-ES" sz="1100" dirty="0" err="1" smtClean="0">
+              <a:rPr lang="es-ES" sz="1100" dirty="0" err="1">
                 <a:latin typeface="Times New Roman" panose="02020603050405020304" pitchFamily="18" charset="0"/>
                 <a:cs typeface="Times New Roman" panose="02020603050405020304" pitchFamily="18" charset="0"/>
               </a:rPr>
@@ -11214,27 +12507,15 @@
                 <a:cs typeface="Times New Roman" panose="02020603050405020304" pitchFamily="18" charset="0"/>
                 <a:hlinkClick r:id="rId4"/>
               </a:rPr>
-              <a:t>https://</a:t>
-            </a:r>
-            <a:r>
-              <a:rPr lang="es-ES" sz="1100" dirty="0" smtClean="0">
+              <a:t>https://www.giters.com/millancore/php-study/issues/6</a:t>
+            </a:r>
+            <a:r>
+              <a:rPr lang="es-ES" sz="1100" dirty="0">
                 <a:latin typeface="Times New Roman" panose="02020603050405020304" pitchFamily="18" charset="0"/>
                 <a:cs typeface="Times New Roman" panose="02020603050405020304" pitchFamily="18" charset="0"/>
-                <a:hlinkClick r:id="rId4"/>
-              </a:rPr>
-              <a:t>www.giters.com/millancore/php-study/issues/6</a:t>
-            </a:r>
-            <a:r>
-              <a:rPr lang="es-ES" sz="1100" dirty="0" smtClean="0">
-                <a:latin typeface="Times New Roman" panose="02020603050405020304" pitchFamily="18" charset="0"/>
-                <a:cs typeface="Times New Roman" panose="02020603050405020304" pitchFamily="18" charset="0"/>
               </a:rPr>
               <a:t> </a:t>
             </a:r>
-            <a:endParaRPr lang="es-ES" sz="1100" dirty="0">
-              <a:latin typeface="Times New Roman" panose="02020603050405020304" pitchFamily="18" charset="0"/>
-              <a:cs typeface="Times New Roman" panose="02020603050405020304" pitchFamily="18" charset="0"/>
-            </a:endParaRPr>
           </a:p>
         </p:txBody>
       </p:sp>
@@ -11251,7 +12532,7 @@
 </p:sld>
 </file>
 
-<file path=ppt/slides/slide8.xml><?xml version="1.0" encoding="utf-8"?>
+<file path=ppt/slides/slide9.xml><?xml version="1.0" encoding="utf-8"?>
 <p:sld xmlns:a="http://schemas.openxmlformats.org/drawingml/2006/main" xmlns:r="http://schemas.openxmlformats.org/officeDocument/2006/relationships" xmlns:p="http://schemas.openxmlformats.org/presentationml/2006/main">
   <p:cSld>
     <p:spTree>
@@ -11308,16 +12589,7 @@
                 <a:cs typeface="Times New Roman" panose="02020603050405020304" pitchFamily="18" charset="0"/>
                 <a:sym typeface="Calibri"/>
               </a:rPr>
-              <a:t>En esta Kata se debería escribir una función para convertir de números romanos a números decimales. </a:t>
-            </a:r>
-            <a:r>
-              <a:rPr lang="es-ES_tradnl" sz="2000" dirty="0" smtClean="0">
-                <a:latin typeface="Times New Roman" panose="02020603050405020304" pitchFamily="18" charset="0"/>
-                <a:ea typeface="Calibri"/>
-                <a:cs typeface="Times New Roman" panose="02020603050405020304" pitchFamily="18" charset="0"/>
-                <a:sym typeface="Calibri"/>
-              </a:rPr>
-              <a:t>Por ejemplo:</a:t>
+              <a:t>En esta Kata se debería escribir una función para convertir de números romanos a números decimales. Por ejemplo:</a:t>
             </a:r>
           </a:p>
           <a:p>
@@ -11329,7 +12601,7 @@
                 <a:tab pos="480472" algn="l"/>
               </a:tabLst>
             </a:pPr>
-            <a:endParaRPr lang="es-ES_tradnl" sz="2000" dirty="0" smtClean="0">
+            <a:endParaRPr lang="es-ES_tradnl" sz="2000" dirty="0">
               <a:latin typeface="Times New Roman" panose="02020603050405020304" pitchFamily="18" charset="0"/>
               <a:ea typeface="Calibri"/>
               <a:cs typeface="Times New Roman" panose="02020603050405020304" pitchFamily="18" charset="0"/>
@@ -11345,7 +12617,7 @@
                 <a:tab pos="480472" algn="l"/>
               </a:tabLst>
             </a:pPr>
-            <a:endParaRPr lang="es-ES_tradnl" sz="2000" dirty="0" smtClean="0">
+            <a:endParaRPr lang="es-ES_tradnl" sz="2000" dirty="0">
               <a:latin typeface="Times New Roman" panose="02020603050405020304" pitchFamily="18" charset="0"/>
               <a:ea typeface="Calibri"/>
               <a:cs typeface="Times New Roman" panose="02020603050405020304" pitchFamily="18" charset="0"/>
@@ -11361,7 +12633,7 @@
                 <a:tab pos="480472" algn="l"/>
               </a:tabLst>
             </a:pPr>
-            <a:endParaRPr lang="es-ES_tradnl" sz="2000" dirty="0" smtClean="0">
+            <a:endParaRPr lang="es-ES_tradnl" sz="2000" dirty="0">
               <a:latin typeface="Times New Roman" panose="02020603050405020304" pitchFamily="18" charset="0"/>
               <a:ea typeface="Calibri"/>
               <a:cs typeface="Times New Roman" panose="02020603050405020304" pitchFamily="18" charset="0"/>
@@ -11377,7 +12649,7 @@
                 <a:tab pos="480472" algn="l"/>
               </a:tabLst>
             </a:pPr>
-            <a:endParaRPr lang="es-ES_tradnl" sz="2000" dirty="0" smtClean="0">
+            <a:endParaRPr lang="es-ES_tradnl" sz="2000" dirty="0">
               <a:latin typeface="Times New Roman" panose="02020603050405020304" pitchFamily="18" charset="0"/>
               <a:ea typeface="Calibri"/>
               <a:cs typeface="Times New Roman" panose="02020603050405020304" pitchFamily="18" charset="0"/>
@@ -11394,7 +12666,7 @@
               </a:tabLst>
             </a:pPr>
             <a:r>
-              <a:rPr lang="es-ES" sz="2000" dirty="0" smtClean="0">
+              <a:rPr lang="es-ES" sz="2000" dirty="0">
                 <a:latin typeface="Times New Roman" panose="02020603050405020304" pitchFamily="18" charset="0"/>
                 <a:ea typeface="Calibri"/>
                 <a:cs typeface="Times New Roman" panose="02020603050405020304" pitchFamily="18" charset="0"/>
@@ -11413,7 +12685,7 @@
               </a:tabLst>
             </a:pPr>
             <a:r>
-              <a:rPr lang="es-ES" sz="2000" dirty="0" smtClean="0">
+              <a:rPr lang="es-ES" sz="2000" dirty="0">
                 <a:latin typeface="Times New Roman" panose="02020603050405020304" pitchFamily="18" charset="0"/>
                 <a:ea typeface="Calibri"/>
                 <a:cs typeface="Times New Roman" panose="02020603050405020304" pitchFamily="18" charset="0"/>
@@ -11432,7 +12704,7 @@
               </a:tabLst>
             </a:pPr>
             <a:r>
-              <a:rPr lang="es-ES" sz="2000" dirty="0" smtClean="0">
+              <a:rPr lang="es-ES" sz="2000" dirty="0">
                 <a:latin typeface="Times New Roman" panose="02020603050405020304" pitchFamily="18" charset="0"/>
                 <a:ea typeface="Calibri"/>
                 <a:cs typeface="Times New Roman" panose="02020603050405020304" pitchFamily="18" charset="0"/>
@@ -11451,7 +12723,7 @@
               </a:tabLst>
             </a:pPr>
             <a:r>
-              <a:rPr lang="es-ES" sz="2000" dirty="0" smtClean="0">
+              <a:rPr lang="es-ES" sz="2000" dirty="0">
                 <a:latin typeface="Times New Roman" panose="02020603050405020304" pitchFamily="18" charset="0"/>
                 <a:ea typeface="Calibri"/>
                 <a:cs typeface="Times New Roman" panose="02020603050405020304" pitchFamily="18" charset="0"/>
@@ -11460,7 +12732,7 @@
               <a:t>	En los números romanos 1990 se representa como: 1000=M, 900=CM, 90=XC </a:t>
             </a:r>
             <a:r>
-              <a:rPr lang="es-ES" sz="2000" dirty="0" smtClean="0">
+              <a:rPr lang="es-ES" sz="2000" dirty="0">
                 <a:latin typeface="Times New Roman" panose="02020603050405020304" pitchFamily="18" charset="0"/>
                 <a:ea typeface="Calibri"/>
                 <a:cs typeface="Times New Roman" panose="02020603050405020304" pitchFamily="18" charset="0"/>
@@ -11469,7 +12741,7 @@
               <a:t></a:t>
             </a:r>
             <a:r>
-              <a:rPr lang="es-ES" sz="2000" dirty="0" smtClean="0">
+              <a:rPr lang="es-ES" sz="2000" dirty="0">
                 <a:latin typeface="Times New Roman" panose="02020603050405020304" pitchFamily="18" charset="0"/>
                 <a:ea typeface="Calibri"/>
                 <a:cs typeface="Times New Roman" panose="02020603050405020304" pitchFamily="18" charset="0"/>
@@ -11488,7 +12760,7 @@
               </a:tabLst>
             </a:pPr>
             <a:r>
-              <a:rPr lang="es-ES" sz="2000" dirty="0" smtClean="0">
+              <a:rPr lang="es-ES" sz="2000" dirty="0">
                 <a:latin typeface="Times New Roman" panose="02020603050405020304" pitchFamily="18" charset="0"/>
                 <a:ea typeface="Calibri"/>
                 <a:cs typeface="Times New Roman" panose="02020603050405020304" pitchFamily="18" charset="0"/>
@@ -11497,7 +12769,7 @@
               <a:t>	En los números romanos 2008 se representa como: 2000=MM, 8=VIII </a:t>
             </a:r>
             <a:r>
-              <a:rPr lang="es-ES" sz="2000" dirty="0" smtClean="0">
+              <a:rPr lang="es-ES" sz="2000" dirty="0">
                 <a:latin typeface="Times New Roman" panose="02020603050405020304" pitchFamily="18" charset="0"/>
                 <a:ea typeface="Calibri"/>
                 <a:cs typeface="Times New Roman" panose="02020603050405020304" pitchFamily="18" charset="0"/>
@@ -11506,7 +12778,7 @@
               <a:t></a:t>
             </a:r>
             <a:r>
-              <a:rPr lang="es-ES" sz="2000" dirty="0" smtClean="0">
+              <a:rPr lang="es-ES" sz="2000" dirty="0">
                 <a:latin typeface="Times New Roman" panose="02020603050405020304" pitchFamily="18" charset="0"/>
                 <a:ea typeface="Calibri"/>
                 <a:cs typeface="Times New Roman" panose="02020603050405020304" pitchFamily="18" charset="0"/>
@@ -11572,7 +12844,7 @@
               <a:buSzPct val="25000"/>
             </a:pPr>
             <a:r>
-              <a:rPr lang="es" sz="4267" b="1" dirty="0" smtClean="0">
+              <a:rPr lang="es" sz="4267" b="1" dirty="0">
                 <a:solidFill>
                   <a:srgbClr val="00B0F0"/>
                 </a:solidFill>
@@ -11582,24 +12854,14 @@
               <a:t>Roman-Decimal </a:t>
             </a:r>
             <a:r>
-              <a:rPr lang="es" sz="2667" dirty="0" smtClean="0">
+              <a:rPr lang="es" sz="2667" dirty="0">
                 <a:solidFill>
                   <a:srgbClr val="00B0F0"/>
                 </a:solidFill>
                 <a:latin typeface="Times New Roman" panose="02020603050405020304" pitchFamily="18" charset="0"/>
                 <a:cs typeface="Times New Roman" panose="02020603050405020304" pitchFamily="18" charset="0"/>
               </a:rPr>
-              <a:t>(Enunciado</a:t>
-            </a:r>
-            <a:r>
-              <a:rPr lang="es" sz="2667" dirty="0">
-                <a:solidFill>
-                  <a:srgbClr val="00B0F0"/>
-                </a:solidFill>
-                <a:latin typeface="Times New Roman" panose="02020603050405020304" pitchFamily="18" charset="0"/>
-                <a:cs typeface="Times New Roman" panose="02020603050405020304" pitchFamily="18" charset="0"/>
-              </a:rPr>
-              <a:t>)</a:t>
+              <a:t>(Enunciado)</a:t>
             </a:r>
             <a:endParaRPr lang="es" sz="1600" dirty="0">
               <a:solidFill>
@@ -11656,7 +12918,7 @@
               </a:tabLst>
             </a:pPr>
             <a:r>
-              <a:rPr lang="es-ES_tradnl" sz="1600" dirty="0" smtClean="0">
+              <a:rPr lang="es-ES_tradnl" sz="1600" dirty="0">
                 <a:latin typeface="Times New Roman" pitchFamily="18" charset="0"/>
                 <a:ea typeface="Calibri"/>
                 <a:cs typeface="Times New Roman" pitchFamily="18" charset="0"/>
@@ -11665,7 +12927,7 @@
               <a:t>1 </a:t>
             </a:r>
             <a:r>
-              <a:rPr lang="es-ES_tradnl" sz="1600" dirty="0" smtClean="0">
+              <a:rPr lang="es-ES_tradnl" sz="1600" dirty="0">
                 <a:latin typeface="Times New Roman" pitchFamily="18" charset="0"/>
                 <a:ea typeface="Calibri"/>
                 <a:cs typeface="Times New Roman" pitchFamily="18" charset="0"/>
@@ -11684,7 +12946,7 @@
               </a:tabLst>
             </a:pPr>
             <a:r>
-              <a:rPr lang="es-ES_tradnl" sz="1600" dirty="0" smtClean="0">
+              <a:rPr lang="es-ES_tradnl" sz="1600" dirty="0">
                 <a:latin typeface="Times New Roman" pitchFamily="18" charset="0"/>
                 <a:ea typeface="Calibri"/>
                 <a:cs typeface="Times New Roman" pitchFamily="18" charset="0"/>
@@ -11703,7 +12965,7 @@
               </a:tabLst>
             </a:pPr>
             <a:r>
-              <a:rPr lang="es-ES_tradnl" sz="1600" dirty="0" smtClean="0">
+              <a:rPr lang="es-ES_tradnl" sz="1600" dirty="0">
                 <a:latin typeface="Times New Roman" pitchFamily="18" charset="0"/>
                 <a:ea typeface="Calibri"/>
                 <a:cs typeface="Times New Roman" pitchFamily="18" charset="0"/>
@@ -11722,7 +12984,7 @@
               </a:tabLst>
             </a:pPr>
             <a:r>
-              <a:rPr lang="es-ES_tradnl" sz="1600" dirty="0" smtClean="0">
+              <a:rPr lang="es-ES_tradnl" sz="1600" dirty="0">
                 <a:latin typeface="Times New Roman" pitchFamily="18" charset="0"/>
                 <a:ea typeface="Calibri"/>
                 <a:cs typeface="Times New Roman" pitchFamily="18" charset="0"/>
@@ -11782,7 +13044,7 @@
               </a:tabLst>
             </a:pPr>
             <a:r>
-              <a:rPr lang="es-ES_tradnl" sz="1600" dirty="0" smtClean="0">
+              <a:rPr lang="es-ES_tradnl" sz="1600" dirty="0">
                 <a:latin typeface="Times New Roman" pitchFamily="18" charset="0"/>
                 <a:ea typeface="Calibri"/>
                 <a:cs typeface="Times New Roman" pitchFamily="18" charset="0"/>
@@ -11791,29 +13053,14 @@
               <a:t>I </a:t>
             </a:r>
             <a:r>
-              <a:rPr lang="es-ES_tradnl" sz="1600" dirty="0" smtClean="0">
+              <a:rPr lang="es-ES_tradnl" sz="1600" dirty="0">
                 <a:latin typeface="Times New Roman" pitchFamily="18" charset="0"/>
                 <a:ea typeface="Calibri"/>
                 <a:cs typeface="Times New Roman" pitchFamily="18" charset="0"/>
                 <a:sym typeface="Wingdings" pitchFamily="2" charset="2"/>
               </a:rPr>
-              <a:t> </a:t>
-            </a:r>
-            <a:r>
-              <a:rPr lang="es-ES_tradnl" sz="1600" dirty="0" smtClean="0">
-                <a:latin typeface="Times New Roman" pitchFamily="18" charset="0"/>
-                <a:ea typeface="Calibri"/>
-                <a:cs typeface="Times New Roman" pitchFamily="18" charset="0"/>
-                <a:sym typeface="Wingdings" pitchFamily="2" charset="2"/>
-              </a:rPr>
-              <a:t>1</a:t>
-            </a:r>
-            <a:endParaRPr lang="es-ES_tradnl" sz="1600" dirty="0" smtClean="0">
-              <a:latin typeface="Times New Roman" pitchFamily="18" charset="0"/>
-              <a:ea typeface="Calibri"/>
-              <a:cs typeface="Times New Roman" pitchFamily="18" charset="0"/>
-              <a:sym typeface="Wingdings" pitchFamily="2" charset="2"/>
-            </a:endParaRPr>
+              <a:t> 1</a:t>
+            </a:r>
           </a:p>
           <a:p>
             <a:pPr>
@@ -11825,38 +13072,14 @@
               </a:tabLst>
             </a:pPr>
             <a:r>
-              <a:rPr lang="es-ES_tradnl" sz="1600" dirty="0" smtClean="0">
+              <a:rPr lang="es-ES_tradnl" sz="1600" dirty="0">
                 <a:latin typeface="Times New Roman" pitchFamily="18" charset="0"/>
                 <a:ea typeface="Calibri"/>
                 <a:cs typeface="Times New Roman" pitchFamily="18" charset="0"/>
                 <a:sym typeface="Wingdings" pitchFamily="2" charset="2"/>
               </a:rPr>
-              <a:t>VII </a:t>
-            </a:r>
-            <a:r>
-              <a:rPr lang="es-ES_tradnl" sz="1600" dirty="0" smtClean="0">
-                <a:latin typeface="Times New Roman" pitchFamily="18" charset="0"/>
-                <a:ea typeface="Calibri"/>
-                <a:cs typeface="Times New Roman" pitchFamily="18" charset="0"/>
-                <a:sym typeface="Wingdings" pitchFamily="2" charset="2"/>
-              </a:rPr>
-              <a:t> </a:t>
-            </a:r>
-            <a:r>
-              <a:rPr lang="es-ES_tradnl" sz="1600" dirty="0">
-                <a:latin typeface="Times New Roman" pitchFamily="18" charset="0"/>
-                <a:ea typeface="Calibri"/>
-                <a:cs typeface="Times New Roman" pitchFamily="18" charset="0"/>
-                <a:sym typeface="Wingdings" pitchFamily="2" charset="2"/>
-              </a:rPr>
-              <a:t>7</a:t>
-            </a:r>
-            <a:endParaRPr lang="es-ES_tradnl" sz="1600" dirty="0" smtClean="0">
-              <a:latin typeface="Times New Roman" pitchFamily="18" charset="0"/>
-              <a:ea typeface="Calibri"/>
-              <a:cs typeface="Times New Roman" pitchFamily="18" charset="0"/>
-              <a:sym typeface="Wingdings" pitchFamily="2" charset="2"/>
-            </a:endParaRPr>
+              <a:t>VII  7</a:t>
+            </a:r>
           </a:p>
           <a:p>
             <a:pPr>
@@ -11868,38 +13091,14 @@
               </a:tabLst>
             </a:pPr>
             <a:r>
-              <a:rPr lang="es-ES_tradnl" sz="1600" dirty="0" smtClean="0">
+              <a:rPr lang="es-ES_tradnl" sz="1600" dirty="0">
                 <a:latin typeface="Times New Roman" pitchFamily="18" charset="0"/>
                 <a:ea typeface="Calibri"/>
                 <a:cs typeface="Times New Roman" pitchFamily="18" charset="0"/>
                 <a:sym typeface="Wingdings" pitchFamily="2" charset="2"/>
               </a:rPr>
-              <a:t>X </a:t>
-            </a:r>
-            <a:r>
-              <a:rPr lang="es-ES_tradnl" sz="1600" dirty="0" smtClean="0">
-                <a:latin typeface="Times New Roman" pitchFamily="18" charset="0"/>
-                <a:ea typeface="Calibri"/>
-                <a:cs typeface="Times New Roman" pitchFamily="18" charset="0"/>
-                <a:sym typeface="Wingdings" pitchFamily="2" charset="2"/>
-              </a:rPr>
-              <a:t> </a:t>
-            </a:r>
-            <a:r>
-              <a:rPr lang="es-ES_tradnl" sz="1600" dirty="0" smtClean="0">
-                <a:latin typeface="Times New Roman" pitchFamily="18" charset="0"/>
-                <a:ea typeface="Calibri"/>
-                <a:cs typeface="Times New Roman" pitchFamily="18" charset="0"/>
-                <a:sym typeface="Wingdings" pitchFamily="2" charset="2"/>
-              </a:rPr>
-              <a:t>10</a:t>
-            </a:r>
-            <a:endParaRPr lang="es-ES_tradnl" sz="1600" dirty="0" smtClean="0">
-              <a:latin typeface="Times New Roman" pitchFamily="18" charset="0"/>
-              <a:ea typeface="Calibri"/>
-              <a:cs typeface="Times New Roman" pitchFamily="18" charset="0"/>
-              <a:sym typeface="Wingdings" pitchFamily="2" charset="2"/>
-            </a:endParaRPr>
+              <a:t>X  10</a:t>
+            </a:r>
           </a:p>
           <a:p>
             <a:pPr>
@@ -11917,16 +13116,7 @@
                 <a:cs typeface="Times New Roman" pitchFamily="18" charset="0"/>
                 <a:sym typeface="Wingdings" pitchFamily="2" charset="2"/>
               </a:rPr>
-              <a:t>XIV  </a:t>
-            </a:r>
-            <a:r>
-              <a:rPr lang="es-ES_tradnl" sz="1600" dirty="0" smtClean="0">
-                <a:latin typeface="Times New Roman" pitchFamily="18" charset="0"/>
-                <a:ea typeface="Calibri"/>
-                <a:cs typeface="Times New Roman" pitchFamily="18" charset="0"/>
-                <a:sym typeface="Wingdings" pitchFamily="2" charset="2"/>
-              </a:rPr>
-              <a:t>14</a:t>
+              <a:t>XIV  14</a:t>
             </a:r>
             <a:endParaRPr lang="es-ES" sz="1600" dirty="0">
               <a:latin typeface="Times New Roman" pitchFamily="18" charset="0"/>
@@ -11941,642 +13131,6 @@
         <p14:creationId xmlns:p14="http://schemas.microsoft.com/office/powerpoint/2010/main" val="4030544715"/>
       </p:ext>
     </p:extLst>
-  </p:cSld>
-  <p:clrMapOvr>
-    <a:masterClrMapping/>
-  </p:clrMapOvr>
-</p:sld>
-</file>
-
-<file path=ppt/slides/slide9.xml><?xml version="1.0" encoding="utf-8"?>
-<p:sld xmlns:a="http://schemas.openxmlformats.org/drawingml/2006/main" xmlns:r="http://schemas.openxmlformats.org/officeDocument/2006/relationships" xmlns:p="http://schemas.openxmlformats.org/presentationml/2006/main">
-  <p:cSld>
-    <p:spTree>
-      <p:nvGrpSpPr>
-        <p:cNvPr id="1" name="Shape 194"/>
-        <p:cNvGrpSpPr/>
-        <p:nvPr/>
-      </p:nvGrpSpPr>
-      <p:grpSpPr>
-        <a:xfrm>
-          <a:off x="0" y="0"/>
-          <a:ext cx="0" cy="0"/>
-          <a:chOff x="0" y="0"/>
-          <a:chExt cx="0" cy="0"/>
-        </a:xfrm>
-      </p:grpSpPr>
-      <p:sp>
-        <p:nvSpPr>
-          <p:cNvPr id="195" name="Shape 195"/>
-          <p:cNvSpPr txBox="1">
-            <a:spLocks noGrp="1"/>
-          </p:cNvSpPr>
-          <p:nvPr>
-            <p:ph type="title"/>
-          </p:nvPr>
-        </p:nvSpPr>
-        <p:spPr>
-          <a:xfrm>
-            <a:off x="609600" y="274635"/>
-            <a:ext cx="10972800" cy="686800"/>
-          </a:xfrm>
-          <a:prstGeom prst="rect">
-            <a:avLst/>
-          </a:prstGeom>
-          <a:noFill/>
-          <a:ln>
-            <a:noFill/>
-          </a:ln>
-        </p:spPr>
-        <p:txBody>
-          <a:bodyPr vert="horz" lIns="121900" tIns="60933" rIns="121900" bIns="60933" rtlCol="0" anchor="ctr" anchorCtr="0">
-            <a:noAutofit/>
-          </a:bodyPr>
-          <a:lstStyle/>
-          <a:p>
-            <a:pPr lvl="0" algn="l">
-              <a:buSzPct val="25000"/>
-            </a:pPr>
-            <a:r>
-              <a:rPr lang="es" sz="4267" b="1" dirty="0" smtClean="0">
-                <a:solidFill>
-                  <a:srgbClr val="00B0F0"/>
-                </a:solidFill>
-                <a:latin typeface="Times New Roman" panose="02020603050405020304" pitchFamily="18" charset="0"/>
-                <a:cs typeface="Times New Roman" panose="02020603050405020304" pitchFamily="18" charset="0"/>
-              </a:rPr>
-              <a:t>Roman-Decimal </a:t>
-            </a:r>
-            <a:r>
-              <a:rPr lang="es" sz="2667" dirty="0" smtClean="0">
-                <a:solidFill>
-                  <a:srgbClr val="00B0F0"/>
-                </a:solidFill>
-                <a:latin typeface="Times New Roman" panose="02020603050405020304" pitchFamily="18" charset="0"/>
-                <a:cs typeface="Times New Roman" panose="02020603050405020304" pitchFamily="18" charset="0"/>
-              </a:rPr>
-              <a:t>(Reglas)</a:t>
-            </a:r>
-            <a:endParaRPr lang="es" sz="1600" dirty="0">
-              <a:solidFill>
-                <a:srgbClr val="00B0F0"/>
-              </a:solidFill>
-              <a:latin typeface="Times New Roman" panose="02020603050405020304" pitchFamily="18" charset="0"/>
-              <a:cs typeface="Times New Roman" panose="02020603050405020304" pitchFamily="18" charset="0"/>
-            </a:endParaRPr>
-          </a:p>
-        </p:txBody>
-      </p:sp>
-      <p:sp>
-        <p:nvSpPr>
-          <p:cNvPr id="196" name="Shape 196"/>
-          <p:cNvSpPr txBox="1"/>
-          <p:nvPr/>
-        </p:nvSpPr>
-        <p:spPr>
-          <a:xfrm>
-            <a:off x="6121305" y="1124744"/>
-            <a:ext cx="5760640" cy="5040560"/>
-          </a:xfrm>
-          <a:prstGeom prst="rect">
-            <a:avLst/>
-          </a:prstGeom>
-          <a:noFill/>
-          <a:ln>
-            <a:noFill/>
-          </a:ln>
-        </p:spPr>
-        <p:txBody>
-          <a:bodyPr lIns="121900" tIns="60933" rIns="121900" bIns="60933" anchor="t" anchorCtr="0">
-            <a:noAutofit/>
-          </a:bodyPr>
-          <a:lstStyle/>
-          <a:p>
-            <a:pPr algn="just">
-              <a:spcBef>
-                <a:spcPts val="533"/>
-              </a:spcBef>
-              <a:tabLst>
-                <a:tab pos="480472" algn="l"/>
-              </a:tabLst>
-            </a:pPr>
-            <a:endParaRPr lang="es-ES" sz="1600" dirty="0" smtClean="0">
-              <a:latin typeface="Calibri" panose="020F0502020204030204" pitchFamily="34" charset="0"/>
-              <a:ea typeface="Calibri"/>
-              <a:cs typeface="Calibri" panose="020F0502020204030204" pitchFamily="34" charset="0"/>
-              <a:sym typeface="Calibri"/>
-            </a:endParaRPr>
-          </a:p>
-          <a:p>
-            <a:pPr marL="342900" lvl="0" indent="-342900" algn="just">
-              <a:lnSpc>
-                <a:spcPct val="107000"/>
-              </a:lnSpc>
-              <a:spcAft>
-                <a:spcPts val="800"/>
-              </a:spcAft>
-              <a:buSzPts val="1000"/>
-              <a:buFont typeface="Symbol" panose="05050102010706020507" pitchFamily="18" charset="2"/>
-              <a:buChar char=""/>
-              <a:tabLst>
-                <a:tab pos="457200" algn="l"/>
-              </a:tabLst>
-            </a:pPr>
-            <a:r>
-              <a:rPr lang="es-ES" sz="1600" dirty="0">
-                <a:latin typeface="Times New Roman" panose="02020603050405020304" pitchFamily="18" charset="0"/>
-                <a:ea typeface="Calibri" panose="020F0502020204030204" pitchFamily="34" charset="0"/>
-                <a:cs typeface="Times New Roman" panose="02020603050405020304" pitchFamily="18" charset="0"/>
-              </a:rPr>
-              <a:t>Los números romanos siempre se escriben y leen de izquierda a </a:t>
-            </a:r>
-            <a:r>
-              <a:rPr lang="es-ES" sz="1600" dirty="0" smtClean="0">
-                <a:latin typeface="Times New Roman" panose="02020603050405020304" pitchFamily="18" charset="0"/>
-                <a:ea typeface="Calibri" panose="020F0502020204030204" pitchFamily="34" charset="0"/>
-                <a:cs typeface="Times New Roman" panose="02020603050405020304" pitchFamily="18" charset="0"/>
-              </a:rPr>
-              <a:t>derecha, es decir, empezando por los números de mayor valor.</a:t>
-            </a:r>
-          </a:p>
-          <a:p>
-            <a:pPr marL="342900" lvl="0" indent="-342900" algn="just">
-              <a:lnSpc>
-                <a:spcPct val="107000"/>
-              </a:lnSpc>
-              <a:spcAft>
-                <a:spcPts val="800"/>
-              </a:spcAft>
-              <a:buSzPts val="1000"/>
-              <a:buFont typeface="Symbol" panose="05050102010706020507" pitchFamily="18" charset="2"/>
-              <a:buChar char=""/>
-              <a:tabLst>
-                <a:tab pos="457200" algn="l"/>
-              </a:tabLst>
-            </a:pPr>
-            <a:r>
-              <a:rPr lang="es-ES" sz="1600" dirty="0" smtClean="0">
-                <a:latin typeface="Times New Roman" panose="02020603050405020304" pitchFamily="18" charset="0"/>
-                <a:ea typeface="Calibri" panose="020F0502020204030204" pitchFamily="34" charset="0"/>
-                <a:cs typeface="Times New Roman" panose="02020603050405020304" pitchFamily="18" charset="0"/>
-              </a:rPr>
-              <a:t>Los números seguidos de otro de valor igual o menor se suman siempre, como, por ejemplo, XXII que sería 10 + 10 + 1 + 1= 22.</a:t>
-            </a:r>
-          </a:p>
-          <a:p>
-            <a:pPr marL="342900" lvl="0" indent="-342900" algn="just">
-              <a:lnSpc>
-                <a:spcPct val="107000"/>
-              </a:lnSpc>
-              <a:spcAft>
-                <a:spcPts val="800"/>
-              </a:spcAft>
-              <a:buSzPts val="1000"/>
-              <a:buFont typeface="Symbol" panose="05050102010706020507" pitchFamily="18" charset="2"/>
-              <a:buChar char=""/>
-              <a:tabLst>
-                <a:tab pos="457200" algn="l"/>
-              </a:tabLst>
-            </a:pPr>
-            <a:r>
-              <a:rPr lang="es-ES" sz="1600" dirty="0" smtClean="0">
-                <a:latin typeface="Times New Roman" panose="02020603050405020304" pitchFamily="18" charset="0"/>
-                <a:ea typeface="Calibri" panose="020F0502020204030204" pitchFamily="34" charset="0"/>
-                <a:cs typeface="Times New Roman" panose="02020603050405020304" pitchFamily="18" charset="0"/>
-              </a:rPr>
-              <a:t>Los números seguidos de otro de mayor valor se restan siempre, como, por ejemplo, XIX que sería 10 + (1 – 10) = 19.</a:t>
-            </a:r>
-          </a:p>
-          <a:p>
-            <a:pPr marL="342900" lvl="0" indent="-342900" algn="just">
-              <a:lnSpc>
-                <a:spcPct val="107000"/>
-              </a:lnSpc>
-              <a:spcAft>
-                <a:spcPts val="800"/>
-              </a:spcAft>
-              <a:buSzPts val="1000"/>
-              <a:buFont typeface="Symbol" panose="05050102010706020507" pitchFamily="18" charset="2"/>
-              <a:buChar char=""/>
-              <a:tabLst>
-                <a:tab pos="457200" algn="l"/>
-              </a:tabLst>
-            </a:pPr>
-            <a:r>
-              <a:rPr lang="es-ES" sz="1600" dirty="0" smtClean="0">
-                <a:latin typeface="Times New Roman" panose="02020603050405020304" pitchFamily="18" charset="0"/>
-                <a:ea typeface="Calibri" panose="020F0502020204030204" pitchFamily="34" charset="0"/>
-                <a:cs typeface="Times New Roman" panose="02020603050405020304" pitchFamily="18" charset="0"/>
-              </a:rPr>
-              <a:t>El </a:t>
-            </a:r>
-            <a:r>
-              <a:rPr lang="es-ES" sz="1600" dirty="0">
-                <a:latin typeface="Times New Roman" panose="02020603050405020304" pitchFamily="18" charset="0"/>
-                <a:ea typeface="Calibri" panose="020F0502020204030204" pitchFamily="34" charset="0"/>
-                <a:cs typeface="Times New Roman" panose="02020603050405020304" pitchFamily="18" charset="0"/>
-              </a:rPr>
-              <a:t>número I y sus múltiplos X y C, pueden colocarse delante de un número mayor para restar valor, pero sin repetirse. Además, solo pueden restar valor a números inmediatamente superior, pero no a valores mucho más elevados. Es decir, I solo puede restar a V y X, C a L y C, y C a D y M.</a:t>
-            </a:r>
-          </a:p>
-          <a:p>
-            <a:pPr marL="342900" lvl="0" indent="-342900" algn="just">
-              <a:lnSpc>
-                <a:spcPct val="107000"/>
-              </a:lnSpc>
-              <a:spcAft>
-                <a:spcPts val="800"/>
-              </a:spcAft>
-              <a:buSzPts val="1000"/>
-              <a:buFont typeface="Symbol" panose="05050102010706020507" pitchFamily="18" charset="2"/>
-              <a:buChar char=""/>
-              <a:tabLst>
-                <a:tab pos="457200" algn="l"/>
-              </a:tabLst>
-            </a:pPr>
-            <a:r>
-              <a:rPr lang="es-ES" sz="1600" dirty="0">
-                <a:latin typeface="Times New Roman" panose="02020603050405020304" pitchFamily="18" charset="0"/>
-                <a:ea typeface="Calibri" panose="020F0502020204030204" pitchFamily="34" charset="0"/>
-                <a:cs typeface="Times New Roman" panose="02020603050405020304" pitchFamily="18" charset="0"/>
-              </a:rPr>
-              <a:t>El número V y sus múltiplos V y D no se pueden usar para restar en ningún caso. Por ejemplo, el número cuarenta y cinco se escribe XLV y no VL.</a:t>
-            </a:r>
-          </a:p>
-          <a:p>
-            <a:pPr lvl="0" algn="just">
-              <a:lnSpc>
-                <a:spcPct val="107000"/>
-              </a:lnSpc>
-              <a:spcAft>
-                <a:spcPts val="800"/>
-              </a:spcAft>
-              <a:buSzPts val="1000"/>
-              <a:tabLst>
-                <a:tab pos="457200" algn="l"/>
-              </a:tabLst>
-            </a:pPr>
-            <a:endParaRPr lang="es-ES" sz="1600" dirty="0" smtClean="0">
-              <a:latin typeface="Calibri" panose="020F0502020204030204" pitchFamily="34" charset="0"/>
-              <a:ea typeface="Calibri" panose="020F0502020204030204" pitchFamily="34" charset="0"/>
-              <a:cs typeface="Times New Roman" panose="02020603050405020304" pitchFamily="18" charset="0"/>
-            </a:endParaRPr>
-          </a:p>
-          <a:p>
-            <a:pPr marL="342900" lvl="0" indent="-342900" algn="just">
-              <a:lnSpc>
-                <a:spcPct val="107000"/>
-              </a:lnSpc>
-              <a:spcAft>
-                <a:spcPts val="800"/>
-              </a:spcAft>
-              <a:buSzPts val="1000"/>
-              <a:buFont typeface="Symbol" panose="05050102010706020507" pitchFamily="18" charset="2"/>
-              <a:buChar char=""/>
-              <a:tabLst>
-                <a:tab pos="457200" algn="l"/>
-              </a:tabLst>
-            </a:pPr>
-            <a:endParaRPr lang="es-ES" sz="1200" dirty="0" smtClean="0">
-              <a:latin typeface="Calibri" panose="020F0502020204030204" pitchFamily="34" charset="0"/>
-              <a:ea typeface="Calibri" panose="020F0502020204030204" pitchFamily="34" charset="0"/>
-              <a:cs typeface="Calibri" panose="020F0502020204030204" pitchFamily="34" charset="0"/>
-            </a:endParaRPr>
-          </a:p>
-          <a:p>
-            <a:pPr lvl="0" algn="just">
-              <a:lnSpc>
-                <a:spcPct val="107000"/>
-              </a:lnSpc>
-              <a:spcAft>
-                <a:spcPts val="800"/>
-              </a:spcAft>
-              <a:buSzPts val="1000"/>
-              <a:tabLst>
-                <a:tab pos="457200" algn="l"/>
-              </a:tabLst>
-            </a:pPr>
-            <a:endParaRPr lang="es-ES" sz="1600" dirty="0" smtClean="0">
-              <a:latin typeface="Calibri" panose="020F0502020204030204" pitchFamily="34" charset="0"/>
-              <a:ea typeface="Calibri" panose="020F0502020204030204" pitchFamily="34" charset="0"/>
-              <a:cs typeface="Calibri" panose="020F0502020204030204" pitchFamily="34" charset="0"/>
-            </a:endParaRPr>
-          </a:p>
-          <a:p>
-            <a:pPr algn="just">
-              <a:spcBef>
-                <a:spcPts val="533"/>
-              </a:spcBef>
-              <a:tabLst>
-                <a:tab pos="480472" algn="l"/>
-              </a:tabLst>
-            </a:pPr>
-            <a:endParaRPr lang="es-ES" sz="1200" dirty="0" smtClean="0">
-              <a:latin typeface="Calibri"/>
-              <a:ea typeface="Calibri"/>
-              <a:cs typeface="Calibri"/>
-              <a:sym typeface="Calibri"/>
-            </a:endParaRPr>
-          </a:p>
-        </p:txBody>
-      </p:sp>
-      <p:sp>
-        <p:nvSpPr>
-          <p:cNvPr id="3" name="TextBox 2"/>
-          <p:cNvSpPr txBox="1"/>
-          <p:nvPr/>
-        </p:nvSpPr>
-        <p:spPr>
-          <a:xfrm>
-            <a:off x="4295800" y="1336700"/>
-            <a:ext cx="2088232" cy="4616648"/>
-          </a:xfrm>
-          <a:prstGeom prst="rect">
-            <a:avLst/>
-          </a:prstGeom>
-          <a:noFill/>
-        </p:spPr>
-        <p:txBody>
-          <a:bodyPr wrap="square" rtlCol="0">
-            <a:spAutoFit/>
-          </a:bodyPr>
-          <a:lstStyle/>
-          <a:p>
-            <a:pPr>
-              <a:lnSpc>
-                <a:spcPct val="150000"/>
-              </a:lnSpc>
-            </a:pPr>
-            <a:r>
-              <a:rPr lang="es-ES" sz="2800" b="1" dirty="0" smtClean="0">
-                <a:solidFill>
-                  <a:schemeClr val="accent4">
-                    <a:lumMod val="75000"/>
-                  </a:schemeClr>
-                </a:solidFill>
-                <a:latin typeface="Times New Roman" panose="02020603050405020304" pitchFamily="18" charset="0"/>
-                <a:cs typeface="Times New Roman" panose="02020603050405020304" pitchFamily="18" charset="0"/>
-              </a:rPr>
-              <a:t>I</a:t>
-            </a:r>
-            <a:r>
-              <a:rPr lang="es-ES" sz="2800" b="1" dirty="0" smtClean="0">
-                <a:latin typeface="Times New Roman" panose="02020603050405020304" pitchFamily="18" charset="0"/>
-                <a:cs typeface="Times New Roman" panose="02020603050405020304" pitchFamily="18" charset="0"/>
-              </a:rPr>
-              <a:t> </a:t>
-            </a:r>
-            <a:r>
-              <a:rPr lang="es-ES" sz="2800" dirty="0" smtClean="0">
-                <a:latin typeface="Times New Roman" panose="02020603050405020304" pitchFamily="18" charset="0"/>
-                <a:cs typeface="Times New Roman" panose="02020603050405020304" pitchFamily="18" charset="0"/>
-              </a:rPr>
-              <a:t>=</a:t>
-            </a:r>
-            <a:r>
-              <a:rPr lang="es-ES" sz="2800" b="1" dirty="0" smtClean="0">
-                <a:latin typeface="Times New Roman" panose="02020603050405020304" pitchFamily="18" charset="0"/>
-                <a:cs typeface="Times New Roman" panose="02020603050405020304" pitchFamily="18" charset="0"/>
-              </a:rPr>
-              <a:t> </a:t>
-            </a:r>
-            <a:r>
-              <a:rPr lang="es-ES" sz="2800" dirty="0" smtClean="0">
-                <a:latin typeface="Times New Roman" panose="02020603050405020304" pitchFamily="18" charset="0"/>
-                <a:cs typeface="Times New Roman" panose="02020603050405020304" pitchFamily="18" charset="0"/>
-              </a:rPr>
-              <a:t>1</a:t>
-            </a:r>
-          </a:p>
-          <a:p>
-            <a:pPr>
-              <a:lnSpc>
-                <a:spcPct val="150000"/>
-              </a:lnSpc>
-            </a:pPr>
-            <a:r>
-              <a:rPr lang="es-ES" sz="2800" b="1" dirty="0" smtClean="0">
-                <a:solidFill>
-                  <a:schemeClr val="accent4">
-                    <a:lumMod val="75000"/>
-                  </a:schemeClr>
-                </a:solidFill>
-                <a:latin typeface="Times New Roman" panose="02020603050405020304" pitchFamily="18" charset="0"/>
-                <a:cs typeface="Times New Roman" panose="02020603050405020304" pitchFamily="18" charset="0"/>
-              </a:rPr>
-              <a:t>V</a:t>
-            </a:r>
-            <a:r>
-              <a:rPr lang="es-ES" sz="2800" b="1" dirty="0" smtClean="0">
-                <a:latin typeface="Times New Roman" panose="02020603050405020304" pitchFamily="18" charset="0"/>
-                <a:cs typeface="Times New Roman" panose="02020603050405020304" pitchFamily="18" charset="0"/>
-              </a:rPr>
-              <a:t> </a:t>
-            </a:r>
-            <a:r>
-              <a:rPr lang="es-ES" sz="2800" dirty="0" smtClean="0">
-                <a:latin typeface="Times New Roman" panose="02020603050405020304" pitchFamily="18" charset="0"/>
-                <a:cs typeface="Times New Roman" panose="02020603050405020304" pitchFamily="18" charset="0"/>
-              </a:rPr>
-              <a:t>= 5</a:t>
-            </a:r>
-          </a:p>
-          <a:p>
-            <a:pPr>
-              <a:lnSpc>
-                <a:spcPct val="150000"/>
-              </a:lnSpc>
-            </a:pPr>
-            <a:r>
-              <a:rPr lang="es-ES" sz="2800" b="1" dirty="0" smtClean="0">
-                <a:solidFill>
-                  <a:schemeClr val="accent4">
-                    <a:lumMod val="75000"/>
-                  </a:schemeClr>
-                </a:solidFill>
-                <a:latin typeface="Times New Roman" panose="02020603050405020304" pitchFamily="18" charset="0"/>
-                <a:cs typeface="Times New Roman" panose="02020603050405020304" pitchFamily="18" charset="0"/>
-              </a:rPr>
-              <a:t>X</a:t>
-            </a:r>
-            <a:r>
-              <a:rPr lang="es-ES" sz="2800" b="1" dirty="0" smtClean="0">
-                <a:latin typeface="Times New Roman" panose="02020603050405020304" pitchFamily="18" charset="0"/>
-                <a:cs typeface="Times New Roman" panose="02020603050405020304" pitchFamily="18" charset="0"/>
-              </a:rPr>
-              <a:t> </a:t>
-            </a:r>
-            <a:r>
-              <a:rPr lang="es-ES" sz="2800" dirty="0" smtClean="0">
-                <a:latin typeface="Times New Roman" panose="02020603050405020304" pitchFamily="18" charset="0"/>
-                <a:cs typeface="Times New Roman" panose="02020603050405020304" pitchFamily="18" charset="0"/>
-              </a:rPr>
-              <a:t>= 10</a:t>
-            </a:r>
-          </a:p>
-          <a:p>
-            <a:pPr>
-              <a:lnSpc>
-                <a:spcPct val="150000"/>
-              </a:lnSpc>
-            </a:pPr>
-            <a:r>
-              <a:rPr lang="es-ES" sz="2800" b="1" dirty="0" smtClean="0">
-                <a:solidFill>
-                  <a:schemeClr val="accent4">
-                    <a:lumMod val="75000"/>
-                  </a:schemeClr>
-                </a:solidFill>
-                <a:latin typeface="Times New Roman" panose="02020603050405020304" pitchFamily="18" charset="0"/>
-                <a:cs typeface="Times New Roman" panose="02020603050405020304" pitchFamily="18" charset="0"/>
-              </a:rPr>
-              <a:t>L</a:t>
-            </a:r>
-            <a:r>
-              <a:rPr lang="es-ES" sz="2800" b="1" dirty="0" smtClean="0">
-                <a:latin typeface="Times New Roman" panose="02020603050405020304" pitchFamily="18" charset="0"/>
-                <a:cs typeface="Times New Roman" panose="02020603050405020304" pitchFamily="18" charset="0"/>
-              </a:rPr>
-              <a:t> </a:t>
-            </a:r>
-            <a:r>
-              <a:rPr lang="es-ES" sz="2800" dirty="0" smtClean="0">
-                <a:latin typeface="Times New Roman" panose="02020603050405020304" pitchFamily="18" charset="0"/>
-                <a:cs typeface="Times New Roman" panose="02020603050405020304" pitchFamily="18" charset="0"/>
-              </a:rPr>
-              <a:t>= 50</a:t>
-            </a:r>
-          </a:p>
-          <a:p>
-            <a:pPr>
-              <a:lnSpc>
-                <a:spcPct val="150000"/>
-              </a:lnSpc>
-            </a:pPr>
-            <a:r>
-              <a:rPr lang="es-ES" sz="2800" b="1" dirty="0" smtClean="0">
-                <a:solidFill>
-                  <a:schemeClr val="accent4">
-                    <a:lumMod val="75000"/>
-                  </a:schemeClr>
-                </a:solidFill>
-                <a:latin typeface="Times New Roman" panose="02020603050405020304" pitchFamily="18" charset="0"/>
-                <a:cs typeface="Times New Roman" panose="02020603050405020304" pitchFamily="18" charset="0"/>
-              </a:rPr>
-              <a:t>C</a:t>
-            </a:r>
-            <a:r>
-              <a:rPr lang="es-ES" sz="2800" b="1" dirty="0" smtClean="0">
-                <a:latin typeface="Times New Roman" panose="02020603050405020304" pitchFamily="18" charset="0"/>
-                <a:cs typeface="Times New Roman" panose="02020603050405020304" pitchFamily="18" charset="0"/>
-              </a:rPr>
-              <a:t> </a:t>
-            </a:r>
-            <a:r>
-              <a:rPr lang="es-ES" sz="2800" dirty="0" smtClean="0">
-                <a:latin typeface="Times New Roman" panose="02020603050405020304" pitchFamily="18" charset="0"/>
-                <a:cs typeface="Times New Roman" panose="02020603050405020304" pitchFamily="18" charset="0"/>
-              </a:rPr>
-              <a:t>= 100</a:t>
-            </a:r>
-          </a:p>
-          <a:p>
-            <a:pPr>
-              <a:lnSpc>
-                <a:spcPct val="150000"/>
-              </a:lnSpc>
-            </a:pPr>
-            <a:r>
-              <a:rPr lang="es-ES" sz="2800" b="1" dirty="0" smtClean="0">
-                <a:solidFill>
-                  <a:schemeClr val="accent4">
-                    <a:lumMod val="75000"/>
-                  </a:schemeClr>
-                </a:solidFill>
-                <a:latin typeface="Times New Roman" panose="02020603050405020304" pitchFamily="18" charset="0"/>
-                <a:cs typeface="Times New Roman" panose="02020603050405020304" pitchFamily="18" charset="0"/>
-              </a:rPr>
-              <a:t>D</a:t>
-            </a:r>
-            <a:r>
-              <a:rPr lang="es-ES" sz="2800" b="1" dirty="0" smtClean="0">
-                <a:latin typeface="Times New Roman" panose="02020603050405020304" pitchFamily="18" charset="0"/>
-                <a:cs typeface="Times New Roman" panose="02020603050405020304" pitchFamily="18" charset="0"/>
-              </a:rPr>
-              <a:t> </a:t>
-            </a:r>
-            <a:r>
-              <a:rPr lang="es-ES" sz="2800" dirty="0" smtClean="0">
-                <a:latin typeface="Times New Roman" panose="02020603050405020304" pitchFamily="18" charset="0"/>
-                <a:cs typeface="Times New Roman" panose="02020603050405020304" pitchFamily="18" charset="0"/>
-              </a:rPr>
-              <a:t>= 500</a:t>
-            </a:r>
-          </a:p>
-          <a:p>
-            <a:pPr>
-              <a:lnSpc>
-                <a:spcPct val="150000"/>
-              </a:lnSpc>
-            </a:pPr>
-            <a:r>
-              <a:rPr lang="es-ES" sz="2800" b="1" dirty="0" smtClean="0">
-                <a:solidFill>
-                  <a:schemeClr val="accent4">
-                    <a:lumMod val="75000"/>
-                  </a:schemeClr>
-                </a:solidFill>
-                <a:latin typeface="Times New Roman" panose="02020603050405020304" pitchFamily="18" charset="0"/>
-                <a:cs typeface="Times New Roman" panose="02020603050405020304" pitchFamily="18" charset="0"/>
-              </a:rPr>
-              <a:t>M</a:t>
-            </a:r>
-            <a:r>
-              <a:rPr lang="es-ES" sz="2800" b="1" dirty="0" smtClean="0">
-                <a:latin typeface="Times New Roman" panose="02020603050405020304" pitchFamily="18" charset="0"/>
-                <a:cs typeface="Times New Roman" panose="02020603050405020304" pitchFamily="18" charset="0"/>
-              </a:rPr>
-              <a:t> </a:t>
-            </a:r>
-            <a:r>
-              <a:rPr lang="es-ES" sz="2800" dirty="0" smtClean="0">
-                <a:latin typeface="Times New Roman" panose="02020603050405020304" pitchFamily="18" charset="0"/>
-                <a:cs typeface="Times New Roman" panose="02020603050405020304" pitchFamily="18" charset="0"/>
-              </a:rPr>
-              <a:t>= 1000</a:t>
-            </a:r>
-            <a:endParaRPr lang="es-ES" sz="2800" dirty="0">
-              <a:latin typeface="Times New Roman" panose="02020603050405020304" pitchFamily="18" charset="0"/>
-              <a:cs typeface="Times New Roman" panose="02020603050405020304" pitchFamily="18" charset="0"/>
-            </a:endParaRPr>
-          </a:p>
-        </p:txBody>
-      </p:sp>
-      <p:pic>
-        <p:nvPicPr>
-          <p:cNvPr id="6" name="Picture 5"/>
-          <p:cNvPicPr>
-            <a:picLocks noChangeAspect="1"/>
-          </p:cNvPicPr>
-          <p:nvPr/>
-        </p:nvPicPr>
-        <p:blipFill>
-          <a:blip r:embed="rId3"/>
-          <a:stretch>
-            <a:fillRect/>
-          </a:stretch>
-        </p:blipFill>
-        <p:spPr>
-          <a:xfrm>
-            <a:off x="609600" y="1916832"/>
-            <a:ext cx="3456384" cy="3456384"/>
-          </a:xfrm>
-          <a:prstGeom prst="rect">
-            <a:avLst/>
-          </a:prstGeom>
-        </p:spPr>
-      </p:pic>
-    </p:spTree>
   </p:cSld>
   <p:clrMapOvr>
     <a:masterClrMapping/>
@@ -13583,6 +14137,15 @@
 </file>
 
 <file path=customXml/item2.xml><?xml version="1.0" encoding="utf-8"?>
+<?mso-contentType ?>
+<FormTemplates xmlns="http://schemas.microsoft.com/sharepoint/v3/contenttype/forms">
+  <Display>DocumentLibraryForm</Display>
+  <Edit>DocumentLibraryForm</Edit>
+  <New>DocumentLibraryForm</New>
+</FormTemplates>
+</file>
+
+<file path=customXml/item3.xml><?xml version="1.0" encoding="utf-8"?>
 <ct:contentTypeSchema xmlns:ct="http://schemas.microsoft.com/office/2006/metadata/contentType" xmlns:ma="http://schemas.microsoft.com/office/2006/metadata/properties/metaAttributes" ct:_="" ma:_="" ma:contentTypeName="Document" ma:contentTypeID="0x01010003E6AA805E06284B92367B5312DAEABD" ma:contentTypeVersion="2" ma:contentTypeDescription="Create a new document." ma:contentTypeScope="" ma:versionID="5d3fcf7c78f9559156fd4b1bff51d7a0">
   <xsd:schema xmlns:xsd="http://www.w3.org/2001/XMLSchema" xmlns:xs="http://www.w3.org/2001/XMLSchema" xmlns:p="http://schemas.microsoft.com/office/2006/metadata/properties" xmlns:ns2="99b8c997-432e-483c-b625-62aec4b38177" targetNamespace="http://schemas.microsoft.com/office/2006/metadata/properties" ma:root="true" ma:fieldsID="82cee7966e8b05c359a02592ddd1367d" ns2:_="">
     <xsd:import namespace="99b8c997-432e-483c-b625-62aec4b38177"/>
@@ -13714,15 +14277,6 @@
 </ct:contentTypeSchema>
 </file>
 
-<file path=customXml/item3.xml><?xml version="1.0" encoding="utf-8"?>
-<?mso-contentType ?>
-<FormTemplates xmlns="http://schemas.microsoft.com/sharepoint/v3/contenttype/forms">
-  <Display>DocumentLibraryForm</Display>
-  <Edit>DocumentLibraryForm</Edit>
-  <New>DocumentLibraryForm</New>
-</FormTemplates>
-</file>
-
 <file path=customXml/itemProps1.xml><?xml version="1.0" encoding="utf-8"?>
 <ds:datastoreItem xmlns:ds="http://schemas.openxmlformats.org/officeDocument/2006/customXml" ds:itemID="{E6E34656-E680-4E45-821A-28D34D1E6F89}">
   <ds:schemaRefs>
@@ -13733,6 +14287,14 @@
 </file>
 
 <file path=customXml/itemProps2.xml><?xml version="1.0" encoding="utf-8"?>
+<ds:datastoreItem xmlns:ds="http://schemas.openxmlformats.org/officeDocument/2006/customXml" ds:itemID="{A3E109F4-0379-463E-9FBF-BAF009C5FA9B}">
+  <ds:schemaRefs>
+    <ds:schemaRef ds:uri="http://schemas.microsoft.com/sharepoint/v3/contenttype/forms"/>
+  </ds:schemaRefs>
+</ds:datastoreItem>
+</file>
+
+<file path=customXml/itemProps3.xml><?xml version="1.0" encoding="utf-8"?>
 <ds:datastoreItem xmlns:ds="http://schemas.openxmlformats.org/officeDocument/2006/customXml" ds:itemID="{97CBFFC5-6D74-4537-88D6-2718B8B037EF}">
   <ds:schemaRefs>
     <ds:schemaRef ds:uri="http://schemas.microsoft.com/office/2006/metadata/contentType"/>
@@ -13748,12 +14310,4 @@
     <ds:schemaRef ds:uri="http://schemas.microsoft.com/internal/obd"/>
   </ds:schemaRefs>
 </ds:datastoreItem>
-</file>
-
-<file path=customXml/itemProps3.xml><?xml version="1.0" encoding="utf-8"?>
-<ds:datastoreItem xmlns:ds="http://schemas.openxmlformats.org/officeDocument/2006/customXml" ds:itemID="{A3E109F4-0379-463E-9FBF-BAF009C5FA9B}">
-  <ds:schemaRefs>
-    <ds:schemaRef ds:uri="http://schemas.microsoft.com/sharepoint/v3/contenttype/forms"/>
-  </ds:schemaRefs>
-</ds:datastoreItem>
 </file>